--- a/LCC/Java/11_Nio2概要.pptx
+++ b/LCC/Java/11_Nio2概要.pptx
@@ -7,9 +7,23 @@
   <p:sldIdLst>
     <p:sldId id="256" r:id="rId2"/>
     <p:sldId id="257" r:id="rId3"/>
-    <p:sldId id="259" r:id="rId4"/>
-    <p:sldId id="258" r:id="rId5"/>
-    <p:sldId id="260" r:id="rId6"/>
+    <p:sldId id="272" r:id="rId4"/>
+    <p:sldId id="263" r:id="rId5"/>
+    <p:sldId id="264" r:id="rId6"/>
+    <p:sldId id="265" r:id="rId7"/>
+    <p:sldId id="258" r:id="rId8"/>
+    <p:sldId id="259" r:id="rId9"/>
+    <p:sldId id="261" r:id="rId10"/>
+    <p:sldId id="262" r:id="rId11"/>
+    <p:sldId id="267" r:id="rId12"/>
+    <p:sldId id="266" r:id="rId13"/>
+    <p:sldId id="260" r:id="rId14"/>
+    <p:sldId id="268" r:id="rId15"/>
+    <p:sldId id="269" r:id="rId16"/>
+    <p:sldId id="271" r:id="rId17"/>
+    <p:sldId id="270" r:id="rId18"/>
+    <p:sldId id="273" r:id="rId19"/>
+    <p:sldId id="274" r:id="rId20"/>
   </p:sldIdLst>
   <p:sldSz cx="12192000" cy="6858000"/>
   <p:notesSz cx="6858000" cy="9144000"/>
@@ -850,7 +864,7 @@
             <a:fld id="{B61BEF0D-F0BB-DE4B-95CE-6DB70DBA9567}" type="datetimeFigureOut">
               <a:rPr lang="en-US" dirty="0"/>
               <a:pPr/>
-              <a:t>11/5/2021</a:t>
+              <a:t>11/10/2021</a:t>
             </a:fld>
             <a:endParaRPr lang="en-US" dirty="0"/>
           </a:p>
@@ -1098,7 +1112,7 @@
             <a:fld id="{B61BEF0D-F0BB-DE4B-95CE-6DB70DBA9567}" type="datetimeFigureOut">
               <a:rPr lang="en-US" dirty="0"/>
               <a:pPr/>
-              <a:t>11/5/2021</a:t>
+              <a:t>11/10/2021</a:t>
             </a:fld>
             <a:endParaRPr lang="en-US" dirty="0"/>
           </a:p>
@@ -1409,7 +1423,7 @@
             <a:fld id="{B61BEF0D-F0BB-DE4B-95CE-6DB70DBA9567}" type="datetimeFigureOut">
               <a:rPr lang="en-US" dirty="0"/>
               <a:pPr/>
-              <a:t>11/5/2021</a:t>
+              <a:t>11/10/2021</a:t>
             </a:fld>
             <a:endParaRPr lang="en-US" dirty="0"/>
           </a:p>
@@ -1747,7 +1761,7 @@
             <a:fld id="{B61BEF0D-F0BB-DE4B-95CE-6DB70DBA9567}" type="datetimeFigureOut">
               <a:rPr lang="en-US" dirty="0"/>
               <a:pPr/>
-              <a:t>11/5/2021</a:t>
+              <a:t>11/10/2021</a:t>
             </a:fld>
             <a:endParaRPr lang="en-US" dirty="0"/>
           </a:p>
@@ -2058,7 +2072,7 @@
             <a:fld id="{B61BEF0D-F0BB-DE4B-95CE-6DB70DBA9567}" type="datetimeFigureOut">
               <a:rPr lang="en-US" dirty="0"/>
               <a:pPr/>
-              <a:t>11/5/2021</a:t>
+              <a:t>11/10/2021</a:t>
             </a:fld>
             <a:endParaRPr lang="en-US" dirty="0"/>
           </a:p>
@@ -2448,7 +2462,7 @@
             <a:fld id="{B61BEF0D-F0BB-DE4B-95CE-6DB70DBA9567}" type="datetimeFigureOut">
               <a:rPr lang="en-US" dirty="0"/>
               <a:pPr/>
-              <a:t>11/5/2021</a:t>
+              <a:t>11/10/2021</a:t>
             </a:fld>
             <a:endParaRPr lang="en-US" dirty="0"/>
           </a:p>
@@ -2614,7 +2628,7 @@
           <a:p>
             <a:fld id="{55C6B4A9-1611-4792-9094-5F34BCA07E0B}" type="datetimeFigureOut">
               <a:rPr lang="en-US" dirty="0"/>
-              <a:t>11/5/2021</a:t>
+              <a:t>11/10/2021</a:t>
             </a:fld>
             <a:endParaRPr lang="en-US" dirty="0"/>
           </a:p>
@@ -2790,7 +2804,7 @@
             <a:fld id="{B61BEF0D-F0BB-DE4B-95CE-6DB70DBA9567}" type="datetimeFigureOut">
               <a:rPr lang="en-US" dirty="0"/>
               <a:pPr/>
-              <a:t>11/5/2021</a:t>
+              <a:t>11/10/2021</a:t>
             </a:fld>
             <a:endParaRPr lang="en-US" dirty="0"/>
           </a:p>
@@ -2987,7 +3001,7 @@
             <a:fld id="{B61BEF0D-F0BB-DE4B-95CE-6DB70DBA9567}" type="datetimeFigureOut">
               <a:rPr lang="en-US" dirty="0"/>
               <a:pPr/>
-              <a:t>11/5/2021</a:t>
+              <a:t>11/10/2021</a:t>
             </a:fld>
             <a:endParaRPr lang="en-US" dirty="0"/>
           </a:p>
@@ -3231,7 +3245,7 @@
             <a:fld id="{B61BEF0D-F0BB-DE4B-95CE-6DB70DBA9567}" type="datetimeFigureOut">
               <a:rPr lang="en-US" dirty="0"/>
               <a:pPr/>
-              <a:t>11/5/2021</a:t>
+              <a:t>11/10/2021</a:t>
             </a:fld>
             <a:endParaRPr lang="en-US" dirty="0"/>
           </a:p>
@@ -3459,7 +3473,7 @@
           <a:p>
             <a:fld id="{EB712588-04B1-427B-82EE-E8DB90309F08}" type="datetimeFigureOut">
               <a:rPr lang="en-US" dirty="0"/>
-              <a:t>11/5/2021</a:t>
+              <a:t>11/10/2021</a:t>
             </a:fld>
             <a:endParaRPr lang="en-US" dirty="0"/>
           </a:p>
@@ -3829,7 +3843,7 @@
             <a:fld id="{B61BEF0D-F0BB-DE4B-95CE-6DB70DBA9567}" type="datetimeFigureOut">
               <a:rPr lang="en-US" dirty="0"/>
               <a:pPr/>
-              <a:t>11/5/2021</a:t>
+              <a:t>11/10/2021</a:t>
             </a:fld>
             <a:endParaRPr lang="en-US" dirty="0"/>
           </a:p>
@@ -3949,7 +3963,7 @@
             <a:fld id="{B61BEF0D-F0BB-DE4B-95CE-6DB70DBA9567}" type="datetimeFigureOut">
               <a:rPr lang="en-US" dirty="0"/>
               <a:pPr/>
-              <a:t>11/5/2021</a:t>
+              <a:t>11/10/2021</a:t>
             </a:fld>
             <a:endParaRPr lang="en-US" dirty="0"/>
           </a:p>
@@ -4041,7 +4055,7 @@
             <a:fld id="{B61BEF0D-F0BB-DE4B-95CE-6DB70DBA9567}" type="datetimeFigureOut">
               <a:rPr lang="en-US" dirty="0"/>
               <a:pPr/>
-              <a:t>11/5/2021</a:t>
+              <a:t>11/10/2021</a:t>
             </a:fld>
             <a:endParaRPr lang="en-US" dirty="0"/>
           </a:p>
@@ -4292,7 +4306,7 @@
           <a:p>
             <a:fld id="{42A54C80-263E-416B-A8E0-580EDEADCBDC}" type="datetimeFigureOut">
               <a:rPr lang="en-US" dirty="0"/>
-              <a:t>11/5/2021</a:t>
+              <a:t>11/10/2021</a:t>
             </a:fld>
             <a:endParaRPr lang="en-US" dirty="0"/>
           </a:p>
@@ -4551,7 +4565,7 @@
             <a:fld id="{B61BEF0D-F0BB-DE4B-95CE-6DB70DBA9567}" type="datetimeFigureOut">
               <a:rPr lang="en-US" dirty="0"/>
               <a:pPr/>
-              <a:t>11/5/2021</a:t>
+              <a:t>11/10/2021</a:t>
             </a:fld>
             <a:endParaRPr lang="en-US" dirty="0"/>
           </a:p>
@@ -5291,7 +5305,7 @@
             <a:fld id="{B61BEF0D-F0BB-DE4B-95CE-6DB70DBA9567}" type="datetimeFigureOut">
               <a:rPr lang="en-US" dirty="0"/>
               <a:pPr/>
-              <a:t>11/5/2021</a:t>
+              <a:t>11/10/2021</a:t>
             </a:fld>
             <a:endParaRPr lang="en-US" dirty="0"/>
           </a:p>
@@ -6024,7 +6038,7 @@
             <a:fld id="{4805910D-2C61-424F-80CE-807290CF0E1E}" type="datetime4">
               <a:rPr lang="zh-TW" altLang="zh-TW"/>
               <a:pPr/>
-              <a:t>110年11月5日星期五</a:t>
+              <a:t>110年11月10日星期三</a:t>
             </a:fld>
             <a:endParaRPr lang="zh-TW" altLang="en-US" dirty="0"/>
           </a:p>
@@ -6087,6 +6101,4079 @@
 </p:sld>
 </file>
 
+<file path=ppt/slides/slide10.xml><?xml version="1.0" encoding="utf-8"?>
+<p:sld xmlns:a="http://schemas.openxmlformats.org/drawingml/2006/main" xmlns:r="http://schemas.openxmlformats.org/officeDocument/2006/relationships" xmlns:p="http://schemas.openxmlformats.org/presentationml/2006/main">
+  <p:cSld>
+    <p:spTree>
+      <p:nvGrpSpPr>
+        <p:cNvPr id="1" name=""/>
+        <p:cNvGrpSpPr/>
+        <p:nvPr/>
+      </p:nvGrpSpPr>
+      <p:grpSpPr>
+        <a:xfrm>
+          <a:off x="0" y="0"/>
+          <a:ext cx="0" cy="0"/>
+          <a:chOff x="0" y="0"/>
+          <a:chExt cx="0" cy="0"/>
+        </a:xfrm>
+      </p:grpSpPr>
+      <p:sp>
+        <p:nvSpPr>
+          <p:cNvPr id="2" name="標題 1"/>
+          <p:cNvSpPr>
+            <a:spLocks noGrp="1"/>
+          </p:cNvSpPr>
+          <p:nvPr>
+            <p:ph type="title"/>
+          </p:nvPr>
+        </p:nvSpPr>
+        <p:spPr/>
+        <p:txBody>
+          <a:bodyPr/>
+          <a:lstStyle/>
+          <a:p>
+            <a:r>
+              <a:rPr lang="en-US" altLang="zh-TW" dirty="0"/>
+              <a:t>Path</a:t>
+            </a:r>
+            <a:r>
+              <a:rPr lang="zh-TW" altLang="en-US" dirty="0"/>
+              <a:t>試用</a:t>
+            </a:r>
+            <a:r>
+              <a:rPr lang="zh-TW" altLang="en-US" dirty="0" smtClean="0"/>
+              <a:t>一下</a:t>
+            </a:r>
+            <a:r>
+              <a:rPr lang="en-US" altLang="zh-TW" dirty="0" smtClean="0"/>
+              <a:t>(2/2)</a:t>
+            </a:r>
+            <a:endParaRPr lang="zh-TW" altLang="en-US" dirty="0"/>
+          </a:p>
+        </p:txBody>
+      </p:sp>
+      <p:sp>
+        <p:nvSpPr>
+          <p:cNvPr id="3" name="內容版面配置區 2"/>
+          <p:cNvSpPr>
+            <a:spLocks noGrp="1"/>
+          </p:cNvSpPr>
+          <p:nvPr>
+            <p:ph idx="1"/>
+          </p:nvPr>
+        </p:nvSpPr>
+        <p:spPr>
+          <a:xfrm>
+            <a:off x="512742" y="2151445"/>
+            <a:ext cx="3620346" cy="3880773"/>
+          </a:xfrm>
+        </p:spPr>
+        <p:txBody>
+          <a:bodyPr/>
+          <a:lstStyle/>
+          <a:p>
+            <a:r>
+              <a:rPr lang="zh-TW" altLang="en-US" dirty="0" smtClean="0"/>
+              <a:t>再來主程式中輸入右邊程式碼。</a:t>
+            </a:r>
+            <a:endParaRPr lang="en-US" altLang="zh-TW" dirty="0" smtClean="0"/>
+          </a:p>
+          <a:p>
+            <a:r>
+              <a:rPr lang="zh-TW" altLang="en-US" dirty="0" smtClean="0"/>
+              <a:t>這</a:t>
+            </a:r>
+            <a:r>
+              <a:rPr lang="zh-TW" altLang="en-US" dirty="0"/>
+              <a:t>段程式碼</a:t>
+            </a:r>
+            <a:r>
+              <a:rPr lang="zh-TW" altLang="en-US" dirty="0" smtClean="0"/>
+              <a:t>顯示如何取得一個檔案的</a:t>
+            </a:r>
+            <a:r>
+              <a:rPr lang="en-US" altLang="zh-TW" dirty="0" smtClean="0"/>
+              <a:t>Path</a:t>
+            </a:r>
+            <a:r>
+              <a:rPr lang="zh-TW" altLang="en-US" dirty="0" smtClean="0"/>
+              <a:t>基本資訊。</a:t>
+            </a:r>
+            <a:endParaRPr lang="en-US" altLang="zh-TW" dirty="0" smtClean="0"/>
+          </a:p>
+          <a:p>
+            <a:r>
+              <a:rPr lang="en-US" altLang="zh-TW" dirty="0" smtClean="0"/>
+              <a:t>Path</a:t>
+            </a:r>
+            <a:r>
+              <a:rPr lang="zh-TW" altLang="en-US" dirty="0" smtClean="0"/>
+              <a:t>沒有讀寫檔案的功能喔～</a:t>
+            </a:r>
+            <a:endParaRPr lang="zh-TW" altLang="en-US" dirty="0"/>
+          </a:p>
+        </p:txBody>
+      </p:sp>
+      <p:pic>
+        <p:nvPicPr>
+          <p:cNvPr id="8" name="圖片 7"/>
+          <p:cNvPicPr>
+            <a:picLocks noChangeAspect="1"/>
+          </p:cNvPicPr>
+          <p:nvPr/>
+        </p:nvPicPr>
+        <p:blipFill>
+          <a:blip r:embed="rId2"/>
+          <a:stretch>
+            <a:fillRect/>
+          </a:stretch>
+        </p:blipFill>
+        <p:spPr>
+          <a:xfrm>
+            <a:off x="4302156" y="1270000"/>
+            <a:ext cx="7800023" cy="2790431"/>
+          </a:xfrm>
+          <a:prstGeom prst="rect">
+            <a:avLst/>
+          </a:prstGeom>
+        </p:spPr>
+      </p:pic>
+      <p:pic>
+        <p:nvPicPr>
+          <p:cNvPr id="9" name="圖片 8"/>
+          <p:cNvPicPr>
+            <a:picLocks noChangeAspect="1"/>
+          </p:cNvPicPr>
+          <p:nvPr/>
+        </p:nvPicPr>
+        <p:blipFill>
+          <a:blip r:embed="rId3"/>
+          <a:stretch>
+            <a:fillRect/>
+          </a:stretch>
+        </p:blipFill>
+        <p:spPr>
+          <a:xfrm>
+            <a:off x="4302156" y="4091831"/>
+            <a:ext cx="4166985" cy="2495438"/>
+          </a:xfrm>
+          <a:prstGeom prst="rect">
+            <a:avLst/>
+          </a:prstGeom>
+        </p:spPr>
+      </p:pic>
+    </p:spTree>
+    <p:extLst>
+      <p:ext uri="{BB962C8B-B14F-4D97-AF65-F5344CB8AC3E}">
+        <p14:creationId xmlns:p14="http://schemas.microsoft.com/office/powerpoint/2010/main" val="3014842264"/>
+      </p:ext>
+    </p:extLst>
+  </p:cSld>
+  <p:clrMapOvr>
+    <a:masterClrMapping/>
+  </p:clrMapOvr>
+</p:sld>
+</file>
+
+<file path=ppt/slides/slide11.xml><?xml version="1.0" encoding="utf-8"?>
+<p:sld xmlns:a="http://schemas.openxmlformats.org/drawingml/2006/main" xmlns:r="http://schemas.openxmlformats.org/officeDocument/2006/relationships" xmlns:p="http://schemas.openxmlformats.org/presentationml/2006/main">
+  <p:cSld>
+    <p:spTree>
+      <p:nvGrpSpPr>
+        <p:cNvPr id="1" name=""/>
+        <p:cNvGrpSpPr/>
+        <p:nvPr/>
+      </p:nvGrpSpPr>
+      <p:grpSpPr>
+        <a:xfrm>
+          <a:off x="0" y="0"/>
+          <a:ext cx="0" cy="0"/>
+          <a:chOff x="0" y="0"/>
+          <a:chExt cx="0" cy="0"/>
+        </a:xfrm>
+      </p:grpSpPr>
+      <p:sp>
+        <p:nvSpPr>
+          <p:cNvPr id="4" name="標題 3"/>
+          <p:cNvSpPr>
+            <a:spLocks noGrp="1"/>
+          </p:cNvSpPr>
+          <p:nvPr>
+            <p:ph type="title"/>
+          </p:nvPr>
+        </p:nvSpPr>
+        <p:spPr/>
+        <p:txBody>
+          <a:bodyPr/>
+          <a:lstStyle/>
+          <a:p>
+            <a:r>
+              <a:rPr lang="en-US" altLang="zh-TW" dirty="0" smtClean="0"/>
+              <a:t>NIO2</a:t>
+            </a:r>
+            <a:r>
+              <a:rPr lang="zh-TW" altLang="en-US" dirty="0" smtClean="0"/>
+              <a:t>的精華 </a:t>
+            </a:r>
+            <a:r>
+              <a:rPr lang="en-US" altLang="zh-TW" dirty="0" smtClean="0"/>
+              <a:t>Files</a:t>
+            </a:r>
+            <a:endParaRPr lang="zh-TW" altLang="en-US" dirty="0"/>
+          </a:p>
+        </p:txBody>
+      </p:sp>
+      <p:sp>
+        <p:nvSpPr>
+          <p:cNvPr id="5" name="文字版面配置區 4"/>
+          <p:cNvSpPr>
+            <a:spLocks noGrp="1"/>
+          </p:cNvSpPr>
+          <p:nvPr>
+            <p:ph type="body" idx="1"/>
+          </p:nvPr>
+        </p:nvSpPr>
+        <p:spPr/>
+        <p:txBody>
+          <a:bodyPr/>
+          <a:lstStyle/>
+          <a:p>
+            <a:endParaRPr lang="zh-TW" altLang="en-US"/>
+          </a:p>
+        </p:txBody>
+      </p:sp>
+    </p:spTree>
+    <p:extLst>
+      <p:ext uri="{BB962C8B-B14F-4D97-AF65-F5344CB8AC3E}">
+        <p14:creationId xmlns:p14="http://schemas.microsoft.com/office/powerpoint/2010/main" val="2071335212"/>
+      </p:ext>
+    </p:extLst>
+  </p:cSld>
+  <p:clrMapOvr>
+    <a:masterClrMapping/>
+  </p:clrMapOvr>
+</p:sld>
+</file>
+
+<file path=ppt/slides/slide12.xml><?xml version="1.0" encoding="utf-8"?>
+<p:sld xmlns:a="http://schemas.openxmlformats.org/drawingml/2006/main" xmlns:r="http://schemas.openxmlformats.org/officeDocument/2006/relationships" xmlns:p="http://schemas.openxmlformats.org/presentationml/2006/main">
+  <p:cSld>
+    <p:spTree>
+      <p:nvGrpSpPr>
+        <p:cNvPr id="1" name=""/>
+        <p:cNvGrpSpPr/>
+        <p:nvPr/>
+      </p:nvGrpSpPr>
+      <p:grpSpPr>
+        <a:xfrm>
+          <a:off x="0" y="0"/>
+          <a:ext cx="0" cy="0"/>
+          <a:chOff x="0" y="0"/>
+          <a:chExt cx="0" cy="0"/>
+        </a:xfrm>
+      </p:grpSpPr>
+      <p:sp>
+        <p:nvSpPr>
+          <p:cNvPr id="2" name="標題 1"/>
+          <p:cNvSpPr>
+            <a:spLocks noGrp="1"/>
+          </p:cNvSpPr>
+          <p:nvPr>
+            <p:ph type="title"/>
+          </p:nvPr>
+        </p:nvSpPr>
+        <p:spPr/>
+        <p:txBody>
+          <a:bodyPr>
+            <a:normAutofit fontScale="90000"/>
+          </a:bodyPr>
+          <a:lstStyle/>
+          <a:p>
+            <a:r>
+              <a:rPr lang="en-US" altLang="zh-TW" sz="4400" dirty="0" smtClean="0"/>
+              <a:t>Files</a:t>
+            </a:r>
+            <a:r>
+              <a:rPr lang="zh-TW" altLang="en-US" sz="4400" dirty="0" smtClean="0"/>
+              <a:t>的功用</a:t>
+            </a:r>
+            <a:r>
+              <a:rPr lang="en-US" altLang="zh-TW" dirty="0" smtClean="0"/>
+              <a:t/>
+            </a:r>
+            <a:br>
+              <a:rPr lang="en-US" altLang="zh-TW" dirty="0" smtClean="0"/>
+            </a:br>
+            <a:r>
+              <a:rPr lang="en-US" altLang="zh-TW" sz="2200" dirty="0"/>
+              <a:t>NIO.2 </a:t>
+            </a:r>
+            <a:r>
+              <a:rPr lang="zh-TW" altLang="en-US" sz="2200" dirty="0"/>
+              <a:t>的精華在於 </a:t>
+            </a:r>
+            <a:r>
+              <a:rPr lang="en-US" altLang="zh-TW" sz="2200" dirty="0" err="1"/>
+              <a:t>java.nio.file.</a:t>
+            </a:r>
+            <a:r>
+              <a:rPr lang="en-US" altLang="zh-TW" sz="2200" dirty="0" err="1">
+                <a:solidFill>
+                  <a:srgbClr val="FF0000"/>
+                </a:solidFill>
+              </a:rPr>
+              <a:t>Files</a:t>
+            </a:r>
+            <a:r>
+              <a:rPr lang="zh-TW" altLang="en-US" sz="2200" dirty="0"/>
+              <a:t>這個 </a:t>
+            </a:r>
+            <a:r>
+              <a:rPr lang="en-US" altLang="zh-TW" sz="2200" dirty="0">
+                <a:solidFill>
+                  <a:srgbClr val="FF0000"/>
+                </a:solidFill>
+              </a:rPr>
+              <a:t>utility class</a:t>
+            </a:r>
+            <a:r>
+              <a:rPr lang="en-US" altLang="zh-TW" sz="2200" dirty="0"/>
+              <a:t/>
+            </a:r>
+            <a:br>
+              <a:rPr lang="en-US" altLang="zh-TW" sz="2200" dirty="0"/>
+            </a:br>
+            <a:endParaRPr lang="zh-TW" altLang="en-US" dirty="0"/>
+          </a:p>
+        </p:txBody>
+      </p:sp>
+      <p:sp>
+        <p:nvSpPr>
+          <p:cNvPr id="3" name="內容版面配置區 2"/>
+          <p:cNvSpPr>
+            <a:spLocks noGrp="1"/>
+          </p:cNvSpPr>
+          <p:nvPr>
+            <p:ph idx="1"/>
+          </p:nvPr>
+        </p:nvSpPr>
+        <p:spPr/>
+        <p:txBody>
+          <a:bodyPr>
+            <a:normAutofit fontScale="85000" lnSpcReduction="10000"/>
+          </a:bodyPr>
+          <a:lstStyle/>
+          <a:p>
+            <a:r>
+              <a:rPr lang="zh-TW" altLang="en-US" dirty="0" smtClean="0"/>
+              <a:t>複製</a:t>
+            </a:r>
+            <a:r>
+              <a:rPr lang="zh-TW" altLang="en-US" dirty="0"/>
+              <a:t>檔案或目錄：</a:t>
+            </a:r>
+            <a:r>
+              <a:rPr lang="en-US" altLang="zh-TW" dirty="0"/>
+              <a:t>Files.</a:t>
+            </a:r>
+            <a:r>
+              <a:rPr lang="en-US" altLang="zh-TW" dirty="0">
+                <a:solidFill>
+                  <a:srgbClr val="FF0000"/>
+                </a:solidFill>
+              </a:rPr>
+              <a:t>copy</a:t>
+            </a:r>
+            <a:r>
+              <a:rPr lang="en-US" altLang="zh-TW" dirty="0"/>
+              <a:t>(sourcePath, targetPath, copyOptions)</a:t>
+            </a:r>
+          </a:p>
+          <a:p>
+            <a:pPr lvl="1"/>
+            <a:r>
+              <a:rPr lang="en-US" altLang="zh-TW" dirty="0"/>
+              <a:t>copyOptions </a:t>
+            </a:r>
+            <a:r>
+              <a:rPr lang="zh-TW" altLang="en-US" dirty="0"/>
+              <a:t>參閱 </a:t>
+            </a:r>
+            <a:r>
+              <a:rPr lang="en-US" altLang="zh-TW" dirty="0"/>
+              <a:t>java.nio.file.StandardCopyOption</a:t>
+            </a:r>
+          </a:p>
+          <a:p>
+            <a:r>
+              <a:rPr lang="zh-TW" altLang="en-US" dirty="0"/>
+              <a:t>刪除檔案或目錄：</a:t>
+            </a:r>
+            <a:r>
+              <a:rPr lang="en-US" altLang="zh-TW" dirty="0"/>
+              <a:t>Files.</a:t>
+            </a:r>
+            <a:r>
+              <a:rPr lang="en-US" altLang="zh-TW" dirty="0">
+                <a:solidFill>
+                  <a:srgbClr val="FF0000"/>
+                </a:solidFill>
+              </a:rPr>
+              <a:t>delete</a:t>
+            </a:r>
+            <a:r>
+              <a:rPr lang="en-US" altLang="zh-TW" dirty="0"/>
+              <a:t>(path)</a:t>
+            </a:r>
+          </a:p>
+          <a:p>
+            <a:r>
+              <a:rPr lang="zh-TW" altLang="en-US" dirty="0"/>
+              <a:t>移動檔案或目錄：</a:t>
+            </a:r>
+            <a:r>
+              <a:rPr lang="en-US" altLang="zh-TW" dirty="0"/>
+              <a:t>Files.</a:t>
+            </a:r>
+            <a:r>
+              <a:rPr lang="en-US" altLang="zh-TW" dirty="0">
+                <a:solidFill>
+                  <a:srgbClr val="FF0000"/>
+                </a:solidFill>
+              </a:rPr>
+              <a:t>move</a:t>
+            </a:r>
+            <a:r>
+              <a:rPr lang="en-US" altLang="zh-TW" dirty="0"/>
+              <a:t>(sourcePath, targetPath, copyOptions)</a:t>
+            </a:r>
+          </a:p>
+          <a:p>
+            <a:r>
+              <a:rPr lang="zh-TW" altLang="en-US" dirty="0"/>
+              <a:t>取得檔案大小：</a:t>
+            </a:r>
+            <a:r>
+              <a:rPr lang="en-US" altLang="zh-TW" dirty="0"/>
+              <a:t>Files.</a:t>
+            </a:r>
+            <a:r>
+              <a:rPr lang="en-US" altLang="zh-TW" dirty="0">
+                <a:solidFill>
+                  <a:srgbClr val="FF0000"/>
+                </a:solidFill>
+              </a:rPr>
+              <a:t>size</a:t>
+            </a:r>
+            <a:r>
+              <a:rPr lang="en-US" altLang="zh-TW" dirty="0"/>
+              <a:t>(path)</a:t>
+            </a:r>
+            <a:r>
+              <a:rPr lang="zh-TW" altLang="en-US" dirty="0"/>
+              <a:t>，單位是 </a:t>
+            </a:r>
+            <a:r>
+              <a:rPr lang="en-US" altLang="zh-TW" dirty="0"/>
+              <a:t>byte</a:t>
+            </a:r>
+          </a:p>
+          <a:p>
+            <a:r>
+              <a:rPr lang="zh-TW" altLang="en-US" dirty="0"/>
+              <a:t>讀取檔案</a:t>
+            </a:r>
+            <a:r>
+              <a:rPr lang="zh-TW" altLang="en-US" dirty="0" smtClean="0"/>
+              <a:t>：</a:t>
+            </a:r>
+            <a:endParaRPr lang="en-US" altLang="zh-TW" dirty="0" smtClean="0"/>
+          </a:p>
+          <a:p>
+            <a:pPr lvl="1"/>
+            <a:r>
+              <a:rPr lang="en-US" altLang="zh-TW" dirty="0" smtClean="0"/>
+              <a:t>Files.</a:t>
+            </a:r>
+            <a:r>
+              <a:rPr lang="en-US" altLang="zh-TW" dirty="0" smtClean="0">
+                <a:solidFill>
+                  <a:srgbClr val="FF0000"/>
+                </a:solidFill>
+              </a:rPr>
+              <a:t>readAllBytes</a:t>
+            </a:r>
+            <a:r>
+              <a:rPr lang="en-US" altLang="zh-TW" dirty="0" smtClean="0"/>
+              <a:t>(path</a:t>
+            </a:r>
+            <a:r>
+              <a:rPr lang="en-US" altLang="zh-TW" dirty="0"/>
+              <a:t>) </a:t>
+            </a:r>
+            <a:r>
+              <a:rPr lang="zh-TW" altLang="en-US" dirty="0"/>
+              <a:t>會回傳 </a:t>
+            </a:r>
+            <a:r>
+              <a:rPr lang="en-US" altLang="zh-TW" dirty="0"/>
+              <a:t>byte</a:t>
+            </a:r>
+            <a:r>
+              <a:rPr lang="en-US" altLang="zh-TW" dirty="0" smtClean="0"/>
+              <a:t>[]</a:t>
+            </a:r>
+            <a:r>
+              <a:rPr lang="zh-TW" altLang="en-US" dirty="0" smtClean="0"/>
+              <a:t>。</a:t>
+            </a:r>
+            <a:endParaRPr lang="en-US" altLang="zh-TW" dirty="0" smtClean="0"/>
+          </a:p>
+          <a:p>
+            <a:pPr lvl="1"/>
+            <a:r>
+              <a:rPr lang="en-US" altLang="zh-TW" dirty="0" smtClean="0"/>
+              <a:t>Files.</a:t>
+            </a:r>
+            <a:r>
+              <a:rPr lang="en-US" altLang="zh-TW" dirty="0" smtClean="0">
+                <a:solidFill>
+                  <a:srgbClr val="FF0000"/>
+                </a:solidFill>
+              </a:rPr>
+              <a:t>readAllLines</a:t>
+            </a:r>
+            <a:r>
+              <a:rPr lang="en-US" altLang="zh-TW" dirty="0" smtClean="0"/>
+              <a:t>(path</a:t>
+            </a:r>
+            <a:r>
+              <a:rPr lang="en-US" altLang="zh-TW" dirty="0"/>
+              <a:t>, charset) </a:t>
+            </a:r>
+            <a:r>
+              <a:rPr lang="zh-TW" altLang="en-US" dirty="0"/>
+              <a:t>會回傳 </a:t>
+            </a:r>
+            <a:r>
+              <a:rPr lang="en-US" altLang="zh-TW" dirty="0"/>
+              <a:t>List&lt;String&gt;</a:t>
+            </a:r>
+            <a:r>
+              <a:rPr lang="zh-TW" altLang="en-US" dirty="0"/>
+              <a:t>，</a:t>
+            </a:r>
+            <a:r>
+              <a:rPr lang="en-US" altLang="zh-TW" dirty="0"/>
+              <a:t>charset </a:t>
+            </a:r>
+            <a:r>
+              <a:rPr lang="zh-TW" altLang="en-US" dirty="0"/>
+              <a:t>參閱 </a:t>
+            </a:r>
+            <a:r>
+              <a:rPr lang="en-US" altLang="zh-TW" dirty="0" err="1"/>
+              <a:t>java.nio.charset.Charset</a:t>
+            </a:r>
+            <a:r>
+              <a:rPr lang="zh-TW" altLang="en-US" dirty="0"/>
+              <a:t>。</a:t>
+            </a:r>
+          </a:p>
+          <a:p>
+            <a:r>
+              <a:rPr lang="zh-TW" altLang="en-US" dirty="0"/>
+              <a:t>寫入檔案</a:t>
+            </a:r>
+            <a:r>
+              <a:rPr lang="zh-TW" altLang="en-US" dirty="0" smtClean="0"/>
+              <a:t>：</a:t>
+            </a:r>
+            <a:endParaRPr lang="en-US" altLang="zh-TW" dirty="0" smtClean="0"/>
+          </a:p>
+          <a:p>
+            <a:pPr lvl="1"/>
+            <a:r>
+              <a:rPr lang="en-US" altLang="zh-TW" dirty="0" smtClean="0"/>
+              <a:t>Files.</a:t>
+            </a:r>
+            <a:r>
+              <a:rPr lang="en-US" altLang="zh-TW" dirty="0" smtClean="0">
+                <a:solidFill>
+                  <a:srgbClr val="FF0000"/>
+                </a:solidFill>
+              </a:rPr>
+              <a:t>write</a:t>
+            </a:r>
+            <a:r>
+              <a:rPr lang="en-US" altLang="zh-TW" dirty="0" smtClean="0"/>
+              <a:t>(path</a:t>
+            </a:r>
+            <a:r>
+              <a:rPr lang="en-US" altLang="zh-TW" dirty="0"/>
+              <a:t>, bytes, openOptions) </a:t>
+            </a:r>
+            <a:r>
+              <a:rPr lang="zh-TW" altLang="en-US" dirty="0" smtClean="0"/>
+              <a:t>。</a:t>
+            </a:r>
+            <a:endParaRPr lang="en-US" altLang="zh-TW" dirty="0" smtClean="0"/>
+          </a:p>
+          <a:p>
+            <a:pPr lvl="1"/>
+            <a:r>
+              <a:rPr lang="en-US" altLang="zh-TW" dirty="0" smtClean="0"/>
+              <a:t>Files.</a:t>
+            </a:r>
+            <a:r>
+              <a:rPr lang="en-US" altLang="zh-TW" dirty="0" smtClean="0">
+                <a:solidFill>
+                  <a:srgbClr val="FF0000"/>
+                </a:solidFill>
+              </a:rPr>
+              <a:t>write</a:t>
+            </a:r>
+            <a:r>
+              <a:rPr lang="en-US" altLang="zh-TW" dirty="0" smtClean="0"/>
+              <a:t>(path</a:t>
+            </a:r>
+            <a:r>
+              <a:rPr lang="en-US" altLang="zh-TW" dirty="0"/>
+              <a:t>, lines, charset, openOptions)</a:t>
+            </a:r>
+            <a:r>
+              <a:rPr lang="zh-TW" altLang="en-US" dirty="0"/>
+              <a:t>。</a:t>
+            </a:r>
+            <a:r>
+              <a:rPr lang="en-US" altLang="zh-TW" dirty="0"/>
+              <a:t>openOptions </a:t>
+            </a:r>
+            <a:r>
+              <a:rPr lang="zh-TW" altLang="en-US" dirty="0"/>
+              <a:t>參閱 </a:t>
+            </a:r>
+            <a:r>
+              <a:rPr lang="en-US" altLang="zh-TW" dirty="0" err="1"/>
+              <a:t>java.nio.file.StandardOpenOption</a:t>
+            </a:r>
+            <a:r>
+              <a:rPr lang="zh-TW" altLang="en-US" dirty="0"/>
+              <a:t>。</a:t>
+            </a:r>
+          </a:p>
+        </p:txBody>
+      </p:sp>
+    </p:spTree>
+    <p:extLst>
+      <p:ext uri="{BB962C8B-B14F-4D97-AF65-F5344CB8AC3E}">
+        <p14:creationId xmlns:p14="http://schemas.microsoft.com/office/powerpoint/2010/main" val="2162186127"/>
+      </p:ext>
+    </p:extLst>
+  </p:cSld>
+  <p:clrMapOvr>
+    <a:masterClrMapping/>
+  </p:clrMapOvr>
+</p:sld>
+</file>
+
+<file path=ppt/slides/slide13.xml><?xml version="1.0" encoding="utf-8"?>
+<p:sld xmlns:a="http://schemas.openxmlformats.org/drawingml/2006/main" xmlns:r="http://schemas.openxmlformats.org/officeDocument/2006/relationships" xmlns:p="http://schemas.openxmlformats.org/presentationml/2006/main">
+  <p:cSld>
+    <p:spTree>
+      <p:nvGrpSpPr>
+        <p:cNvPr id="1" name=""/>
+        <p:cNvGrpSpPr/>
+        <p:nvPr/>
+      </p:nvGrpSpPr>
+      <p:grpSpPr>
+        <a:xfrm>
+          <a:off x="0" y="0"/>
+          <a:ext cx="0" cy="0"/>
+          <a:chOff x="0" y="0"/>
+          <a:chExt cx="0" cy="0"/>
+        </a:xfrm>
+      </p:grpSpPr>
+      <p:sp>
+        <p:nvSpPr>
+          <p:cNvPr id="4" name="標題 3"/>
+          <p:cNvSpPr>
+            <a:spLocks noGrp="1"/>
+          </p:cNvSpPr>
+          <p:nvPr>
+            <p:ph type="title"/>
+          </p:nvPr>
+        </p:nvSpPr>
+        <p:spPr/>
+        <p:txBody>
+          <a:bodyPr/>
+          <a:lstStyle/>
+          <a:p>
+            <a:r>
+              <a:rPr lang="zh-TW" altLang="en-US" dirty="0" smtClean="0"/>
+              <a:t>試用</a:t>
+            </a:r>
+            <a:r>
+              <a:rPr lang="en-US" altLang="zh-TW" dirty="0" smtClean="0"/>
+              <a:t>Files</a:t>
+            </a:r>
+            <a:r>
+              <a:rPr lang="zh-TW" altLang="en-US" dirty="0" smtClean="0"/>
+              <a:t>這個</a:t>
+            </a:r>
+            <a:r>
+              <a:rPr lang="en-US" altLang="zh-TW" dirty="0" smtClean="0"/>
+              <a:t>utility</a:t>
+            </a:r>
+            <a:r>
+              <a:rPr lang="zh-TW" altLang="en-US" dirty="0" smtClean="0"/>
+              <a:t>類別</a:t>
+            </a:r>
+            <a:endParaRPr lang="zh-TW" altLang="en-US" dirty="0"/>
+          </a:p>
+        </p:txBody>
+      </p:sp>
+      <p:sp>
+        <p:nvSpPr>
+          <p:cNvPr id="5" name="內容版面配置區 4"/>
+          <p:cNvSpPr>
+            <a:spLocks noGrp="1"/>
+          </p:cNvSpPr>
+          <p:nvPr>
+            <p:ph idx="1"/>
+          </p:nvPr>
+        </p:nvSpPr>
+        <p:spPr/>
+        <p:txBody>
+          <a:bodyPr/>
+          <a:lstStyle/>
+          <a:p>
+            <a:r>
+              <a:rPr lang="zh-TW" altLang="en-US" dirty="0" smtClean="0"/>
+              <a:t>首先</a:t>
+            </a:r>
+            <a:r>
+              <a:rPr lang="en-US" altLang="zh-TW" dirty="0" smtClean="0"/>
+              <a:t>Files</a:t>
+            </a:r>
+            <a:r>
+              <a:rPr lang="zh-TW" altLang="en-US" dirty="0" smtClean="0"/>
+              <a:t>不需要</a:t>
+            </a:r>
+            <a:r>
+              <a:rPr lang="en-US" altLang="zh-TW" dirty="0" smtClean="0"/>
+              <a:t>new </a:t>
+            </a:r>
+            <a:r>
+              <a:rPr lang="zh-TW" altLang="en-US" dirty="0" smtClean="0"/>
+              <a:t>物件！是直接用！</a:t>
+            </a:r>
+            <a:endParaRPr lang="en-US" altLang="zh-TW" dirty="0" smtClean="0"/>
+          </a:p>
+          <a:p>
+            <a:r>
+              <a:rPr lang="zh-TW" altLang="en-US" dirty="0"/>
+              <a:t>也就是說直接</a:t>
+            </a:r>
+            <a:r>
+              <a:rPr lang="zh-TW" altLang="en-US" dirty="0" smtClean="0"/>
+              <a:t>執行 </a:t>
+            </a:r>
+            <a:r>
+              <a:rPr lang="en-US" altLang="zh-TW" dirty="0" smtClean="0"/>
+              <a:t>Files.exists(thePath);</a:t>
+            </a:r>
+            <a:r>
+              <a:rPr lang="zh-TW" altLang="en-US" dirty="0" smtClean="0"/>
+              <a:t> 像這樣的方法。</a:t>
+            </a:r>
+            <a:endParaRPr lang="en-US" altLang="zh-TW" dirty="0" smtClean="0"/>
+          </a:p>
+          <a:p>
+            <a:endParaRPr lang="zh-TW" altLang="en-US" dirty="0"/>
+          </a:p>
+        </p:txBody>
+      </p:sp>
+    </p:spTree>
+    <p:extLst>
+      <p:ext uri="{BB962C8B-B14F-4D97-AF65-F5344CB8AC3E}">
+        <p14:creationId xmlns:p14="http://schemas.microsoft.com/office/powerpoint/2010/main" val="3569245903"/>
+      </p:ext>
+    </p:extLst>
+  </p:cSld>
+  <p:clrMapOvr>
+    <a:masterClrMapping/>
+  </p:clrMapOvr>
+</p:sld>
+</file>
+
+<file path=ppt/slides/slide14.xml><?xml version="1.0" encoding="utf-8"?>
+<p:sld xmlns:a="http://schemas.openxmlformats.org/drawingml/2006/main" xmlns:r="http://schemas.openxmlformats.org/officeDocument/2006/relationships" xmlns:p="http://schemas.openxmlformats.org/presentationml/2006/main">
+  <p:cSld>
+    <p:spTree>
+      <p:nvGrpSpPr>
+        <p:cNvPr id="1" name=""/>
+        <p:cNvGrpSpPr/>
+        <p:nvPr/>
+      </p:nvGrpSpPr>
+      <p:grpSpPr>
+        <a:xfrm>
+          <a:off x="0" y="0"/>
+          <a:ext cx="0" cy="0"/>
+          <a:chOff x="0" y="0"/>
+          <a:chExt cx="0" cy="0"/>
+        </a:xfrm>
+      </p:grpSpPr>
+      <p:sp>
+        <p:nvSpPr>
+          <p:cNvPr id="2" name="標題 1"/>
+          <p:cNvSpPr>
+            <a:spLocks noGrp="1"/>
+          </p:cNvSpPr>
+          <p:nvPr>
+            <p:ph type="title"/>
+          </p:nvPr>
+        </p:nvSpPr>
+        <p:spPr/>
+        <p:txBody>
+          <a:bodyPr/>
+          <a:lstStyle/>
+          <a:p>
+            <a:r>
+              <a:rPr lang="en-US" altLang="zh-TW" dirty="0" smtClean="0"/>
+              <a:t>Files.copy(Path1, Path2, option)</a:t>
+            </a:r>
+            <a:endParaRPr lang="zh-TW" altLang="en-US" dirty="0"/>
+          </a:p>
+        </p:txBody>
+      </p:sp>
+      <p:sp>
+        <p:nvSpPr>
+          <p:cNvPr id="3" name="內容版面配置區 2"/>
+          <p:cNvSpPr>
+            <a:spLocks noGrp="1"/>
+          </p:cNvSpPr>
+          <p:nvPr>
+            <p:ph idx="1"/>
+          </p:nvPr>
+        </p:nvSpPr>
+        <p:spPr>
+          <a:xfrm>
+            <a:off x="677334" y="1664209"/>
+            <a:ext cx="8596668" cy="3983962"/>
+          </a:xfrm>
+        </p:spPr>
+        <p:txBody>
+          <a:bodyPr/>
+          <a:lstStyle/>
+          <a:p>
+            <a:r>
+              <a:rPr lang="zh-TW" altLang="en-US" dirty="0" smtClean="0"/>
+              <a:t>把</a:t>
+            </a:r>
+            <a:r>
+              <a:rPr lang="en-US" altLang="zh-TW" dirty="0" smtClean="0"/>
+              <a:t>score.csv</a:t>
+            </a:r>
+            <a:r>
+              <a:rPr lang="zh-TW" altLang="en-US" dirty="0" smtClean="0"/>
+              <a:t>複製為</a:t>
+            </a:r>
+            <a:r>
+              <a:rPr lang="en-US" altLang="zh-TW" dirty="0" smtClean="0"/>
+              <a:t>score_copy.csv</a:t>
+            </a:r>
+            <a:r>
+              <a:rPr lang="zh-TW" altLang="en-US" dirty="0" smtClean="0"/>
+              <a:t>，程式碼如下：</a:t>
+            </a:r>
+            <a:endParaRPr lang="zh-TW" altLang="en-US" dirty="0"/>
+          </a:p>
+        </p:txBody>
+      </p:sp>
+      <p:sp>
+        <p:nvSpPr>
+          <p:cNvPr id="5" name="矩形 4"/>
+          <p:cNvSpPr/>
+          <p:nvPr/>
+        </p:nvSpPr>
+        <p:spPr>
+          <a:xfrm>
+            <a:off x="1091184" y="2032844"/>
+            <a:ext cx="8537448" cy="4524315"/>
+          </a:xfrm>
+          <a:prstGeom prst="rect">
+            <a:avLst/>
+          </a:prstGeom>
+          <a:solidFill>
+            <a:schemeClr val="tx1">
+              <a:lumMod val="85000"/>
+              <a:lumOff val="15000"/>
+            </a:schemeClr>
+          </a:solidFill>
+        </p:spPr>
+        <p:txBody>
+          <a:bodyPr wrap="square">
+            <a:spAutoFit/>
+          </a:bodyPr>
+          <a:lstStyle/>
+          <a:p>
+            <a:r>
+              <a:rPr lang="en-US" altLang="zh-TW" dirty="0">
+                <a:solidFill>
+                  <a:srgbClr val="CC6C1D"/>
+                </a:solidFill>
+                <a:latin typeface="Consolas" panose="020B0609020204030204" pitchFamily="49" charset="0"/>
+              </a:rPr>
+              <a:t>public</a:t>
+            </a:r>
+            <a:r>
+              <a:rPr lang="en-US" altLang="zh-TW" dirty="0">
+                <a:solidFill>
+                  <a:srgbClr val="D9E8F7"/>
+                </a:solidFill>
+                <a:latin typeface="Consolas" panose="020B0609020204030204" pitchFamily="49" charset="0"/>
+              </a:rPr>
+              <a:t> </a:t>
+            </a:r>
+            <a:r>
+              <a:rPr lang="en-US" altLang="zh-TW" dirty="0">
+                <a:solidFill>
+                  <a:srgbClr val="CC6C1D"/>
+                </a:solidFill>
+                <a:latin typeface="Consolas" panose="020B0609020204030204" pitchFamily="49" charset="0"/>
+              </a:rPr>
+              <a:t>static</a:t>
+            </a:r>
+            <a:r>
+              <a:rPr lang="en-US" altLang="zh-TW" dirty="0">
+                <a:solidFill>
+                  <a:srgbClr val="D9E8F7"/>
+                </a:solidFill>
+                <a:latin typeface="Consolas" panose="020B0609020204030204" pitchFamily="49" charset="0"/>
+              </a:rPr>
+              <a:t> </a:t>
+            </a:r>
+            <a:r>
+              <a:rPr lang="en-US" altLang="zh-TW" dirty="0">
+                <a:solidFill>
+                  <a:srgbClr val="CC6C1D"/>
+                </a:solidFill>
+                <a:latin typeface="Consolas" panose="020B0609020204030204" pitchFamily="49" charset="0"/>
+              </a:rPr>
+              <a:t>void</a:t>
+            </a:r>
+            <a:r>
+              <a:rPr lang="en-US" altLang="zh-TW" dirty="0">
+                <a:solidFill>
+                  <a:srgbClr val="D9E8F7"/>
+                </a:solidFill>
+                <a:latin typeface="Consolas" panose="020B0609020204030204" pitchFamily="49" charset="0"/>
+              </a:rPr>
+              <a:t> </a:t>
+            </a:r>
+            <a:r>
+              <a:rPr lang="en-US" altLang="zh-TW" dirty="0">
+                <a:solidFill>
+                  <a:srgbClr val="1EB540"/>
+                </a:solidFill>
+                <a:latin typeface="Consolas" panose="020B0609020204030204" pitchFamily="49" charset="0"/>
+              </a:rPr>
+              <a:t>main</a:t>
+            </a:r>
+            <a:r>
+              <a:rPr lang="en-US" altLang="zh-TW" dirty="0">
+                <a:solidFill>
+                  <a:srgbClr val="F9FAF4"/>
+                </a:solidFill>
+                <a:latin typeface="Consolas" panose="020B0609020204030204" pitchFamily="49" charset="0"/>
+              </a:rPr>
+              <a:t>(</a:t>
+            </a:r>
+            <a:r>
+              <a:rPr lang="en-US" altLang="zh-TW" dirty="0">
+                <a:solidFill>
+                  <a:srgbClr val="1290C3"/>
+                </a:solidFill>
+                <a:latin typeface="Consolas" panose="020B0609020204030204" pitchFamily="49" charset="0"/>
+              </a:rPr>
+              <a:t>String</a:t>
+            </a:r>
+            <a:r>
+              <a:rPr lang="en-US" altLang="zh-TW" dirty="0">
+                <a:solidFill>
+                  <a:srgbClr val="F9FAF4"/>
+                </a:solidFill>
+                <a:latin typeface="Consolas" panose="020B0609020204030204" pitchFamily="49" charset="0"/>
+              </a:rPr>
+              <a:t>[]</a:t>
+            </a:r>
+            <a:r>
+              <a:rPr lang="en-US" altLang="zh-TW" dirty="0">
+                <a:solidFill>
+                  <a:srgbClr val="D9E8F7"/>
+                </a:solidFill>
+                <a:latin typeface="Consolas" panose="020B0609020204030204" pitchFamily="49" charset="0"/>
+              </a:rPr>
+              <a:t> </a:t>
+            </a:r>
+            <a:r>
+              <a:rPr lang="en-US" altLang="zh-TW" dirty="0">
+                <a:solidFill>
+                  <a:srgbClr val="79ABFF"/>
+                </a:solidFill>
+                <a:latin typeface="Consolas" panose="020B0609020204030204" pitchFamily="49" charset="0"/>
+              </a:rPr>
+              <a:t>args</a:t>
+            </a:r>
+            <a:r>
+              <a:rPr lang="en-US" altLang="zh-TW" dirty="0">
+                <a:solidFill>
+                  <a:srgbClr val="F9FAF4"/>
+                </a:solidFill>
+                <a:latin typeface="Consolas" panose="020B0609020204030204" pitchFamily="49" charset="0"/>
+              </a:rPr>
+              <a:t>)</a:t>
+            </a:r>
+            <a:r>
+              <a:rPr lang="en-US" altLang="zh-TW" dirty="0">
+                <a:solidFill>
+                  <a:srgbClr val="D9E8F7"/>
+                </a:solidFill>
+                <a:latin typeface="Consolas" panose="020B0609020204030204" pitchFamily="49" charset="0"/>
+              </a:rPr>
+              <a:t> </a:t>
+            </a:r>
+            <a:r>
+              <a:rPr lang="en-US" altLang="zh-TW" dirty="0">
+                <a:solidFill>
+                  <a:srgbClr val="F9FAF4"/>
+                </a:solidFill>
+                <a:latin typeface="Consolas" panose="020B0609020204030204" pitchFamily="49" charset="0"/>
+              </a:rPr>
+              <a:t>{</a:t>
+            </a:r>
+          </a:p>
+          <a:p>
+            <a:r>
+              <a:rPr lang="en-US" altLang="zh-TW" dirty="0" smtClean="0">
+                <a:solidFill>
+                  <a:srgbClr val="808080"/>
+                </a:solidFill>
+                <a:latin typeface="Consolas" panose="020B0609020204030204" pitchFamily="49" charset="0"/>
+              </a:rPr>
+              <a:t>	// </a:t>
+            </a:r>
+            <a:r>
+              <a:rPr lang="en-US" altLang="zh-TW" dirty="0">
+                <a:solidFill>
+                  <a:srgbClr val="9A8C7C"/>
+                </a:solidFill>
+                <a:latin typeface="Consolas" panose="020B0609020204030204" pitchFamily="49" charset="0"/>
+              </a:rPr>
+              <a:t>TODO</a:t>
+            </a:r>
+            <a:r>
+              <a:rPr lang="en-US" altLang="zh-TW" dirty="0">
+                <a:solidFill>
+                  <a:srgbClr val="808080"/>
+                </a:solidFill>
+                <a:latin typeface="Consolas" panose="020B0609020204030204" pitchFamily="49" charset="0"/>
+              </a:rPr>
+              <a:t> Auto-generated method stub</a:t>
+            </a:r>
+          </a:p>
+          <a:p>
+            <a:r>
+              <a:rPr lang="en-US" altLang="zh-TW" dirty="0" smtClean="0">
+                <a:solidFill>
+                  <a:srgbClr val="80F2F6"/>
+                </a:solidFill>
+                <a:latin typeface="Consolas" panose="020B0609020204030204" pitchFamily="49" charset="0"/>
+              </a:rPr>
+              <a:t>	Path</a:t>
+            </a:r>
+            <a:r>
+              <a:rPr lang="en-US" altLang="zh-TW" dirty="0" smtClean="0">
+                <a:solidFill>
+                  <a:srgbClr val="D9E8F7"/>
+                </a:solidFill>
+                <a:latin typeface="Consolas" panose="020B0609020204030204" pitchFamily="49" charset="0"/>
+              </a:rPr>
+              <a:t> </a:t>
+            </a:r>
+            <a:r>
+              <a:rPr lang="en-US" altLang="zh-TW" dirty="0">
+                <a:solidFill>
+                  <a:srgbClr val="F2F200"/>
+                </a:solidFill>
+                <a:latin typeface="Consolas" panose="020B0609020204030204" pitchFamily="49" charset="0"/>
+              </a:rPr>
+              <a:t>theCSVPath</a:t>
+            </a:r>
+            <a:r>
+              <a:rPr lang="en-US" altLang="zh-TW" dirty="0">
+                <a:solidFill>
+                  <a:srgbClr val="D9E8F7"/>
+                </a:solidFill>
+                <a:latin typeface="Consolas" panose="020B0609020204030204" pitchFamily="49" charset="0"/>
+              </a:rPr>
+              <a:t> </a:t>
+            </a:r>
+            <a:r>
+              <a:rPr lang="en-US" altLang="zh-TW" dirty="0">
+                <a:solidFill>
+                  <a:srgbClr val="E6E6FA"/>
+                </a:solidFill>
+                <a:latin typeface="Consolas" panose="020B0609020204030204" pitchFamily="49" charset="0"/>
+              </a:rPr>
+              <a:t>=</a:t>
+            </a:r>
+            <a:r>
+              <a:rPr lang="en-US" altLang="zh-TW" dirty="0">
+                <a:solidFill>
+                  <a:srgbClr val="D9E8F7"/>
+                </a:solidFill>
+                <a:latin typeface="Consolas" panose="020B0609020204030204" pitchFamily="49" charset="0"/>
+              </a:rPr>
+              <a:t> </a:t>
+            </a:r>
+            <a:r>
+              <a:rPr lang="en-US" altLang="zh-TW" dirty="0">
+                <a:solidFill>
+                  <a:srgbClr val="1290C3"/>
+                </a:solidFill>
+                <a:latin typeface="Consolas" panose="020B0609020204030204" pitchFamily="49" charset="0"/>
+              </a:rPr>
+              <a:t>Paths</a:t>
+            </a:r>
+            <a:r>
+              <a:rPr lang="en-US" altLang="zh-TW" dirty="0">
+                <a:solidFill>
+                  <a:srgbClr val="E6E6FA"/>
+                </a:solidFill>
+                <a:latin typeface="Consolas" panose="020B0609020204030204" pitchFamily="49" charset="0"/>
+              </a:rPr>
+              <a:t>.</a:t>
+            </a:r>
+            <a:r>
+              <a:rPr lang="en-US" altLang="zh-TW" i="1" dirty="0">
+                <a:solidFill>
+                  <a:srgbClr val="96EC3F"/>
+                </a:solidFill>
+                <a:latin typeface="Consolas" panose="020B0609020204030204" pitchFamily="49" charset="0"/>
+              </a:rPr>
+              <a:t>get</a:t>
+            </a:r>
+            <a:r>
+              <a:rPr lang="en-US" altLang="zh-TW" i="1" dirty="0">
+                <a:solidFill>
+                  <a:srgbClr val="F9FAF4"/>
+                </a:solidFill>
+                <a:latin typeface="Consolas" panose="020B0609020204030204" pitchFamily="49" charset="0"/>
+              </a:rPr>
+              <a:t>(</a:t>
+            </a:r>
+            <a:r>
+              <a:rPr lang="en-US" altLang="zh-TW" i="1" dirty="0">
+                <a:solidFill>
+                  <a:srgbClr val="17C6A3"/>
+                </a:solidFill>
+                <a:latin typeface="Consolas" panose="020B0609020204030204" pitchFamily="49" charset="0"/>
+              </a:rPr>
+              <a:t>"D:\\score.csv"</a:t>
+            </a:r>
+            <a:r>
+              <a:rPr lang="en-US" altLang="zh-TW" i="1" dirty="0">
+                <a:solidFill>
+                  <a:srgbClr val="F9FAF4"/>
+                </a:solidFill>
+                <a:latin typeface="Consolas" panose="020B0609020204030204" pitchFamily="49" charset="0"/>
+              </a:rPr>
+              <a:t>)</a:t>
+            </a:r>
+            <a:r>
+              <a:rPr lang="en-US" altLang="zh-TW" i="1" dirty="0">
+                <a:solidFill>
+                  <a:srgbClr val="E6E6FA"/>
+                </a:solidFill>
+                <a:latin typeface="Consolas" panose="020B0609020204030204" pitchFamily="49" charset="0"/>
+              </a:rPr>
+              <a:t>;</a:t>
+            </a:r>
+          </a:p>
+          <a:p>
+            <a:r>
+              <a:rPr lang="en-US" altLang="zh-TW" dirty="0" smtClean="0">
+                <a:solidFill>
+                  <a:srgbClr val="80F2F6"/>
+                </a:solidFill>
+                <a:latin typeface="Consolas" panose="020B0609020204030204" pitchFamily="49" charset="0"/>
+              </a:rPr>
+              <a:t>	Path</a:t>
+            </a:r>
+            <a:r>
+              <a:rPr lang="en-US" altLang="zh-TW" dirty="0" smtClean="0">
+                <a:solidFill>
+                  <a:srgbClr val="D9E8F7"/>
+                </a:solidFill>
+                <a:latin typeface="Consolas" panose="020B0609020204030204" pitchFamily="49" charset="0"/>
+              </a:rPr>
+              <a:t> </a:t>
+            </a:r>
+            <a:r>
+              <a:rPr lang="en-US" altLang="zh-TW" dirty="0">
+                <a:solidFill>
+                  <a:srgbClr val="F2F200"/>
+                </a:solidFill>
+                <a:latin typeface="Consolas" panose="020B0609020204030204" pitchFamily="49" charset="0"/>
+              </a:rPr>
+              <a:t>theCopyPath</a:t>
+            </a:r>
+            <a:r>
+              <a:rPr lang="en-US" altLang="zh-TW" dirty="0">
+                <a:solidFill>
+                  <a:srgbClr val="D9E8F7"/>
+                </a:solidFill>
+                <a:latin typeface="Consolas" panose="020B0609020204030204" pitchFamily="49" charset="0"/>
+              </a:rPr>
+              <a:t> </a:t>
+            </a:r>
+            <a:r>
+              <a:rPr lang="en-US" altLang="zh-TW" dirty="0">
+                <a:solidFill>
+                  <a:srgbClr val="E6E6FA"/>
+                </a:solidFill>
+                <a:latin typeface="Consolas" panose="020B0609020204030204" pitchFamily="49" charset="0"/>
+              </a:rPr>
+              <a:t>=</a:t>
+            </a:r>
+            <a:r>
+              <a:rPr lang="en-US" altLang="zh-TW" dirty="0">
+                <a:solidFill>
+                  <a:srgbClr val="D9E8F7"/>
+                </a:solidFill>
+                <a:latin typeface="Consolas" panose="020B0609020204030204" pitchFamily="49" charset="0"/>
+              </a:rPr>
+              <a:t> </a:t>
+            </a:r>
+            <a:r>
+              <a:rPr lang="en-US" altLang="zh-TW" dirty="0">
+                <a:solidFill>
+                  <a:srgbClr val="1290C3"/>
+                </a:solidFill>
+                <a:latin typeface="Consolas" panose="020B0609020204030204" pitchFamily="49" charset="0"/>
+              </a:rPr>
+              <a:t>Paths</a:t>
+            </a:r>
+            <a:r>
+              <a:rPr lang="en-US" altLang="zh-TW" dirty="0">
+                <a:solidFill>
+                  <a:srgbClr val="E6E6FA"/>
+                </a:solidFill>
+                <a:latin typeface="Consolas" panose="020B0609020204030204" pitchFamily="49" charset="0"/>
+              </a:rPr>
+              <a:t>.</a:t>
+            </a:r>
+            <a:r>
+              <a:rPr lang="en-US" altLang="zh-TW" i="1" dirty="0">
+                <a:solidFill>
+                  <a:srgbClr val="96EC3F"/>
+                </a:solidFill>
+                <a:latin typeface="Consolas" panose="020B0609020204030204" pitchFamily="49" charset="0"/>
+              </a:rPr>
+              <a:t>get</a:t>
+            </a:r>
+            <a:r>
+              <a:rPr lang="en-US" altLang="zh-TW" i="1" dirty="0">
+                <a:solidFill>
+                  <a:srgbClr val="F9FAF4"/>
+                </a:solidFill>
+                <a:latin typeface="Consolas" panose="020B0609020204030204" pitchFamily="49" charset="0"/>
+              </a:rPr>
+              <a:t>(</a:t>
+            </a:r>
+            <a:r>
+              <a:rPr lang="en-US" altLang="zh-TW" i="1" dirty="0">
+                <a:solidFill>
+                  <a:srgbClr val="17C6A3"/>
+                </a:solidFill>
+                <a:latin typeface="Consolas" panose="020B0609020204030204" pitchFamily="49" charset="0"/>
+              </a:rPr>
+              <a:t>"D:\\score_copy.csv"</a:t>
+            </a:r>
+            <a:r>
+              <a:rPr lang="en-US" altLang="zh-TW" i="1" dirty="0">
+                <a:solidFill>
+                  <a:srgbClr val="F9FAF4"/>
+                </a:solidFill>
+                <a:latin typeface="Consolas" panose="020B0609020204030204" pitchFamily="49" charset="0"/>
+              </a:rPr>
+              <a:t>)</a:t>
+            </a:r>
+            <a:r>
+              <a:rPr lang="en-US" altLang="zh-TW" i="1" dirty="0">
+                <a:solidFill>
+                  <a:srgbClr val="E6E6FA"/>
+                </a:solidFill>
+                <a:latin typeface="Consolas" panose="020B0609020204030204" pitchFamily="49" charset="0"/>
+              </a:rPr>
+              <a:t>;</a:t>
+            </a:r>
+          </a:p>
+          <a:p>
+            <a:endParaRPr lang="zh-TW" altLang="en-US" dirty="0">
+              <a:latin typeface="Consolas" panose="020B0609020204030204" pitchFamily="49" charset="0"/>
+            </a:endParaRPr>
+          </a:p>
+          <a:p>
+            <a:r>
+              <a:rPr lang="en-US" altLang="zh-TW" dirty="0" smtClean="0">
+                <a:solidFill>
+                  <a:srgbClr val="CC6C1D"/>
+                </a:solidFill>
+                <a:latin typeface="Consolas" panose="020B0609020204030204" pitchFamily="49" charset="0"/>
+              </a:rPr>
+              <a:t>	if</a:t>
+            </a:r>
+            <a:r>
+              <a:rPr lang="en-US" altLang="zh-TW" dirty="0" smtClean="0">
+                <a:solidFill>
+                  <a:srgbClr val="D9E8F7"/>
+                </a:solidFill>
+                <a:latin typeface="Consolas" panose="020B0609020204030204" pitchFamily="49" charset="0"/>
+              </a:rPr>
+              <a:t> </a:t>
+            </a:r>
+            <a:r>
+              <a:rPr lang="en-US" altLang="zh-TW" dirty="0">
+                <a:solidFill>
+                  <a:srgbClr val="F9FAF4"/>
+                </a:solidFill>
+                <a:latin typeface="Consolas" panose="020B0609020204030204" pitchFamily="49" charset="0"/>
+              </a:rPr>
+              <a:t>(</a:t>
+            </a:r>
+            <a:r>
+              <a:rPr lang="en-US" altLang="zh-TW" dirty="0">
+                <a:solidFill>
+                  <a:srgbClr val="1290C3"/>
+                </a:solidFill>
+                <a:latin typeface="Consolas" panose="020B0609020204030204" pitchFamily="49" charset="0"/>
+              </a:rPr>
+              <a:t>Files</a:t>
+            </a:r>
+            <a:r>
+              <a:rPr lang="en-US" altLang="zh-TW" dirty="0">
+                <a:solidFill>
+                  <a:srgbClr val="E6E6FA"/>
+                </a:solidFill>
+                <a:latin typeface="Consolas" panose="020B0609020204030204" pitchFamily="49" charset="0"/>
+              </a:rPr>
+              <a:t>.</a:t>
+            </a:r>
+            <a:r>
+              <a:rPr lang="en-US" altLang="zh-TW" i="1" dirty="0">
+                <a:solidFill>
+                  <a:srgbClr val="96EC3F"/>
+                </a:solidFill>
+                <a:latin typeface="Consolas" panose="020B0609020204030204" pitchFamily="49" charset="0"/>
+              </a:rPr>
+              <a:t>exists</a:t>
+            </a:r>
+            <a:r>
+              <a:rPr lang="en-US" altLang="zh-TW" i="1" dirty="0">
+                <a:solidFill>
+                  <a:srgbClr val="F9FAF4"/>
+                </a:solidFill>
+                <a:latin typeface="Consolas" panose="020B0609020204030204" pitchFamily="49" charset="0"/>
+              </a:rPr>
+              <a:t>(</a:t>
+            </a:r>
+            <a:r>
+              <a:rPr lang="en-US" altLang="zh-TW" i="1" dirty="0">
+                <a:solidFill>
+                  <a:srgbClr val="F3EC79"/>
+                </a:solidFill>
+                <a:latin typeface="Consolas" panose="020B0609020204030204" pitchFamily="49" charset="0"/>
+              </a:rPr>
+              <a:t>theCSVPath</a:t>
+            </a:r>
+            <a:r>
+              <a:rPr lang="en-US" altLang="zh-TW" i="1" dirty="0">
+                <a:solidFill>
+                  <a:srgbClr val="F9FAF4"/>
+                </a:solidFill>
+                <a:latin typeface="Consolas" panose="020B0609020204030204" pitchFamily="49" charset="0"/>
+              </a:rPr>
+              <a:t>))</a:t>
+            </a:r>
+            <a:r>
+              <a:rPr lang="en-US" altLang="zh-TW" i="1" dirty="0">
+                <a:solidFill>
+                  <a:srgbClr val="D9E8F7"/>
+                </a:solidFill>
+                <a:latin typeface="Consolas" panose="020B0609020204030204" pitchFamily="49" charset="0"/>
+              </a:rPr>
+              <a:t> </a:t>
+            </a:r>
+            <a:r>
+              <a:rPr lang="en-US" altLang="zh-TW" i="1" dirty="0">
+                <a:solidFill>
+                  <a:srgbClr val="F9FAF4"/>
+                </a:solidFill>
+                <a:latin typeface="Consolas" panose="020B0609020204030204" pitchFamily="49" charset="0"/>
+              </a:rPr>
+              <a:t>{</a:t>
+            </a:r>
+          </a:p>
+          <a:p>
+            <a:r>
+              <a:rPr lang="en-US" altLang="zh-TW" dirty="0" smtClean="0">
+                <a:solidFill>
+                  <a:srgbClr val="1290C3"/>
+                </a:solidFill>
+                <a:latin typeface="Consolas" panose="020B0609020204030204" pitchFamily="49" charset="0"/>
+              </a:rPr>
+              <a:t>		System</a:t>
+            </a:r>
+            <a:r>
+              <a:rPr lang="en-US" altLang="zh-TW" dirty="0" smtClean="0">
+                <a:solidFill>
+                  <a:srgbClr val="E6E6FA"/>
+                </a:solidFill>
+                <a:latin typeface="Consolas" panose="020B0609020204030204" pitchFamily="49" charset="0"/>
+              </a:rPr>
+              <a:t>.</a:t>
+            </a:r>
+            <a:r>
+              <a:rPr lang="en-US" altLang="zh-TW" i="1" dirty="0" smtClean="0">
+                <a:solidFill>
+                  <a:srgbClr val="8DDAF8"/>
+                </a:solidFill>
+                <a:latin typeface="Consolas" panose="020B0609020204030204" pitchFamily="49" charset="0"/>
+              </a:rPr>
+              <a:t>out</a:t>
+            </a:r>
+            <a:r>
+              <a:rPr lang="en-US" altLang="zh-TW" i="1" dirty="0" smtClean="0">
+                <a:solidFill>
+                  <a:srgbClr val="E6E6FA"/>
+                </a:solidFill>
+                <a:latin typeface="Consolas" panose="020B0609020204030204" pitchFamily="49" charset="0"/>
+              </a:rPr>
+              <a:t>.</a:t>
+            </a:r>
+            <a:r>
+              <a:rPr lang="en-US" altLang="zh-TW" i="1" dirty="0" smtClean="0">
+                <a:solidFill>
+                  <a:srgbClr val="A7EC21"/>
+                </a:solidFill>
+                <a:latin typeface="Consolas" panose="020B0609020204030204" pitchFamily="49" charset="0"/>
+              </a:rPr>
+              <a:t>println</a:t>
+            </a:r>
+            <a:r>
+              <a:rPr lang="en-US" altLang="zh-TW" i="1" dirty="0">
+                <a:solidFill>
+                  <a:srgbClr val="F9FAF4"/>
+                </a:solidFill>
+                <a:latin typeface="Consolas" panose="020B0609020204030204" pitchFamily="49" charset="0"/>
+              </a:rPr>
+              <a:t>(</a:t>
+            </a:r>
+            <a:r>
+              <a:rPr lang="en-US" altLang="zh-TW" i="1" dirty="0">
+                <a:solidFill>
+                  <a:srgbClr val="17C6A3"/>
+                </a:solidFill>
+                <a:latin typeface="Consolas" panose="020B0609020204030204" pitchFamily="49" charset="0"/>
+              </a:rPr>
+              <a:t>"score.csv </a:t>
+            </a:r>
+            <a:r>
+              <a:rPr lang="zh-TW" altLang="en-US" i="1" dirty="0">
+                <a:solidFill>
+                  <a:srgbClr val="17C6A3"/>
+                </a:solidFill>
+                <a:latin typeface="Consolas" panose="020B0609020204030204" pitchFamily="49" charset="0"/>
+              </a:rPr>
+              <a:t>存在，所以可以</a:t>
+            </a:r>
+            <a:r>
+              <a:rPr lang="en-US" altLang="zh-TW" i="1" dirty="0">
+                <a:solidFill>
+                  <a:srgbClr val="17C6A3"/>
+                </a:solidFill>
+                <a:latin typeface="Consolas" panose="020B0609020204030204" pitchFamily="49" charset="0"/>
+              </a:rPr>
+              <a:t>copy"</a:t>
+            </a:r>
+            <a:r>
+              <a:rPr lang="en-US" altLang="zh-TW" i="1" dirty="0">
+                <a:solidFill>
+                  <a:srgbClr val="F9FAF4"/>
+                </a:solidFill>
+                <a:latin typeface="Consolas" panose="020B0609020204030204" pitchFamily="49" charset="0"/>
+              </a:rPr>
+              <a:t>)</a:t>
+            </a:r>
+            <a:r>
+              <a:rPr lang="en-US" altLang="zh-TW" i="1" dirty="0">
+                <a:solidFill>
+                  <a:srgbClr val="E6E6FA"/>
+                </a:solidFill>
+                <a:latin typeface="Consolas" panose="020B0609020204030204" pitchFamily="49" charset="0"/>
+              </a:rPr>
+              <a:t>;</a:t>
+            </a:r>
+          </a:p>
+          <a:p>
+            <a:r>
+              <a:rPr lang="en-US" altLang="zh-TW" dirty="0" smtClean="0">
+                <a:solidFill>
+                  <a:srgbClr val="CC6C1D"/>
+                </a:solidFill>
+                <a:latin typeface="Consolas" panose="020B0609020204030204" pitchFamily="49" charset="0"/>
+              </a:rPr>
+              <a:t>		try</a:t>
+            </a:r>
+            <a:r>
+              <a:rPr lang="en-US" altLang="zh-TW" dirty="0" smtClean="0">
+                <a:solidFill>
+                  <a:srgbClr val="D9E8F7"/>
+                </a:solidFill>
+                <a:latin typeface="Consolas" panose="020B0609020204030204" pitchFamily="49" charset="0"/>
+              </a:rPr>
+              <a:t> </a:t>
+            </a:r>
+            <a:r>
+              <a:rPr lang="en-US" altLang="zh-TW" dirty="0">
+                <a:solidFill>
+                  <a:srgbClr val="F9FAF4"/>
+                </a:solidFill>
+                <a:latin typeface="Consolas" panose="020B0609020204030204" pitchFamily="49" charset="0"/>
+              </a:rPr>
+              <a:t>{</a:t>
+            </a:r>
+          </a:p>
+          <a:p>
+            <a:r>
+              <a:rPr lang="en-US" altLang="zh-TW" dirty="0" smtClean="0">
+                <a:solidFill>
+                  <a:srgbClr val="1290C3"/>
+                </a:solidFill>
+                <a:latin typeface="Consolas" panose="020B0609020204030204" pitchFamily="49" charset="0"/>
+              </a:rPr>
+              <a:t>			Files</a:t>
+            </a:r>
+            <a:r>
+              <a:rPr lang="en-US" altLang="zh-TW" dirty="0" smtClean="0">
+                <a:solidFill>
+                  <a:srgbClr val="E6E6FA"/>
+                </a:solidFill>
+                <a:latin typeface="Consolas" panose="020B0609020204030204" pitchFamily="49" charset="0"/>
+              </a:rPr>
+              <a:t>.</a:t>
+            </a:r>
+            <a:r>
+              <a:rPr lang="en-US" altLang="zh-TW" i="1" dirty="0" smtClean="0">
+                <a:solidFill>
+                  <a:srgbClr val="96EC3F"/>
+                </a:solidFill>
+                <a:latin typeface="Consolas" panose="020B0609020204030204" pitchFamily="49" charset="0"/>
+              </a:rPr>
+              <a:t>copy</a:t>
+            </a:r>
+            <a:r>
+              <a:rPr lang="en-US" altLang="zh-TW" i="1" dirty="0" smtClean="0">
+                <a:solidFill>
+                  <a:srgbClr val="F9FAF4"/>
+                </a:solidFill>
+                <a:latin typeface="Consolas" panose="020B0609020204030204" pitchFamily="49" charset="0"/>
+              </a:rPr>
+              <a:t>(</a:t>
+            </a:r>
+            <a:r>
+              <a:rPr lang="en-US" altLang="zh-TW" i="1" dirty="0" smtClean="0">
+                <a:solidFill>
+                  <a:srgbClr val="F3EC79"/>
+                </a:solidFill>
+                <a:latin typeface="Consolas" panose="020B0609020204030204" pitchFamily="49" charset="0"/>
+              </a:rPr>
+              <a:t>theCSVPath</a:t>
+            </a:r>
+            <a:r>
+              <a:rPr lang="en-US" altLang="zh-TW" i="1" dirty="0">
+                <a:solidFill>
+                  <a:srgbClr val="E6E6FA"/>
+                </a:solidFill>
+                <a:latin typeface="Consolas" panose="020B0609020204030204" pitchFamily="49" charset="0"/>
+              </a:rPr>
+              <a:t>,</a:t>
+            </a:r>
+            <a:r>
+              <a:rPr lang="en-US" altLang="zh-TW" i="1" dirty="0">
+                <a:solidFill>
+                  <a:srgbClr val="D9E8F7"/>
+                </a:solidFill>
+                <a:latin typeface="Consolas" panose="020B0609020204030204" pitchFamily="49" charset="0"/>
+              </a:rPr>
+              <a:t> </a:t>
+            </a:r>
+            <a:r>
+              <a:rPr lang="en-US" altLang="zh-TW" i="1" dirty="0">
+                <a:solidFill>
+                  <a:srgbClr val="F3EC79"/>
+                </a:solidFill>
+                <a:latin typeface="Consolas" panose="020B0609020204030204" pitchFamily="49" charset="0"/>
+              </a:rPr>
+              <a:t>theCopyPath</a:t>
+            </a:r>
+          </a:p>
+          <a:p>
+            <a:r>
+              <a:rPr lang="en-US" altLang="zh-TW" dirty="0">
+                <a:solidFill>
+                  <a:srgbClr val="D9E8F7"/>
+                </a:solidFill>
+                <a:latin typeface="Consolas" panose="020B0609020204030204" pitchFamily="49" charset="0"/>
+              </a:rPr>
+              <a:t>    </a:t>
+            </a:r>
+            <a:r>
+              <a:rPr lang="en-US" altLang="zh-TW" dirty="0" smtClean="0">
+                <a:solidFill>
+                  <a:srgbClr val="D9E8F7"/>
+                </a:solidFill>
+                <a:latin typeface="Consolas" panose="020B0609020204030204" pitchFamily="49" charset="0"/>
+              </a:rPr>
+              <a:t>				</a:t>
+            </a:r>
+            <a:r>
+              <a:rPr lang="en-US" altLang="zh-TW" dirty="0" smtClean="0">
+                <a:solidFill>
+                  <a:srgbClr val="E6E6FA"/>
+                </a:solidFill>
+                <a:latin typeface="Consolas" panose="020B0609020204030204" pitchFamily="49" charset="0"/>
+              </a:rPr>
+              <a:t>,</a:t>
+            </a:r>
+            <a:r>
+              <a:rPr lang="en-US" altLang="zh-TW" i="1" dirty="0">
+                <a:solidFill>
+                  <a:srgbClr val="CC81BA"/>
+                </a:solidFill>
+                <a:latin typeface="Consolas" panose="020B0609020204030204" pitchFamily="49" charset="0"/>
+              </a:rPr>
+              <a:t>StandardCopyOption</a:t>
+            </a:r>
+            <a:r>
+              <a:rPr lang="en-US" altLang="zh-TW" i="1" dirty="0">
+                <a:solidFill>
+                  <a:srgbClr val="E6E6FA"/>
+                </a:solidFill>
+                <a:latin typeface="Consolas" panose="020B0609020204030204" pitchFamily="49" charset="0"/>
+              </a:rPr>
+              <a:t>.</a:t>
+            </a:r>
+            <a:r>
+              <a:rPr lang="en-US" altLang="zh-TW" i="1" dirty="0">
+                <a:solidFill>
+                  <a:srgbClr val="8DDAF8"/>
+                </a:solidFill>
+                <a:latin typeface="Consolas" panose="020B0609020204030204" pitchFamily="49" charset="0"/>
+              </a:rPr>
+              <a:t>REPLACE_EXISTING</a:t>
+            </a:r>
+            <a:r>
+              <a:rPr lang="en-US" altLang="zh-TW" i="1" dirty="0">
+                <a:solidFill>
+                  <a:srgbClr val="F9FAF4"/>
+                </a:solidFill>
+                <a:latin typeface="Consolas" panose="020B0609020204030204" pitchFamily="49" charset="0"/>
+              </a:rPr>
+              <a:t>)</a:t>
+            </a:r>
+            <a:r>
+              <a:rPr lang="en-US" altLang="zh-TW" i="1" dirty="0">
+                <a:solidFill>
+                  <a:srgbClr val="E6E6FA"/>
+                </a:solidFill>
+                <a:latin typeface="Consolas" panose="020B0609020204030204" pitchFamily="49" charset="0"/>
+              </a:rPr>
+              <a:t>;</a:t>
+            </a:r>
+          </a:p>
+          <a:p>
+            <a:r>
+              <a:rPr lang="en-US" altLang="zh-TW" dirty="0" smtClean="0">
+                <a:solidFill>
+                  <a:srgbClr val="F9FAF4"/>
+                </a:solidFill>
+                <a:latin typeface="Consolas" panose="020B0609020204030204" pitchFamily="49" charset="0"/>
+              </a:rPr>
+              <a:t>		}</a:t>
+            </a:r>
+            <a:r>
+              <a:rPr lang="en-US" altLang="zh-TW" dirty="0">
+                <a:solidFill>
+                  <a:srgbClr val="CC6C1D"/>
+                </a:solidFill>
+                <a:latin typeface="Consolas" panose="020B0609020204030204" pitchFamily="49" charset="0"/>
+              </a:rPr>
+              <a:t>catch</a:t>
+            </a:r>
+            <a:r>
+              <a:rPr lang="en-US" altLang="zh-TW" dirty="0">
+                <a:solidFill>
+                  <a:srgbClr val="F9FAF4"/>
+                </a:solidFill>
+                <a:latin typeface="Consolas" panose="020B0609020204030204" pitchFamily="49" charset="0"/>
+              </a:rPr>
+              <a:t>(</a:t>
+            </a:r>
+            <a:r>
+              <a:rPr lang="en-US" altLang="zh-TW" dirty="0">
+                <a:solidFill>
+                  <a:srgbClr val="1290C3"/>
+                </a:solidFill>
+                <a:latin typeface="Consolas" panose="020B0609020204030204" pitchFamily="49" charset="0"/>
+              </a:rPr>
+              <a:t>IOException</a:t>
+            </a:r>
+            <a:r>
+              <a:rPr lang="en-US" altLang="zh-TW" dirty="0">
+                <a:solidFill>
+                  <a:srgbClr val="D9E8F7"/>
+                </a:solidFill>
+                <a:latin typeface="Consolas" panose="020B0609020204030204" pitchFamily="49" charset="0"/>
+              </a:rPr>
+              <a:t> </a:t>
+            </a:r>
+            <a:r>
+              <a:rPr lang="en-US" altLang="zh-TW" dirty="0">
+                <a:solidFill>
+                  <a:srgbClr val="F2F200"/>
+                </a:solidFill>
+                <a:latin typeface="Consolas" panose="020B0609020204030204" pitchFamily="49" charset="0"/>
+              </a:rPr>
+              <a:t>e</a:t>
+            </a:r>
+            <a:r>
+              <a:rPr lang="en-US" altLang="zh-TW" dirty="0">
+                <a:solidFill>
+                  <a:srgbClr val="F9FAF4"/>
+                </a:solidFill>
+                <a:latin typeface="Consolas" panose="020B0609020204030204" pitchFamily="49" charset="0"/>
+              </a:rPr>
+              <a:t>)</a:t>
+            </a:r>
+            <a:r>
+              <a:rPr lang="en-US" altLang="zh-TW" dirty="0">
+                <a:solidFill>
+                  <a:srgbClr val="D9E8F7"/>
+                </a:solidFill>
+                <a:latin typeface="Consolas" panose="020B0609020204030204" pitchFamily="49" charset="0"/>
+              </a:rPr>
+              <a:t> </a:t>
+            </a:r>
+            <a:r>
+              <a:rPr lang="en-US" altLang="zh-TW" dirty="0">
+                <a:solidFill>
+                  <a:srgbClr val="F9FAF4"/>
+                </a:solidFill>
+                <a:latin typeface="Consolas" panose="020B0609020204030204" pitchFamily="49" charset="0"/>
+              </a:rPr>
+              <a:t>{</a:t>
+            </a:r>
+          </a:p>
+          <a:p>
+            <a:r>
+              <a:rPr lang="en-US" altLang="zh-TW" dirty="0" smtClean="0">
+                <a:solidFill>
+                  <a:srgbClr val="F3EC79"/>
+                </a:solidFill>
+                <a:latin typeface="Consolas" panose="020B0609020204030204" pitchFamily="49" charset="0"/>
+              </a:rPr>
+              <a:t>			e</a:t>
+            </a:r>
+            <a:r>
+              <a:rPr lang="en-US" altLang="zh-TW" dirty="0" smtClean="0">
+                <a:solidFill>
+                  <a:srgbClr val="E6E6FA"/>
+                </a:solidFill>
+                <a:latin typeface="Consolas" panose="020B0609020204030204" pitchFamily="49" charset="0"/>
+              </a:rPr>
+              <a:t>.</a:t>
+            </a:r>
+            <a:r>
+              <a:rPr lang="en-US" altLang="zh-TW" dirty="0" smtClean="0">
+                <a:solidFill>
+                  <a:srgbClr val="A7EC21"/>
+                </a:solidFill>
+                <a:latin typeface="Consolas" panose="020B0609020204030204" pitchFamily="49" charset="0"/>
+              </a:rPr>
+              <a:t>printStackTrace</a:t>
+            </a:r>
+            <a:r>
+              <a:rPr lang="en-US" altLang="zh-TW" dirty="0">
+                <a:solidFill>
+                  <a:srgbClr val="F9FAF4"/>
+                </a:solidFill>
+                <a:latin typeface="Consolas" panose="020B0609020204030204" pitchFamily="49" charset="0"/>
+              </a:rPr>
+              <a:t>()</a:t>
+            </a:r>
+            <a:r>
+              <a:rPr lang="en-US" altLang="zh-TW" dirty="0">
+                <a:solidFill>
+                  <a:srgbClr val="E6E6FA"/>
+                </a:solidFill>
+                <a:latin typeface="Consolas" panose="020B0609020204030204" pitchFamily="49" charset="0"/>
+              </a:rPr>
+              <a:t>;</a:t>
+            </a:r>
+          </a:p>
+          <a:p>
+            <a:r>
+              <a:rPr lang="en-US" altLang="zh-TW" dirty="0" smtClean="0">
+                <a:solidFill>
+                  <a:srgbClr val="F9FAF4"/>
+                </a:solidFill>
+                <a:latin typeface="Consolas" panose="020B0609020204030204" pitchFamily="49" charset="0"/>
+              </a:rPr>
+              <a:t>		}</a:t>
+            </a:r>
+            <a:endParaRPr lang="en-US" altLang="zh-TW" dirty="0">
+              <a:solidFill>
+                <a:srgbClr val="F9FAF4"/>
+              </a:solidFill>
+              <a:latin typeface="Consolas" panose="020B0609020204030204" pitchFamily="49" charset="0"/>
+            </a:endParaRPr>
+          </a:p>
+          <a:p>
+            <a:r>
+              <a:rPr lang="en-US" altLang="zh-TW" dirty="0" smtClean="0">
+                <a:solidFill>
+                  <a:srgbClr val="F9FAF4"/>
+                </a:solidFill>
+                <a:latin typeface="Consolas" panose="020B0609020204030204" pitchFamily="49" charset="0"/>
+              </a:rPr>
+              <a:t>	}</a:t>
+            </a:r>
+            <a:endParaRPr lang="en-US" altLang="zh-TW" dirty="0">
+              <a:solidFill>
+                <a:srgbClr val="F9FAF4"/>
+              </a:solidFill>
+              <a:latin typeface="Consolas" panose="020B0609020204030204" pitchFamily="49" charset="0"/>
+            </a:endParaRPr>
+          </a:p>
+          <a:p>
+            <a:r>
+              <a:rPr lang="en-US" altLang="zh-TW" dirty="0" smtClean="0">
+                <a:solidFill>
+                  <a:srgbClr val="CC6C1D"/>
+                </a:solidFill>
+                <a:latin typeface="Consolas" panose="020B0609020204030204" pitchFamily="49" charset="0"/>
+              </a:rPr>
+              <a:t>	else</a:t>
+            </a:r>
+            <a:r>
+              <a:rPr lang="en-US" altLang="zh-TW" dirty="0" smtClean="0">
+                <a:solidFill>
+                  <a:srgbClr val="D9E8F7"/>
+                </a:solidFill>
+                <a:latin typeface="Consolas" panose="020B0609020204030204" pitchFamily="49" charset="0"/>
+              </a:rPr>
+              <a:t> </a:t>
+            </a:r>
+            <a:r>
+              <a:rPr lang="en-US" altLang="zh-TW" dirty="0">
+                <a:solidFill>
+                  <a:srgbClr val="1290C3"/>
+                </a:solidFill>
+                <a:latin typeface="Consolas" panose="020B0609020204030204" pitchFamily="49" charset="0"/>
+              </a:rPr>
+              <a:t>System</a:t>
+            </a:r>
+            <a:r>
+              <a:rPr lang="en-US" altLang="zh-TW" dirty="0">
+                <a:solidFill>
+                  <a:srgbClr val="E6E6FA"/>
+                </a:solidFill>
+                <a:latin typeface="Consolas" panose="020B0609020204030204" pitchFamily="49" charset="0"/>
+              </a:rPr>
+              <a:t>.</a:t>
+            </a:r>
+            <a:r>
+              <a:rPr lang="en-US" altLang="zh-TW" i="1" dirty="0">
+                <a:solidFill>
+                  <a:srgbClr val="8DDAF8"/>
+                </a:solidFill>
+                <a:latin typeface="Consolas" panose="020B0609020204030204" pitchFamily="49" charset="0"/>
+              </a:rPr>
+              <a:t>out</a:t>
+            </a:r>
+            <a:r>
+              <a:rPr lang="en-US" altLang="zh-TW" i="1" dirty="0">
+                <a:solidFill>
+                  <a:srgbClr val="E6E6FA"/>
+                </a:solidFill>
+                <a:latin typeface="Consolas" panose="020B0609020204030204" pitchFamily="49" charset="0"/>
+              </a:rPr>
+              <a:t>.</a:t>
+            </a:r>
+            <a:r>
+              <a:rPr lang="en-US" altLang="zh-TW" i="1" dirty="0">
+                <a:solidFill>
+                  <a:srgbClr val="A7EC21"/>
+                </a:solidFill>
+                <a:latin typeface="Consolas" panose="020B0609020204030204" pitchFamily="49" charset="0"/>
+              </a:rPr>
+              <a:t>println</a:t>
+            </a:r>
+            <a:r>
+              <a:rPr lang="en-US" altLang="zh-TW" i="1" dirty="0">
+                <a:solidFill>
+                  <a:srgbClr val="F9FAF4"/>
+                </a:solidFill>
+                <a:latin typeface="Consolas" panose="020B0609020204030204" pitchFamily="49" charset="0"/>
+              </a:rPr>
+              <a:t>(</a:t>
+            </a:r>
+            <a:r>
+              <a:rPr lang="en-US" altLang="zh-TW" i="1" dirty="0">
+                <a:solidFill>
+                  <a:srgbClr val="17C6A3"/>
+                </a:solidFill>
+                <a:latin typeface="Consolas" panose="020B0609020204030204" pitchFamily="49" charset="0"/>
+              </a:rPr>
+              <a:t>"score.csv </a:t>
+            </a:r>
+            <a:r>
+              <a:rPr lang="zh-TW" altLang="en-US" i="1" dirty="0">
+                <a:solidFill>
+                  <a:srgbClr val="17C6A3"/>
+                </a:solidFill>
+                <a:latin typeface="Consolas" panose="020B0609020204030204" pitchFamily="49" charset="0"/>
+              </a:rPr>
+              <a:t>不存在</a:t>
+            </a:r>
+            <a:r>
+              <a:rPr lang="en-US" altLang="zh-TW" i="1" dirty="0">
+                <a:solidFill>
+                  <a:srgbClr val="17C6A3"/>
+                </a:solidFill>
+                <a:latin typeface="Consolas" panose="020B0609020204030204" pitchFamily="49" charset="0"/>
+              </a:rPr>
+              <a:t>"</a:t>
+            </a:r>
+            <a:r>
+              <a:rPr lang="en-US" altLang="zh-TW" i="1" dirty="0">
+                <a:solidFill>
+                  <a:srgbClr val="F9FAF4"/>
+                </a:solidFill>
+                <a:latin typeface="Consolas" panose="020B0609020204030204" pitchFamily="49" charset="0"/>
+              </a:rPr>
+              <a:t>)</a:t>
+            </a:r>
+            <a:r>
+              <a:rPr lang="en-US" altLang="zh-TW" i="1" dirty="0">
+                <a:solidFill>
+                  <a:srgbClr val="E6E6FA"/>
+                </a:solidFill>
+                <a:latin typeface="Consolas" panose="020B0609020204030204" pitchFamily="49" charset="0"/>
+              </a:rPr>
+              <a:t>;</a:t>
+            </a:r>
+          </a:p>
+          <a:p>
+            <a:r>
+              <a:rPr lang="en-US" altLang="zh-TW" dirty="0">
+                <a:solidFill>
+                  <a:srgbClr val="F9FAF4"/>
+                </a:solidFill>
+                <a:latin typeface="Consolas" panose="020B0609020204030204" pitchFamily="49" charset="0"/>
+              </a:rPr>
+              <a:t>}</a:t>
+            </a:r>
+            <a:endParaRPr lang="zh-TW" altLang="en-US" dirty="0"/>
+          </a:p>
+        </p:txBody>
+      </p:sp>
+    </p:spTree>
+    <p:extLst>
+      <p:ext uri="{BB962C8B-B14F-4D97-AF65-F5344CB8AC3E}">
+        <p14:creationId xmlns:p14="http://schemas.microsoft.com/office/powerpoint/2010/main" val="1700002018"/>
+      </p:ext>
+    </p:extLst>
+  </p:cSld>
+  <p:clrMapOvr>
+    <a:masterClrMapping/>
+  </p:clrMapOvr>
+</p:sld>
+</file>
+
+<file path=ppt/slides/slide15.xml><?xml version="1.0" encoding="utf-8"?>
+<p:sld xmlns:a="http://schemas.openxmlformats.org/drawingml/2006/main" xmlns:r="http://schemas.openxmlformats.org/officeDocument/2006/relationships" xmlns:p="http://schemas.openxmlformats.org/presentationml/2006/main">
+  <p:cSld>
+    <p:spTree>
+      <p:nvGrpSpPr>
+        <p:cNvPr id="1" name=""/>
+        <p:cNvGrpSpPr/>
+        <p:nvPr/>
+      </p:nvGrpSpPr>
+      <p:grpSpPr>
+        <a:xfrm>
+          <a:off x="0" y="0"/>
+          <a:ext cx="0" cy="0"/>
+          <a:chOff x="0" y="0"/>
+          <a:chExt cx="0" cy="0"/>
+        </a:xfrm>
+      </p:grpSpPr>
+      <p:sp>
+        <p:nvSpPr>
+          <p:cNvPr id="2" name="標題 1"/>
+          <p:cNvSpPr>
+            <a:spLocks noGrp="1"/>
+          </p:cNvSpPr>
+          <p:nvPr>
+            <p:ph type="title"/>
+          </p:nvPr>
+        </p:nvSpPr>
+        <p:spPr/>
+        <p:txBody>
+          <a:bodyPr/>
+          <a:lstStyle/>
+          <a:p>
+            <a:r>
+              <a:rPr lang="en-US" altLang="zh-TW" dirty="0" err="1" smtClean="0"/>
+              <a:t>Files.creatDirectory</a:t>
+            </a:r>
+            <a:r>
+              <a:rPr lang="en-US" altLang="zh-TW" dirty="0" smtClean="0"/>
+              <a:t>(Path);</a:t>
+            </a:r>
+            <a:endParaRPr lang="zh-TW" altLang="en-US" dirty="0"/>
+          </a:p>
+        </p:txBody>
+      </p:sp>
+      <p:sp>
+        <p:nvSpPr>
+          <p:cNvPr id="3" name="內容版面配置區 2"/>
+          <p:cNvSpPr>
+            <a:spLocks noGrp="1"/>
+          </p:cNvSpPr>
+          <p:nvPr>
+            <p:ph idx="1"/>
+          </p:nvPr>
+        </p:nvSpPr>
+        <p:spPr/>
+        <p:txBody>
+          <a:bodyPr/>
+          <a:lstStyle/>
+          <a:p>
+            <a:r>
+              <a:rPr lang="zh-TW" altLang="en-US" dirty="0" smtClean="0"/>
+              <a:t>建立新資料夾的簡單範例</a:t>
+            </a:r>
+            <a:endParaRPr lang="en-US" altLang="zh-TW" dirty="0" smtClean="0"/>
+          </a:p>
+          <a:p>
+            <a:pPr lvl="1"/>
+            <a:r>
+              <a:rPr lang="zh-TW" altLang="en-US" dirty="0"/>
+              <a:t>下面程式碼會在</a:t>
+            </a:r>
+            <a:r>
+              <a:rPr lang="en-US" altLang="zh-TW" dirty="0"/>
+              <a:t>D:\</a:t>
+            </a:r>
+            <a:r>
+              <a:rPr lang="zh-TW" altLang="en-US" dirty="0"/>
+              <a:t>建立</a:t>
+            </a:r>
+            <a:r>
+              <a:rPr lang="zh-TW" altLang="en-US" dirty="0" smtClean="0"/>
+              <a:t>一個新的</a:t>
+            </a:r>
+            <a:r>
+              <a:rPr lang="en-US" altLang="zh-TW" dirty="0" err="1" smtClean="0"/>
+              <a:t>TestDir</a:t>
+            </a:r>
+            <a:r>
+              <a:rPr lang="zh-TW" altLang="en-US" dirty="0"/>
+              <a:t>資料夾</a:t>
+            </a:r>
+          </a:p>
+        </p:txBody>
+      </p:sp>
+      <p:sp>
+        <p:nvSpPr>
+          <p:cNvPr id="5" name="矩形 4"/>
+          <p:cNvSpPr/>
+          <p:nvPr/>
+        </p:nvSpPr>
+        <p:spPr>
+          <a:xfrm>
+            <a:off x="1466088" y="3005019"/>
+            <a:ext cx="6690360" cy="2585323"/>
+          </a:xfrm>
+          <a:prstGeom prst="rect">
+            <a:avLst/>
+          </a:prstGeom>
+          <a:solidFill>
+            <a:schemeClr val="tx1">
+              <a:lumMod val="85000"/>
+              <a:lumOff val="15000"/>
+            </a:schemeClr>
+          </a:solidFill>
+        </p:spPr>
+        <p:txBody>
+          <a:bodyPr wrap="square">
+            <a:spAutoFit/>
+          </a:bodyPr>
+          <a:lstStyle/>
+          <a:p>
+            <a:r>
+              <a:rPr lang="en-US" altLang="zh-TW" dirty="0">
+                <a:solidFill>
+                  <a:srgbClr val="CC6C1D"/>
+                </a:solidFill>
+                <a:latin typeface="Consolas" panose="020B0609020204030204" pitchFamily="49" charset="0"/>
+              </a:rPr>
+              <a:t>public</a:t>
+            </a:r>
+            <a:r>
+              <a:rPr lang="en-US" altLang="zh-TW" dirty="0">
+                <a:solidFill>
+                  <a:srgbClr val="D9E8F7"/>
+                </a:solidFill>
+                <a:latin typeface="Consolas" panose="020B0609020204030204" pitchFamily="49" charset="0"/>
+              </a:rPr>
+              <a:t> </a:t>
+            </a:r>
+            <a:r>
+              <a:rPr lang="en-US" altLang="zh-TW" dirty="0">
+                <a:solidFill>
+                  <a:srgbClr val="CC6C1D"/>
+                </a:solidFill>
+                <a:latin typeface="Consolas" panose="020B0609020204030204" pitchFamily="49" charset="0"/>
+              </a:rPr>
+              <a:t>static</a:t>
+            </a:r>
+            <a:r>
+              <a:rPr lang="en-US" altLang="zh-TW" dirty="0">
+                <a:solidFill>
+                  <a:srgbClr val="D9E8F7"/>
+                </a:solidFill>
+                <a:latin typeface="Consolas" panose="020B0609020204030204" pitchFamily="49" charset="0"/>
+              </a:rPr>
+              <a:t> </a:t>
+            </a:r>
+            <a:r>
+              <a:rPr lang="en-US" altLang="zh-TW" dirty="0">
+                <a:solidFill>
+                  <a:srgbClr val="CC6C1D"/>
+                </a:solidFill>
+                <a:latin typeface="Consolas" panose="020B0609020204030204" pitchFamily="49" charset="0"/>
+              </a:rPr>
+              <a:t>void</a:t>
+            </a:r>
+            <a:r>
+              <a:rPr lang="en-US" altLang="zh-TW" dirty="0">
+                <a:solidFill>
+                  <a:srgbClr val="D9E8F7"/>
+                </a:solidFill>
+                <a:latin typeface="Consolas" panose="020B0609020204030204" pitchFamily="49" charset="0"/>
+              </a:rPr>
+              <a:t> </a:t>
+            </a:r>
+            <a:r>
+              <a:rPr lang="en-US" altLang="zh-TW" dirty="0">
+                <a:solidFill>
+                  <a:srgbClr val="1EB540"/>
+                </a:solidFill>
+                <a:latin typeface="Consolas" panose="020B0609020204030204" pitchFamily="49" charset="0"/>
+              </a:rPr>
+              <a:t>main</a:t>
+            </a:r>
+            <a:r>
+              <a:rPr lang="en-US" altLang="zh-TW" dirty="0">
+                <a:solidFill>
+                  <a:srgbClr val="F9FAF4"/>
+                </a:solidFill>
+                <a:latin typeface="Consolas" panose="020B0609020204030204" pitchFamily="49" charset="0"/>
+              </a:rPr>
+              <a:t>(</a:t>
+            </a:r>
+            <a:r>
+              <a:rPr lang="en-US" altLang="zh-TW" dirty="0">
+                <a:solidFill>
+                  <a:srgbClr val="1290C3"/>
+                </a:solidFill>
+                <a:latin typeface="Consolas" panose="020B0609020204030204" pitchFamily="49" charset="0"/>
+              </a:rPr>
+              <a:t>String</a:t>
+            </a:r>
+            <a:r>
+              <a:rPr lang="en-US" altLang="zh-TW" dirty="0">
+                <a:solidFill>
+                  <a:srgbClr val="F9FAF4"/>
+                </a:solidFill>
+                <a:latin typeface="Consolas" panose="020B0609020204030204" pitchFamily="49" charset="0"/>
+              </a:rPr>
+              <a:t>[]</a:t>
+            </a:r>
+            <a:r>
+              <a:rPr lang="en-US" altLang="zh-TW" dirty="0">
+                <a:solidFill>
+                  <a:srgbClr val="D9E8F7"/>
+                </a:solidFill>
+                <a:latin typeface="Consolas" panose="020B0609020204030204" pitchFamily="49" charset="0"/>
+              </a:rPr>
+              <a:t> </a:t>
+            </a:r>
+            <a:r>
+              <a:rPr lang="en-US" altLang="zh-TW" dirty="0">
+                <a:solidFill>
+                  <a:srgbClr val="79ABFF"/>
+                </a:solidFill>
+                <a:latin typeface="Consolas" panose="020B0609020204030204" pitchFamily="49" charset="0"/>
+              </a:rPr>
+              <a:t>args</a:t>
+            </a:r>
+            <a:r>
+              <a:rPr lang="en-US" altLang="zh-TW" dirty="0">
+                <a:solidFill>
+                  <a:srgbClr val="F9FAF4"/>
+                </a:solidFill>
+                <a:latin typeface="Consolas" panose="020B0609020204030204" pitchFamily="49" charset="0"/>
+              </a:rPr>
+              <a:t>)</a:t>
+            </a:r>
+            <a:r>
+              <a:rPr lang="en-US" altLang="zh-TW" dirty="0">
+                <a:solidFill>
+                  <a:srgbClr val="D9E8F7"/>
+                </a:solidFill>
+                <a:latin typeface="Consolas" panose="020B0609020204030204" pitchFamily="49" charset="0"/>
+              </a:rPr>
+              <a:t> </a:t>
+            </a:r>
+            <a:r>
+              <a:rPr lang="en-US" altLang="zh-TW" dirty="0">
+                <a:solidFill>
+                  <a:srgbClr val="F9FAF4"/>
+                </a:solidFill>
+                <a:latin typeface="Consolas" panose="020B0609020204030204" pitchFamily="49" charset="0"/>
+              </a:rPr>
+              <a:t>{</a:t>
+            </a:r>
+          </a:p>
+          <a:p>
+            <a:r>
+              <a:rPr lang="en-US" altLang="zh-TW" dirty="0" smtClean="0">
+                <a:solidFill>
+                  <a:srgbClr val="808080"/>
+                </a:solidFill>
+                <a:latin typeface="Consolas" panose="020B0609020204030204" pitchFamily="49" charset="0"/>
+              </a:rPr>
+              <a:t>	// </a:t>
+            </a:r>
+            <a:r>
+              <a:rPr lang="en-US" altLang="zh-TW" b="1" dirty="0">
+                <a:solidFill>
+                  <a:srgbClr val="9A8C7C"/>
+                </a:solidFill>
+                <a:latin typeface="Consolas" panose="020B0609020204030204" pitchFamily="49" charset="0"/>
+              </a:rPr>
+              <a:t>TODO</a:t>
+            </a:r>
+            <a:r>
+              <a:rPr lang="en-US" altLang="zh-TW" b="1" dirty="0">
+                <a:solidFill>
+                  <a:srgbClr val="808080"/>
+                </a:solidFill>
+                <a:latin typeface="Consolas" panose="020B0609020204030204" pitchFamily="49" charset="0"/>
+              </a:rPr>
+              <a:t> Auto-generated method stub</a:t>
+            </a:r>
+          </a:p>
+          <a:p>
+            <a:r>
+              <a:rPr lang="en-US" altLang="zh-TW" dirty="0" smtClean="0">
+                <a:solidFill>
+                  <a:srgbClr val="80F2F6"/>
+                </a:solidFill>
+                <a:latin typeface="Consolas" panose="020B0609020204030204" pitchFamily="49" charset="0"/>
+              </a:rPr>
+              <a:t>	Path</a:t>
+            </a:r>
+            <a:r>
+              <a:rPr lang="en-US" altLang="zh-TW" dirty="0" smtClean="0">
+                <a:solidFill>
+                  <a:srgbClr val="D9E8F7"/>
+                </a:solidFill>
+                <a:latin typeface="Consolas" panose="020B0609020204030204" pitchFamily="49" charset="0"/>
+              </a:rPr>
+              <a:t> </a:t>
+            </a:r>
+            <a:r>
+              <a:rPr lang="en-US" altLang="zh-TW" dirty="0" err="1">
+                <a:solidFill>
+                  <a:srgbClr val="F2F200"/>
+                </a:solidFill>
+                <a:latin typeface="Consolas" panose="020B0609020204030204" pitchFamily="49" charset="0"/>
+              </a:rPr>
+              <a:t>theNewPath</a:t>
+            </a:r>
+            <a:r>
+              <a:rPr lang="en-US" altLang="zh-TW" dirty="0">
+                <a:solidFill>
+                  <a:srgbClr val="D9E8F7"/>
+                </a:solidFill>
+                <a:latin typeface="Consolas" panose="020B0609020204030204" pitchFamily="49" charset="0"/>
+              </a:rPr>
+              <a:t> </a:t>
+            </a:r>
+            <a:r>
+              <a:rPr lang="en-US" altLang="zh-TW" dirty="0">
+                <a:solidFill>
+                  <a:srgbClr val="E6E6FA"/>
+                </a:solidFill>
+                <a:latin typeface="Consolas" panose="020B0609020204030204" pitchFamily="49" charset="0"/>
+              </a:rPr>
+              <a:t>=</a:t>
+            </a:r>
+            <a:r>
+              <a:rPr lang="en-US" altLang="zh-TW" dirty="0">
+                <a:solidFill>
+                  <a:srgbClr val="D9E8F7"/>
+                </a:solidFill>
+                <a:latin typeface="Consolas" panose="020B0609020204030204" pitchFamily="49" charset="0"/>
+              </a:rPr>
+              <a:t> </a:t>
+            </a:r>
+            <a:r>
+              <a:rPr lang="en-US" altLang="zh-TW" dirty="0">
+                <a:solidFill>
+                  <a:srgbClr val="1290C3"/>
+                </a:solidFill>
+                <a:latin typeface="Consolas" panose="020B0609020204030204" pitchFamily="49" charset="0"/>
+              </a:rPr>
+              <a:t>Paths</a:t>
+            </a:r>
+            <a:r>
+              <a:rPr lang="en-US" altLang="zh-TW" dirty="0">
+                <a:solidFill>
+                  <a:srgbClr val="E6E6FA"/>
+                </a:solidFill>
+                <a:latin typeface="Consolas" panose="020B0609020204030204" pitchFamily="49" charset="0"/>
+              </a:rPr>
+              <a:t>.</a:t>
+            </a:r>
+            <a:r>
+              <a:rPr lang="en-US" altLang="zh-TW" i="1" dirty="0">
+                <a:solidFill>
+                  <a:srgbClr val="96EC3F"/>
+                </a:solidFill>
+                <a:latin typeface="Consolas" panose="020B0609020204030204" pitchFamily="49" charset="0"/>
+              </a:rPr>
+              <a:t>get</a:t>
+            </a:r>
+            <a:r>
+              <a:rPr lang="en-US" altLang="zh-TW" i="1" dirty="0">
+                <a:solidFill>
+                  <a:srgbClr val="F9FAF4"/>
+                </a:solidFill>
+                <a:latin typeface="Consolas" panose="020B0609020204030204" pitchFamily="49" charset="0"/>
+              </a:rPr>
+              <a:t>(</a:t>
+            </a:r>
+            <a:r>
+              <a:rPr lang="en-US" altLang="zh-TW" i="1" dirty="0">
+                <a:solidFill>
+                  <a:srgbClr val="17C6A3"/>
+                </a:solidFill>
+                <a:latin typeface="Consolas" panose="020B0609020204030204" pitchFamily="49" charset="0"/>
+              </a:rPr>
+              <a:t>"D:\\TestDir"</a:t>
+            </a:r>
+            <a:r>
+              <a:rPr lang="en-US" altLang="zh-TW" i="1" dirty="0">
+                <a:solidFill>
+                  <a:srgbClr val="F9FAF4"/>
+                </a:solidFill>
+                <a:latin typeface="Consolas" panose="020B0609020204030204" pitchFamily="49" charset="0"/>
+              </a:rPr>
+              <a:t>)</a:t>
+            </a:r>
+            <a:r>
+              <a:rPr lang="en-US" altLang="zh-TW" i="1" dirty="0">
+                <a:solidFill>
+                  <a:srgbClr val="E6E6FA"/>
+                </a:solidFill>
+                <a:latin typeface="Consolas" panose="020B0609020204030204" pitchFamily="49" charset="0"/>
+              </a:rPr>
+              <a:t>;</a:t>
+            </a:r>
+          </a:p>
+          <a:p>
+            <a:r>
+              <a:rPr lang="en-US" altLang="zh-TW" dirty="0" smtClean="0">
+                <a:solidFill>
+                  <a:srgbClr val="CC6C1D"/>
+                </a:solidFill>
+                <a:latin typeface="Consolas" panose="020B0609020204030204" pitchFamily="49" charset="0"/>
+              </a:rPr>
+              <a:t>	try</a:t>
+            </a:r>
+            <a:r>
+              <a:rPr lang="en-US" altLang="zh-TW" dirty="0" smtClean="0">
+                <a:solidFill>
+                  <a:srgbClr val="D9E8F7"/>
+                </a:solidFill>
+                <a:latin typeface="Consolas" panose="020B0609020204030204" pitchFamily="49" charset="0"/>
+              </a:rPr>
+              <a:t> </a:t>
+            </a:r>
+            <a:r>
+              <a:rPr lang="en-US" altLang="zh-TW" dirty="0">
+                <a:solidFill>
+                  <a:srgbClr val="F9FAF4"/>
+                </a:solidFill>
+                <a:latin typeface="Consolas" panose="020B0609020204030204" pitchFamily="49" charset="0"/>
+              </a:rPr>
+              <a:t>{</a:t>
+            </a:r>
+          </a:p>
+          <a:p>
+            <a:r>
+              <a:rPr lang="en-US" altLang="zh-TW" dirty="0" smtClean="0">
+                <a:solidFill>
+                  <a:srgbClr val="1290C3"/>
+                </a:solidFill>
+                <a:latin typeface="Consolas" panose="020B0609020204030204" pitchFamily="49" charset="0"/>
+              </a:rPr>
+              <a:t>		</a:t>
+            </a:r>
+            <a:r>
+              <a:rPr lang="en-US" altLang="zh-TW" dirty="0" err="1" smtClean="0">
+                <a:solidFill>
+                  <a:srgbClr val="1290C3"/>
+                </a:solidFill>
+                <a:latin typeface="Consolas" panose="020B0609020204030204" pitchFamily="49" charset="0"/>
+              </a:rPr>
+              <a:t>Files</a:t>
+            </a:r>
+            <a:r>
+              <a:rPr lang="en-US" altLang="zh-TW" dirty="0" err="1" smtClean="0">
+                <a:solidFill>
+                  <a:srgbClr val="E6E6FA"/>
+                </a:solidFill>
+                <a:latin typeface="Consolas" panose="020B0609020204030204" pitchFamily="49" charset="0"/>
+              </a:rPr>
+              <a:t>.</a:t>
+            </a:r>
+            <a:r>
+              <a:rPr lang="en-US" altLang="zh-TW" i="1" dirty="0" err="1" smtClean="0">
+                <a:solidFill>
+                  <a:srgbClr val="96EC3F"/>
+                </a:solidFill>
+                <a:latin typeface="Consolas" panose="020B0609020204030204" pitchFamily="49" charset="0"/>
+              </a:rPr>
+              <a:t>createDirectory</a:t>
+            </a:r>
+            <a:r>
+              <a:rPr lang="en-US" altLang="zh-TW" i="1" dirty="0" smtClean="0">
+                <a:solidFill>
+                  <a:srgbClr val="F9FAF4"/>
+                </a:solidFill>
+                <a:latin typeface="Consolas" panose="020B0609020204030204" pitchFamily="49" charset="0"/>
+              </a:rPr>
+              <a:t>(</a:t>
+            </a:r>
+            <a:r>
+              <a:rPr lang="en-US" altLang="zh-TW" i="1" dirty="0" err="1" smtClean="0">
+                <a:solidFill>
+                  <a:srgbClr val="F3EC79"/>
+                </a:solidFill>
+                <a:latin typeface="Consolas" panose="020B0609020204030204" pitchFamily="49" charset="0"/>
+              </a:rPr>
+              <a:t>theNewPath</a:t>
+            </a:r>
+            <a:r>
+              <a:rPr lang="en-US" altLang="zh-TW" i="1" dirty="0">
+                <a:solidFill>
+                  <a:srgbClr val="F9FAF4"/>
+                </a:solidFill>
+                <a:latin typeface="Consolas" panose="020B0609020204030204" pitchFamily="49" charset="0"/>
+              </a:rPr>
+              <a:t>)</a:t>
+            </a:r>
+            <a:r>
+              <a:rPr lang="en-US" altLang="zh-TW" i="1" dirty="0">
+                <a:solidFill>
+                  <a:srgbClr val="E6E6FA"/>
+                </a:solidFill>
+                <a:latin typeface="Consolas" panose="020B0609020204030204" pitchFamily="49" charset="0"/>
+              </a:rPr>
+              <a:t>;</a:t>
+            </a:r>
+          </a:p>
+          <a:p>
+            <a:r>
+              <a:rPr lang="en-US" altLang="zh-TW" dirty="0" smtClean="0">
+                <a:solidFill>
+                  <a:srgbClr val="F9FAF4"/>
+                </a:solidFill>
+                <a:latin typeface="Consolas" panose="020B0609020204030204" pitchFamily="49" charset="0"/>
+              </a:rPr>
+              <a:t>	}</a:t>
+            </a:r>
+            <a:r>
+              <a:rPr lang="en-US" altLang="zh-TW" dirty="0">
+                <a:solidFill>
+                  <a:srgbClr val="CC6C1D"/>
+                </a:solidFill>
+                <a:latin typeface="Consolas" panose="020B0609020204030204" pitchFamily="49" charset="0"/>
+              </a:rPr>
+              <a:t>catch</a:t>
+            </a:r>
+            <a:r>
+              <a:rPr lang="en-US" altLang="zh-TW" dirty="0">
+                <a:solidFill>
+                  <a:srgbClr val="F9FAF4"/>
+                </a:solidFill>
+                <a:latin typeface="Consolas" panose="020B0609020204030204" pitchFamily="49" charset="0"/>
+              </a:rPr>
+              <a:t>(</a:t>
+            </a:r>
+            <a:r>
+              <a:rPr lang="en-US" altLang="zh-TW" dirty="0">
+                <a:solidFill>
+                  <a:srgbClr val="1290C3"/>
+                </a:solidFill>
+                <a:latin typeface="Consolas" panose="020B0609020204030204" pitchFamily="49" charset="0"/>
+              </a:rPr>
+              <a:t>IOException</a:t>
+            </a:r>
+            <a:r>
+              <a:rPr lang="en-US" altLang="zh-TW" dirty="0">
+                <a:solidFill>
+                  <a:srgbClr val="D9E8F7"/>
+                </a:solidFill>
+                <a:latin typeface="Consolas" panose="020B0609020204030204" pitchFamily="49" charset="0"/>
+              </a:rPr>
+              <a:t> </a:t>
+            </a:r>
+            <a:r>
+              <a:rPr lang="en-US" altLang="zh-TW" dirty="0">
+                <a:solidFill>
+                  <a:srgbClr val="F2F200"/>
+                </a:solidFill>
+                <a:latin typeface="Consolas" panose="020B0609020204030204" pitchFamily="49" charset="0"/>
+              </a:rPr>
+              <a:t>e</a:t>
+            </a:r>
+            <a:r>
+              <a:rPr lang="en-US" altLang="zh-TW" dirty="0">
+                <a:solidFill>
+                  <a:srgbClr val="F9FAF4"/>
+                </a:solidFill>
+                <a:latin typeface="Consolas" panose="020B0609020204030204" pitchFamily="49" charset="0"/>
+              </a:rPr>
+              <a:t>)</a:t>
+            </a:r>
+            <a:r>
+              <a:rPr lang="en-US" altLang="zh-TW" dirty="0">
+                <a:solidFill>
+                  <a:srgbClr val="D9E8F7"/>
+                </a:solidFill>
+                <a:latin typeface="Consolas" panose="020B0609020204030204" pitchFamily="49" charset="0"/>
+              </a:rPr>
+              <a:t> </a:t>
+            </a:r>
+            <a:r>
+              <a:rPr lang="en-US" altLang="zh-TW" dirty="0">
+                <a:solidFill>
+                  <a:srgbClr val="F9FAF4"/>
+                </a:solidFill>
+                <a:latin typeface="Consolas" panose="020B0609020204030204" pitchFamily="49" charset="0"/>
+              </a:rPr>
+              <a:t>{</a:t>
+            </a:r>
+          </a:p>
+          <a:p>
+            <a:r>
+              <a:rPr lang="en-US" altLang="zh-TW" dirty="0" smtClean="0">
+                <a:solidFill>
+                  <a:srgbClr val="F3EC79"/>
+                </a:solidFill>
+                <a:latin typeface="Consolas" panose="020B0609020204030204" pitchFamily="49" charset="0"/>
+              </a:rPr>
+              <a:t>		e</a:t>
+            </a:r>
+            <a:r>
+              <a:rPr lang="en-US" altLang="zh-TW" dirty="0" smtClean="0">
+                <a:solidFill>
+                  <a:srgbClr val="E6E6FA"/>
+                </a:solidFill>
+                <a:latin typeface="Consolas" panose="020B0609020204030204" pitchFamily="49" charset="0"/>
+              </a:rPr>
+              <a:t>.</a:t>
+            </a:r>
+            <a:r>
+              <a:rPr lang="en-US" altLang="zh-TW" dirty="0" smtClean="0">
+                <a:solidFill>
+                  <a:srgbClr val="A7EC21"/>
+                </a:solidFill>
+                <a:latin typeface="Consolas" panose="020B0609020204030204" pitchFamily="49" charset="0"/>
+              </a:rPr>
+              <a:t>printStackTrace</a:t>
+            </a:r>
+            <a:r>
+              <a:rPr lang="en-US" altLang="zh-TW" dirty="0">
+                <a:solidFill>
+                  <a:srgbClr val="F9FAF4"/>
+                </a:solidFill>
+                <a:latin typeface="Consolas" panose="020B0609020204030204" pitchFamily="49" charset="0"/>
+              </a:rPr>
+              <a:t>()</a:t>
+            </a:r>
+            <a:r>
+              <a:rPr lang="en-US" altLang="zh-TW" dirty="0">
+                <a:solidFill>
+                  <a:srgbClr val="E6E6FA"/>
+                </a:solidFill>
+                <a:latin typeface="Consolas" panose="020B0609020204030204" pitchFamily="49" charset="0"/>
+              </a:rPr>
+              <a:t>;</a:t>
+            </a:r>
+          </a:p>
+          <a:p>
+            <a:r>
+              <a:rPr lang="en-US" altLang="zh-TW" dirty="0" smtClean="0">
+                <a:solidFill>
+                  <a:srgbClr val="F9FAF4"/>
+                </a:solidFill>
+                <a:latin typeface="Consolas" panose="020B0609020204030204" pitchFamily="49" charset="0"/>
+              </a:rPr>
+              <a:t>	}</a:t>
+            </a:r>
+            <a:endParaRPr lang="en-US" altLang="zh-TW" dirty="0">
+              <a:solidFill>
+                <a:srgbClr val="F9FAF4"/>
+              </a:solidFill>
+              <a:latin typeface="Consolas" panose="020B0609020204030204" pitchFamily="49" charset="0"/>
+            </a:endParaRPr>
+          </a:p>
+          <a:p>
+            <a:r>
+              <a:rPr lang="en-US" altLang="zh-TW" dirty="0">
+                <a:solidFill>
+                  <a:srgbClr val="F9FAF4"/>
+                </a:solidFill>
+                <a:latin typeface="Consolas" panose="020B0609020204030204" pitchFamily="49" charset="0"/>
+              </a:rPr>
+              <a:t>}</a:t>
+            </a:r>
+            <a:endParaRPr lang="zh-TW" altLang="en-US" dirty="0"/>
+          </a:p>
+        </p:txBody>
+      </p:sp>
+    </p:spTree>
+    <p:extLst>
+      <p:ext uri="{BB962C8B-B14F-4D97-AF65-F5344CB8AC3E}">
+        <p14:creationId xmlns:p14="http://schemas.microsoft.com/office/powerpoint/2010/main" val="2375227944"/>
+      </p:ext>
+    </p:extLst>
+  </p:cSld>
+  <p:clrMapOvr>
+    <a:masterClrMapping/>
+  </p:clrMapOvr>
+</p:sld>
+</file>
+
+<file path=ppt/slides/slide16.xml><?xml version="1.0" encoding="utf-8"?>
+<p:sld xmlns:a="http://schemas.openxmlformats.org/drawingml/2006/main" xmlns:r="http://schemas.openxmlformats.org/officeDocument/2006/relationships" xmlns:p="http://schemas.openxmlformats.org/presentationml/2006/main">
+  <p:cSld>
+    <p:spTree>
+      <p:nvGrpSpPr>
+        <p:cNvPr id="1" name=""/>
+        <p:cNvGrpSpPr/>
+        <p:nvPr/>
+      </p:nvGrpSpPr>
+      <p:grpSpPr>
+        <a:xfrm>
+          <a:off x="0" y="0"/>
+          <a:ext cx="0" cy="0"/>
+          <a:chOff x="0" y="0"/>
+          <a:chExt cx="0" cy="0"/>
+        </a:xfrm>
+      </p:grpSpPr>
+      <p:sp>
+        <p:nvSpPr>
+          <p:cNvPr id="2" name="標題 1"/>
+          <p:cNvSpPr>
+            <a:spLocks noGrp="1"/>
+          </p:cNvSpPr>
+          <p:nvPr>
+            <p:ph type="title"/>
+          </p:nvPr>
+        </p:nvSpPr>
+        <p:spPr/>
+        <p:txBody>
+          <a:bodyPr/>
+          <a:lstStyle/>
+          <a:p>
+            <a:r>
+              <a:rPr lang="en-US" altLang="zh-TW" dirty="0" smtClean="0"/>
+              <a:t>Files.move()</a:t>
+            </a:r>
+            <a:endParaRPr lang="zh-TW" altLang="en-US" dirty="0"/>
+          </a:p>
+        </p:txBody>
+      </p:sp>
+      <p:sp>
+        <p:nvSpPr>
+          <p:cNvPr id="3" name="內容版面配置區 2"/>
+          <p:cNvSpPr>
+            <a:spLocks noGrp="1"/>
+          </p:cNvSpPr>
+          <p:nvPr>
+            <p:ph idx="1"/>
+          </p:nvPr>
+        </p:nvSpPr>
+        <p:spPr/>
+        <p:txBody>
+          <a:bodyPr/>
+          <a:lstStyle/>
+          <a:p>
+            <a:r>
+              <a:rPr lang="zh-TW" altLang="en-US" dirty="0" smtClean="0"/>
+              <a:t>產生新的資料夾，並且把</a:t>
+            </a:r>
+            <a:r>
+              <a:rPr lang="en-US" altLang="zh-TW" dirty="0" smtClean="0"/>
+              <a:t>score.csv</a:t>
+            </a:r>
+            <a:r>
+              <a:rPr lang="zh-TW" altLang="en-US" dirty="0" smtClean="0"/>
+              <a:t>移動到新資料夾中。程式碼如下：</a:t>
+            </a:r>
+            <a:endParaRPr lang="zh-TW" altLang="en-US" dirty="0"/>
+          </a:p>
+        </p:txBody>
+      </p:sp>
+      <p:sp>
+        <p:nvSpPr>
+          <p:cNvPr id="4" name="矩形 3"/>
+          <p:cNvSpPr/>
+          <p:nvPr/>
+        </p:nvSpPr>
+        <p:spPr>
+          <a:xfrm>
+            <a:off x="859536" y="2530638"/>
+            <a:ext cx="9372600" cy="3970318"/>
+          </a:xfrm>
+          <a:prstGeom prst="rect">
+            <a:avLst/>
+          </a:prstGeom>
+          <a:solidFill>
+            <a:schemeClr val="tx1">
+              <a:lumMod val="85000"/>
+              <a:lumOff val="15000"/>
+            </a:schemeClr>
+          </a:solidFill>
+        </p:spPr>
+        <p:txBody>
+          <a:bodyPr wrap="square">
+            <a:spAutoFit/>
+          </a:bodyPr>
+          <a:lstStyle/>
+          <a:p>
+            <a:r>
+              <a:rPr lang="en-US" altLang="zh-TW" dirty="0">
+                <a:solidFill>
+                  <a:srgbClr val="CC6C1D"/>
+                </a:solidFill>
+                <a:latin typeface="Consolas" panose="020B0609020204030204" pitchFamily="49" charset="0"/>
+              </a:rPr>
+              <a:t>public</a:t>
+            </a:r>
+            <a:r>
+              <a:rPr lang="en-US" altLang="zh-TW" dirty="0">
+                <a:solidFill>
+                  <a:srgbClr val="D9E8F7"/>
+                </a:solidFill>
+                <a:latin typeface="Consolas" panose="020B0609020204030204" pitchFamily="49" charset="0"/>
+              </a:rPr>
+              <a:t> </a:t>
+            </a:r>
+            <a:r>
+              <a:rPr lang="en-US" altLang="zh-TW" dirty="0">
+                <a:solidFill>
+                  <a:srgbClr val="CC6C1D"/>
+                </a:solidFill>
+                <a:latin typeface="Consolas" panose="020B0609020204030204" pitchFamily="49" charset="0"/>
+              </a:rPr>
+              <a:t>static</a:t>
+            </a:r>
+            <a:r>
+              <a:rPr lang="en-US" altLang="zh-TW" dirty="0">
+                <a:solidFill>
+                  <a:srgbClr val="D9E8F7"/>
+                </a:solidFill>
+                <a:latin typeface="Consolas" panose="020B0609020204030204" pitchFamily="49" charset="0"/>
+              </a:rPr>
+              <a:t> </a:t>
+            </a:r>
+            <a:r>
+              <a:rPr lang="en-US" altLang="zh-TW" dirty="0">
+                <a:solidFill>
+                  <a:srgbClr val="CC6C1D"/>
+                </a:solidFill>
+                <a:latin typeface="Consolas" panose="020B0609020204030204" pitchFamily="49" charset="0"/>
+              </a:rPr>
+              <a:t>void</a:t>
+            </a:r>
+            <a:r>
+              <a:rPr lang="en-US" altLang="zh-TW" dirty="0">
+                <a:solidFill>
+                  <a:srgbClr val="D9E8F7"/>
+                </a:solidFill>
+                <a:latin typeface="Consolas" panose="020B0609020204030204" pitchFamily="49" charset="0"/>
+              </a:rPr>
+              <a:t> </a:t>
+            </a:r>
+            <a:r>
+              <a:rPr lang="en-US" altLang="zh-TW" dirty="0">
+                <a:solidFill>
+                  <a:srgbClr val="1EB540"/>
+                </a:solidFill>
+                <a:latin typeface="Consolas" panose="020B0609020204030204" pitchFamily="49" charset="0"/>
+              </a:rPr>
+              <a:t>main</a:t>
+            </a:r>
+            <a:r>
+              <a:rPr lang="en-US" altLang="zh-TW" dirty="0">
+                <a:solidFill>
+                  <a:srgbClr val="F9FAF4"/>
+                </a:solidFill>
+                <a:latin typeface="Consolas" panose="020B0609020204030204" pitchFamily="49" charset="0"/>
+              </a:rPr>
+              <a:t>(</a:t>
+            </a:r>
+            <a:r>
+              <a:rPr lang="en-US" altLang="zh-TW" dirty="0">
+                <a:solidFill>
+                  <a:srgbClr val="1290C3"/>
+                </a:solidFill>
+                <a:latin typeface="Consolas" panose="020B0609020204030204" pitchFamily="49" charset="0"/>
+              </a:rPr>
+              <a:t>String</a:t>
+            </a:r>
+            <a:r>
+              <a:rPr lang="en-US" altLang="zh-TW" dirty="0">
+                <a:solidFill>
+                  <a:srgbClr val="F9FAF4"/>
+                </a:solidFill>
+                <a:latin typeface="Consolas" panose="020B0609020204030204" pitchFamily="49" charset="0"/>
+              </a:rPr>
+              <a:t>[]</a:t>
+            </a:r>
+            <a:r>
+              <a:rPr lang="en-US" altLang="zh-TW" dirty="0">
+                <a:solidFill>
+                  <a:srgbClr val="D9E8F7"/>
+                </a:solidFill>
+                <a:latin typeface="Consolas" panose="020B0609020204030204" pitchFamily="49" charset="0"/>
+              </a:rPr>
+              <a:t> </a:t>
+            </a:r>
+            <a:r>
+              <a:rPr lang="en-US" altLang="zh-TW" dirty="0">
+                <a:solidFill>
+                  <a:srgbClr val="79ABFF"/>
+                </a:solidFill>
+                <a:latin typeface="Consolas" panose="020B0609020204030204" pitchFamily="49" charset="0"/>
+              </a:rPr>
+              <a:t>args</a:t>
+            </a:r>
+            <a:r>
+              <a:rPr lang="en-US" altLang="zh-TW" dirty="0">
+                <a:solidFill>
+                  <a:srgbClr val="F9FAF4"/>
+                </a:solidFill>
+                <a:latin typeface="Consolas" panose="020B0609020204030204" pitchFamily="49" charset="0"/>
+              </a:rPr>
+              <a:t>)</a:t>
+            </a:r>
+            <a:r>
+              <a:rPr lang="en-US" altLang="zh-TW" dirty="0">
+                <a:solidFill>
+                  <a:srgbClr val="D9E8F7"/>
+                </a:solidFill>
+                <a:latin typeface="Consolas" panose="020B0609020204030204" pitchFamily="49" charset="0"/>
+              </a:rPr>
+              <a:t> </a:t>
+            </a:r>
+            <a:r>
+              <a:rPr lang="en-US" altLang="zh-TW" dirty="0">
+                <a:solidFill>
+                  <a:srgbClr val="F9FAF4"/>
+                </a:solidFill>
+                <a:latin typeface="Consolas" panose="020B0609020204030204" pitchFamily="49" charset="0"/>
+              </a:rPr>
+              <a:t>{</a:t>
+            </a:r>
+          </a:p>
+          <a:p>
+            <a:r>
+              <a:rPr lang="en-US" altLang="zh-TW" dirty="0" smtClean="0">
+                <a:solidFill>
+                  <a:srgbClr val="808080"/>
+                </a:solidFill>
+                <a:latin typeface="Consolas" panose="020B0609020204030204" pitchFamily="49" charset="0"/>
+              </a:rPr>
+              <a:t>	// </a:t>
+            </a:r>
+            <a:r>
+              <a:rPr lang="en-US" altLang="zh-TW" b="1" dirty="0">
+                <a:solidFill>
+                  <a:srgbClr val="9A8C7C"/>
+                </a:solidFill>
+                <a:latin typeface="Consolas" panose="020B0609020204030204" pitchFamily="49" charset="0"/>
+              </a:rPr>
+              <a:t>TODO</a:t>
+            </a:r>
+            <a:r>
+              <a:rPr lang="en-US" altLang="zh-TW" b="1" dirty="0">
+                <a:solidFill>
+                  <a:srgbClr val="808080"/>
+                </a:solidFill>
+                <a:latin typeface="Consolas" panose="020B0609020204030204" pitchFamily="49" charset="0"/>
+              </a:rPr>
+              <a:t> Auto-generated method stub</a:t>
+            </a:r>
+          </a:p>
+          <a:p>
+            <a:r>
+              <a:rPr lang="en-US" altLang="zh-TW" dirty="0" smtClean="0">
+                <a:solidFill>
+                  <a:srgbClr val="80F2F6"/>
+                </a:solidFill>
+                <a:latin typeface="Consolas" panose="020B0609020204030204" pitchFamily="49" charset="0"/>
+              </a:rPr>
+              <a:t>	Path</a:t>
+            </a:r>
+            <a:r>
+              <a:rPr lang="en-US" altLang="zh-TW" dirty="0" smtClean="0">
+                <a:solidFill>
+                  <a:srgbClr val="D9E8F7"/>
+                </a:solidFill>
+                <a:latin typeface="Consolas" panose="020B0609020204030204" pitchFamily="49" charset="0"/>
+              </a:rPr>
+              <a:t> </a:t>
+            </a:r>
+            <a:r>
+              <a:rPr lang="en-US" altLang="zh-TW" dirty="0">
+                <a:solidFill>
+                  <a:srgbClr val="F2F200"/>
+                </a:solidFill>
+                <a:latin typeface="Consolas" panose="020B0609020204030204" pitchFamily="49" charset="0"/>
+              </a:rPr>
+              <a:t>theCSVPath</a:t>
+            </a:r>
+            <a:r>
+              <a:rPr lang="en-US" altLang="zh-TW" dirty="0">
+                <a:solidFill>
+                  <a:srgbClr val="D9E8F7"/>
+                </a:solidFill>
+                <a:latin typeface="Consolas" panose="020B0609020204030204" pitchFamily="49" charset="0"/>
+              </a:rPr>
+              <a:t> </a:t>
+            </a:r>
+            <a:r>
+              <a:rPr lang="en-US" altLang="zh-TW" dirty="0">
+                <a:solidFill>
+                  <a:srgbClr val="E6E6FA"/>
+                </a:solidFill>
+                <a:latin typeface="Consolas" panose="020B0609020204030204" pitchFamily="49" charset="0"/>
+              </a:rPr>
+              <a:t>=</a:t>
+            </a:r>
+            <a:r>
+              <a:rPr lang="en-US" altLang="zh-TW" dirty="0">
+                <a:solidFill>
+                  <a:srgbClr val="D9E8F7"/>
+                </a:solidFill>
+                <a:latin typeface="Consolas" panose="020B0609020204030204" pitchFamily="49" charset="0"/>
+              </a:rPr>
+              <a:t> </a:t>
+            </a:r>
+            <a:r>
+              <a:rPr lang="en-US" altLang="zh-TW" dirty="0">
+                <a:solidFill>
+                  <a:srgbClr val="1290C3"/>
+                </a:solidFill>
+                <a:latin typeface="Consolas" panose="020B0609020204030204" pitchFamily="49" charset="0"/>
+              </a:rPr>
+              <a:t>Paths</a:t>
+            </a:r>
+            <a:r>
+              <a:rPr lang="en-US" altLang="zh-TW" dirty="0">
+                <a:solidFill>
+                  <a:srgbClr val="E6E6FA"/>
+                </a:solidFill>
+                <a:latin typeface="Consolas" panose="020B0609020204030204" pitchFamily="49" charset="0"/>
+              </a:rPr>
+              <a:t>.</a:t>
+            </a:r>
+            <a:r>
+              <a:rPr lang="en-US" altLang="zh-TW" i="1" dirty="0">
+                <a:solidFill>
+                  <a:srgbClr val="96EC3F"/>
+                </a:solidFill>
+                <a:latin typeface="Consolas" panose="020B0609020204030204" pitchFamily="49" charset="0"/>
+              </a:rPr>
+              <a:t>get</a:t>
+            </a:r>
+            <a:r>
+              <a:rPr lang="en-US" altLang="zh-TW" i="1" dirty="0">
+                <a:solidFill>
+                  <a:srgbClr val="F9FAF4"/>
+                </a:solidFill>
+                <a:latin typeface="Consolas" panose="020B0609020204030204" pitchFamily="49" charset="0"/>
+              </a:rPr>
+              <a:t>(</a:t>
+            </a:r>
+            <a:r>
+              <a:rPr lang="en-US" altLang="zh-TW" i="1" dirty="0">
+                <a:solidFill>
+                  <a:srgbClr val="17C6A3"/>
+                </a:solidFill>
+                <a:latin typeface="Consolas" panose="020B0609020204030204" pitchFamily="49" charset="0"/>
+              </a:rPr>
+              <a:t>"D:\\score.csv"</a:t>
+            </a:r>
+            <a:r>
+              <a:rPr lang="en-US" altLang="zh-TW" i="1" dirty="0">
+                <a:solidFill>
+                  <a:srgbClr val="F9FAF4"/>
+                </a:solidFill>
+                <a:latin typeface="Consolas" panose="020B0609020204030204" pitchFamily="49" charset="0"/>
+              </a:rPr>
+              <a:t>)</a:t>
+            </a:r>
+            <a:r>
+              <a:rPr lang="en-US" altLang="zh-TW" i="1" dirty="0">
+                <a:solidFill>
+                  <a:srgbClr val="E6E6FA"/>
+                </a:solidFill>
+                <a:latin typeface="Consolas" panose="020B0609020204030204" pitchFamily="49" charset="0"/>
+              </a:rPr>
+              <a:t>;</a:t>
+            </a:r>
+          </a:p>
+          <a:p>
+            <a:r>
+              <a:rPr lang="en-US" altLang="zh-TW" dirty="0" smtClean="0">
+                <a:solidFill>
+                  <a:srgbClr val="80F2F6"/>
+                </a:solidFill>
+                <a:latin typeface="Consolas" panose="020B0609020204030204" pitchFamily="49" charset="0"/>
+              </a:rPr>
+              <a:t>	Path</a:t>
+            </a:r>
+            <a:r>
+              <a:rPr lang="en-US" altLang="zh-TW" dirty="0" smtClean="0">
+                <a:solidFill>
+                  <a:srgbClr val="D9E8F7"/>
+                </a:solidFill>
+                <a:latin typeface="Consolas" panose="020B0609020204030204" pitchFamily="49" charset="0"/>
+              </a:rPr>
+              <a:t> </a:t>
+            </a:r>
+            <a:r>
+              <a:rPr lang="en-US" altLang="zh-TW" dirty="0" err="1">
+                <a:solidFill>
+                  <a:srgbClr val="F2F200"/>
+                </a:solidFill>
+                <a:latin typeface="Consolas" panose="020B0609020204030204" pitchFamily="49" charset="0"/>
+              </a:rPr>
+              <a:t>theNewDirPath</a:t>
+            </a:r>
+            <a:r>
+              <a:rPr lang="en-US" altLang="zh-TW" dirty="0">
+                <a:solidFill>
+                  <a:srgbClr val="D9E8F7"/>
+                </a:solidFill>
+                <a:latin typeface="Consolas" panose="020B0609020204030204" pitchFamily="49" charset="0"/>
+              </a:rPr>
+              <a:t> </a:t>
+            </a:r>
+            <a:r>
+              <a:rPr lang="en-US" altLang="zh-TW" dirty="0">
+                <a:solidFill>
+                  <a:srgbClr val="E6E6FA"/>
+                </a:solidFill>
+                <a:latin typeface="Consolas" panose="020B0609020204030204" pitchFamily="49" charset="0"/>
+              </a:rPr>
+              <a:t>=</a:t>
+            </a:r>
+            <a:r>
+              <a:rPr lang="en-US" altLang="zh-TW" dirty="0">
+                <a:solidFill>
+                  <a:srgbClr val="D9E8F7"/>
+                </a:solidFill>
+                <a:latin typeface="Consolas" panose="020B0609020204030204" pitchFamily="49" charset="0"/>
+              </a:rPr>
+              <a:t> </a:t>
+            </a:r>
+            <a:r>
+              <a:rPr lang="en-US" altLang="zh-TW" dirty="0">
+                <a:solidFill>
+                  <a:srgbClr val="1290C3"/>
+                </a:solidFill>
+                <a:latin typeface="Consolas" panose="020B0609020204030204" pitchFamily="49" charset="0"/>
+              </a:rPr>
+              <a:t>Paths</a:t>
+            </a:r>
+            <a:r>
+              <a:rPr lang="en-US" altLang="zh-TW" dirty="0">
+                <a:solidFill>
+                  <a:srgbClr val="E6E6FA"/>
+                </a:solidFill>
+                <a:latin typeface="Consolas" panose="020B0609020204030204" pitchFamily="49" charset="0"/>
+              </a:rPr>
+              <a:t>.</a:t>
+            </a:r>
+            <a:r>
+              <a:rPr lang="en-US" altLang="zh-TW" i="1" dirty="0">
+                <a:solidFill>
+                  <a:srgbClr val="96EC3F"/>
+                </a:solidFill>
+                <a:latin typeface="Consolas" panose="020B0609020204030204" pitchFamily="49" charset="0"/>
+              </a:rPr>
+              <a:t>get</a:t>
+            </a:r>
+            <a:r>
+              <a:rPr lang="en-US" altLang="zh-TW" i="1" dirty="0">
+                <a:solidFill>
+                  <a:srgbClr val="F9FAF4"/>
+                </a:solidFill>
+                <a:latin typeface="Consolas" panose="020B0609020204030204" pitchFamily="49" charset="0"/>
+              </a:rPr>
+              <a:t>(</a:t>
+            </a:r>
+            <a:r>
+              <a:rPr lang="en-US" altLang="zh-TW" i="1" dirty="0">
+                <a:solidFill>
+                  <a:srgbClr val="17C6A3"/>
+                </a:solidFill>
+                <a:latin typeface="Consolas" panose="020B0609020204030204" pitchFamily="49" charset="0"/>
+              </a:rPr>
+              <a:t>"D:\\TestDir"</a:t>
+            </a:r>
+            <a:r>
+              <a:rPr lang="en-US" altLang="zh-TW" i="1" dirty="0">
+                <a:solidFill>
+                  <a:srgbClr val="F9FAF4"/>
+                </a:solidFill>
+                <a:latin typeface="Consolas" panose="020B0609020204030204" pitchFamily="49" charset="0"/>
+              </a:rPr>
+              <a:t>)</a:t>
+            </a:r>
+            <a:r>
+              <a:rPr lang="en-US" altLang="zh-TW" i="1" dirty="0">
+                <a:solidFill>
+                  <a:srgbClr val="E6E6FA"/>
+                </a:solidFill>
+                <a:latin typeface="Consolas" panose="020B0609020204030204" pitchFamily="49" charset="0"/>
+              </a:rPr>
+              <a:t>;</a:t>
+            </a:r>
+          </a:p>
+          <a:p>
+            <a:r>
+              <a:rPr lang="en-US" altLang="zh-TW" dirty="0" smtClean="0">
+                <a:solidFill>
+                  <a:srgbClr val="80F2F6"/>
+                </a:solidFill>
+                <a:latin typeface="Consolas" panose="020B0609020204030204" pitchFamily="49" charset="0"/>
+              </a:rPr>
+              <a:t>	Path</a:t>
+            </a:r>
+            <a:r>
+              <a:rPr lang="en-US" altLang="zh-TW" dirty="0" smtClean="0">
+                <a:solidFill>
+                  <a:srgbClr val="D9E8F7"/>
+                </a:solidFill>
+                <a:latin typeface="Consolas" panose="020B0609020204030204" pitchFamily="49" charset="0"/>
+              </a:rPr>
+              <a:t> </a:t>
+            </a:r>
+            <a:r>
+              <a:rPr lang="en-US" altLang="zh-TW" dirty="0" err="1">
+                <a:solidFill>
+                  <a:srgbClr val="F2F200"/>
+                </a:solidFill>
+                <a:latin typeface="Consolas" panose="020B0609020204030204" pitchFamily="49" charset="0"/>
+              </a:rPr>
+              <a:t>theNewPath</a:t>
+            </a:r>
+            <a:r>
+              <a:rPr lang="en-US" altLang="zh-TW" dirty="0">
+                <a:solidFill>
+                  <a:srgbClr val="D9E8F7"/>
+                </a:solidFill>
+                <a:latin typeface="Consolas" panose="020B0609020204030204" pitchFamily="49" charset="0"/>
+              </a:rPr>
+              <a:t> </a:t>
+            </a:r>
+            <a:r>
+              <a:rPr lang="en-US" altLang="zh-TW" dirty="0">
+                <a:solidFill>
+                  <a:srgbClr val="E6E6FA"/>
+                </a:solidFill>
+                <a:latin typeface="Consolas" panose="020B0609020204030204" pitchFamily="49" charset="0"/>
+              </a:rPr>
+              <a:t>=</a:t>
+            </a:r>
+            <a:r>
+              <a:rPr lang="en-US" altLang="zh-TW" dirty="0">
+                <a:solidFill>
+                  <a:srgbClr val="D9E8F7"/>
+                </a:solidFill>
+                <a:latin typeface="Consolas" panose="020B0609020204030204" pitchFamily="49" charset="0"/>
+              </a:rPr>
+              <a:t> </a:t>
+            </a:r>
+            <a:r>
+              <a:rPr lang="en-US" altLang="zh-TW" dirty="0">
+                <a:solidFill>
+                  <a:srgbClr val="1290C3"/>
+                </a:solidFill>
+                <a:latin typeface="Consolas" panose="020B0609020204030204" pitchFamily="49" charset="0"/>
+              </a:rPr>
+              <a:t>Paths</a:t>
+            </a:r>
+            <a:r>
+              <a:rPr lang="en-US" altLang="zh-TW" dirty="0">
+                <a:solidFill>
+                  <a:srgbClr val="E6E6FA"/>
+                </a:solidFill>
+                <a:latin typeface="Consolas" panose="020B0609020204030204" pitchFamily="49" charset="0"/>
+              </a:rPr>
+              <a:t>.</a:t>
+            </a:r>
+            <a:r>
+              <a:rPr lang="en-US" altLang="zh-TW" i="1" dirty="0">
+                <a:solidFill>
+                  <a:srgbClr val="96EC3F"/>
+                </a:solidFill>
+                <a:latin typeface="Consolas" panose="020B0609020204030204" pitchFamily="49" charset="0"/>
+              </a:rPr>
+              <a:t>get</a:t>
+            </a:r>
+            <a:r>
+              <a:rPr lang="en-US" altLang="zh-TW" i="1" dirty="0">
+                <a:solidFill>
+                  <a:srgbClr val="F9FAF4"/>
+                </a:solidFill>
+                <a:latin typeface="Consolas" panose="020B0609020204030204" pitchFamily="49" charset="0"/>
+              </a:rPr>
+              <a:t>(</a:t>
+            </a:r>
+            <a:r>
+              <a:rPr lang="en-US" altLang="zh-TW" i="1" dirty="0" err="1">
+                <a:solidFill>
+                  <a:srgbClr val="F3EC79"/>
+                </a:solidFill>
+                <a:latin typeface="Consolas" panose="020B0609020204030204" pitchFamily="49" charset="0"/>
+              </a:rPr>
+              <a:t>theNewDirPath</a:t>
+            </a:r>
+            <a:r>
+              <a:rPr lang="en-US" altLang="zh-TW" i="1" dirty="0" err="1">
+                <a:solidFill>
+                  <a:srgbClr val="E6E6FA"/>
+                </a:solidFill>
+                <a:latin typeface="Consolas" panose="020B0609020204030204" pitchFamily="49" charset="0"/>
+              </a:rPr>
+              <a:t>.</a:t>
+            </a:r>
+            <a:r>
+              <a:rPr lang="en-US" altLang="zh-TW" i="1" dirty="0" err="1">
+                <a:solidFill>
+                  <a:srgbClr val="80F6A7"/>
+                </a:solidFill>
+                <a:latin typeface="Consolas" panose="020B0609020204030204" pitchFamily="49" charset="0"/>
+              </a:rPr>
+              <a:t>toString</a:t>
+            </a:r>
+            <a:r>
+              <a:rPr lang="en-US" altLang="zh-TW" i="1" dirty="0">
+                <a:solidFill>
+                  <a:srgbClr val="F9FAF4"/>
+                </a:solidFill>
+                <a:latin typeface="Consolas" panose="020B0609020204030204" pitchFamily="49" charset="0"/>
+              </a:rPr>
+              <a:t>()</a:t>
+            </a:r>
+            <a:r>
+              <a:rPr lang="en-US" altLang="zh-TW" i="1" dirty="0">
+                <a:solidFill>
+                  <a:srgbClr val="E6E6FA"/>
+                </a:solidFill>
+                <a:latin typeface="Consolas" panose="020B0609020204030204" pitchFamily="49" charset="0"/>
+              </a:rPr>
+              <a:t>,</a:t>
+            </a:r>
+            <a:r>
+              <a:rPr lang="en-US" altLang="zh-TW" i="1" dirty="0">
+                <a:solidFill>
+                  <a:srgbClr val="17C6A3"/>
+                </a:solidFill>
+                <a:latin typeface="Consolas" panose="020B0609020204030204" pitchFamily="49" charset="0"/>
+              </a:rPr>
+              <a:t>"score.csv"</a:t>
+            </a:r>
+            <a:r>
+              <a:rPr lang="en-US" altLang="zh-TW" i="1" dirty="0">
+                <a:solidFill>
+                  <a:srgbClr val="F9FAF4"/>
+                </a:solidFill>
+                <a:latin typeface="Consolas" panose="020B0609020204030204" pitchFamily="49" charset="0"/>
+              </a:rPr>
+              <a:t>)</a:t>
+            </a:r>
+            <a:r>
+              <a:rPr lang="en-US" altLang="zh-TW" i="1" dirty="0">
+                <a:solidFill>
+                  <a:srgbClr val="E6E6FA"/>
+                </a:solidFill>
+                <a:latin typeface="Consolas" panose="020B0609020204030204" pitchFamily="49" charset="0"/>
+              </a:rPr>
+              <a:t>;</a:t>
+            </a:r>
+          </a:p>
+          <a:p>
+            <a:r>
+              <a:rPr lang="en-US" altLang="zh-TW" dirty="0" smtClean="0">
+                <a:solidFill>
+                  <a:srgbClr val="CC6C1D"/>
+                </a:solidFill>
+                <a:latin typeface="Consolas" panose="020B0609020204030204" pitchFamily="49" charset="0"/>
+              </a:rPr>
+              <a:t>	try</a:t>
+            </a:r>
+            <a:r>
+              <a:rPr lang="en-US" altLang="zh-TW" dirty="0" smtClean="0">
+                <a:solidFill>
+                  <a:srgbClr val="D9E8F7"/>
+                </a:solidFill>
+                <a:latin typeface="Consolas" panose="020B0609020204030204" pitchFamily="49" charset="0"/>
+              </a:rPr>
+              <a:t> </a:t>
+            </a:r>
+            <a:r>
+              <a:rPr lang="en-US" altLang="zh-TW" dirty="0">
+                <a:solidFill>
+                  <a:srgbClr val="F9FAF4"/>
+                </a:solidFill>
+                <a:latin typeface="Consolas" panose="020B0609020204030204" pitchFamily="49" charset="0"/>
+              </a:rPr>
+              <a:t>{</a:t>
+            </a:r>
+          </a:p>
+          <a:p>
+            <a:r>
+              <a:rPr lang="en-US" altLang="zh-TW" dirty="0" smtClean="0">
+                <a:solidFill>
+                  <a:srgbClr val="1290C3"/>
+                </a:solidFill>
+                <a:latin typeface="Consolas" panose="020B0609020204030204" pitchFamily="49" charset="0"/>
+              </a:rPr>
+              <a:t>		</a:t>
+            </a:r>
+            <a:r>
+              <a:rPr lang="en-US" altLang="zh-TW" dirty="0" err="1" smtClean="0">
+                <a:solidFill>
+                  <a:srgbClr val="1290C3"/>
+                </a:solidFill>
+                <a:latin typeface="Consolas" panose="020B0609020204030204" pitchFamily="49" charset="0"/>
+              </a:rPr>
+              <a:t>Files</a:t>
+            </a:r>
+            <a:r>
+              <a:rPr lang="en-US" altLang="zh-TW" dirty="0" err="1" smtClean="0">
+                <a:solidFill>
+                  <a:srgbClr val="E6E6FA"/>
+                </a:solidFill>
+                <a:latin typeface="Consolas" panose="020B0609020204030204" pitchFamily="49" charset="0"/>
+              </a:rPr>
+              <a:t>.</a:t>
+            </a:r>
+            <a:r>
+              <a:rPr lang="en-US" altLang="zh-TW" i="1" dirty="0" err="1" smtClean="0">
+                <a:solidFill>
+                  <a:srgbClr val="96EC3F"/>
+                </a:solidFill>
+                <a:latin typeface="Consolas" panose="020B0609020204030204" pitchFamily="49" charset="0"/>
+              </a:rPr>
+              <a:t>createDirectories</a:t>
+            </a:r>
+            <a:r>
+              <a:rPr lang="en-US" altLang="zh-TW" i="1" dirty="0" smtClean="0">
+                <a:solidFill>
+                  <a:srgbClr val="F9FAF4"/>
+                </a:solidFill>
+                <a:latin typeface="Consolas" panose="020B0609020204030204" pitchFamily="49" charset="0"/>
+              </a:rPr>
+              <a:t>(</a:t>
+            </a:r>
+            <a:r>
+              <a:rPr lang="en-US" altLang="zh-TW" i="1" dirty="0" err="1" smtClean="0">
+                <a:solidFill>
+                  <a:srgbClr val="F3EC79"/>
+                </a:solidFill>
+                <a:latin typeface="Consolas" panose="020B0609020204030204" pitchFamily="49" charset="0"/>
+              </a:rPr>
+              <a:t>theNewDirPath</a:t>
+            </a:r>
+            <a:r>
+              <a:rPr lang="en-US" altLang="zh-TW" i="1" dirty="0">
+                <a:solidFill>
+                  <a:srgbClr val="F9FAF4"/>
+                </a:solidFill>
+                <a:latin typeface="Consolas" panose="020B0609020204030204" pitchFamily="49" charset="0"/>
+              </a:rPr>
+              <a:t>)</a:t>
+            </a:r>
+            <a:r>
+              <a:rPr lang="en-US" altLang="zh-TW" i="1" dirty="0">
+                <a:solidFill>
+                  <a:srgbClr val="E6E6FA"/>
+                </a:solidFill>
+                <a:latin typeface="Consolas" panose="020B0609020204030204" pitchFamily="49" charset="0"/>
+              </a:rPr>
+              <a:t>;</a:t>
+            </a:r>
+          </a:p>
+          <a:p>
+            <a:r>
+              <a:rPr lang="en-US" altLang="zh-TW" dirty="0" smtClean="0">
+                <a:solidFill>
+                  <a:srgbClr val="1290C3"/>
+                </a:solidFill>
+                <a:latin typeface="Consolas" panose="020B0609020204030204" pitchFamily="49" charset="0"/>
+              </a:rPr>
+              <a:t>		Files</a:t>
+            </a:r>
+            <a:r>
+              <a:rPr lang="en-US" altLang="zh-TW" dirty="0" smtClean="0">
+                <a:solidFill>
+                  <a:srgbClr val="E6E6FA"/>
+                </a:solidFill>
+                <a:latin typeface="Consolas" panose="020B0609020204030204" pitchFamily="49" charset="0"/>
+              </a:rPr>
+              <a:t>.</a:t>
+            </a:r>
+            <a:r>
+              <a:rPr lang="en-US" altLang="zh-TW" i="1" dirty="0" smtClean="0">
+                <a:solidFill>
+                  <a:srgbClr val="96EC3F"/>
+                </a:solidFill>
+                <a:latin typeface="Consolas" panose="020B0609020204030204" pitchFamily="49" charset="0"/>
+              </a:rPr>
+              <a:t>move</a:t>
+            </a:r>
+            <a:r>
+              <a:rPr lang="en-US" altLang="zh-TW" i="1" dirty="0" smtClean="0">
+                <a:solidFill>
+                  <a:srgbClr val="F9FAF4"/>
+                </a:solidFill>
+                <a:latin typeface="Consolas" panose="020B0609020204030204" pitchFamily="49" charset="0"/>
+              </a:rPr>
+              <a:t>(</a:t>
+            </a:r>
+            <a:r>
+              <a:rPr lang="en-US" altLang="zh-TW" i="1" dirty="0" smtClean="0">
+                <a:solidFill>
+                  <a:srgbClr val="F3EC79"/>
+                </a:solidFill>
+                <a:latin typeface="Consolas" panose="020B0609020204030204" pitchFamily="49" charset="0"/>
+              </a:rPr>
+              <a:t>theCSVPath</a:t>
+            </a:r>
+            <a:r>
+              <a:rPr lang="en-US" altLang="zh-TW" i="1" dirty="0">
+                <a:solidFill>
+                  <a:srgbClr val="E6E6FA"/>
+                </a:solidFill>
+                <a:latin typeface="Consolas" panose="020B0609020204030204" pitchFamily="49" charset="0"/>
+              </a:rPr>
+              <a:t>,</a:t>
+            </a:r>
+            <a:r>
+              <a:rPr lang="en-US" altLang="zh-TW" i="1" dirty="0">
+                <a:solidFill>
+                  <a:srgbClr val="D9E8F7"/>
+                </a:solidFill>
+                <a:latin typeface="Consolas" panose="020B0609020204030204" pitchFamily="49" charset="0"/>
+              </a:rPr>
+              <a:t> </a:t>
+            </a:r>
+            <a:r>
+              <a:rPr lang="en-US" altLang="zh-TW" i="1" dirty="0" err="1">
+                <a:solidFill>
+                  <a:srgbClr val="F3EC79"/>
+                </a:solidFill>
+                <a:latin typeface="Consolas" panose="020B0609020204030204" pitchFamily="49" charset="0"/>
+              </a:rPr>
+              <a:t>theNewPath</a:t>
+            </a:r>
+            <a:endParaRPr lang="en-US" altLang="zh-TW" i="1" dirty="0">
+              <a:solidFill>
+                <a:srgbClr val="F3EC79"/>
+              </a:solidFill>
+              <a:latin typeface="Consolas" panose="020B0609020204030204" pitchFamily="49" charset="0"/>
+            </a:endParaRPr>
+          </a:p>
+          <a:p>
+            <a:r>
+              <a:rPr lang="en-US" altLang="zh-TW" dirty="0">
+                <a:solidFill>
+                  <a:srgbClr val="D9E8F7"/>
+                </a:solidFill>
+                <a:latin typeface="Consolas" panose="020B0609020204030204" pitchFamily="49" charset="0"/>
+              </a:rPr>
+              <a:t>   </a:t>
+            </a:r>
+            <a:r>
+              <a:rPr lang="en-US" altLang="zh-TW" dirty="0" smtClean="0">
+                <a:solidFill>
+                  <a:srgbClr val="D9E8F7"/>
+                </a:solidFill>
+                <a:latin typeface="Consolas" panose="020B0609020204030204" pitchFamily="49" charset="0"/>
+              </a:rPr>
+              <a:t>					</a:t>
+            </a:r>
+            <a:r>
+              <a:rPr lang="en-US" altLang="zh-TW" dirty="0" smtClean="0">
+                <a:solidFill>
+                  <a:srgbClr val="E6E6FA"/>
+                </a:solidFill>
+                <a:latin typeface="Consolas" panose="020B0609020204030204" pitchFamily="49" charset="0"/>
+              </a:rPr>
+              <a:t>,</a:t>
+            </a:r>
+            <a:r>
+              <a:rPr lang="en-US" altLang="zh-TW" dirty="0" smtClean="0">
+                <a:solidFill>
+                  <a:srgbClr val="D9E8F7"/>
+                </a:solidFill>
+                <a:latin typeface="Consolas" panose="020B0609020204030204" pitchFamily="49" charset="0"/>
+              </a:rPr>
+              <a:t> </a:t>
+            </a:r>
+            <a:r>
+              <a:rPr lang="en-US" altLang="zh-TW" i="1" dirty="0">
+                <a:solidFill>
+                  <a:srgbClr val="CC81BA"/>
+                </a:solidFill>
+                <a:latin typeface="Consolas" panose="020B0609020204030204" pitchFamily="49" charset="0"/>
+              </a:rPr>
+              <a:t>StandardCopyOption</a:t>
+            </a:r>
+            <a:r>
+              <a:rPr lang="en-US" altLang="zh-TW" i="1" dirty="0">
+                <a:solidFill>
+                  <a:srgbClr val="E6E6FA"/>
+                </a:solidFill>
+                <a:latin typeface="Consolas" panose="020B0609020204030204" pitchFamily="49" charset="0"/>
+              </a:rPr>
+              <a:t>.</a:t>
+            </a:r>
+            <a:r>
+              <a:rPr lang="en-US" altLang="zh-TW" b="1" i="1" dirty="0">
+                <a:solidFill>
+                  <a:srgbClr val="8DDAF8"/>
+                </a:solidFill>
+                <a:latin typeface="Consolas" panose="020B0609020204030204" pitchFamily="49" charset="0"/>
+              </a:rPr>
+              <a:t>REPLACE_EXISTING</a:t>
+            </a:r>
+            <a:r>
+              <a:rPr lang="en-US" altLang="zh-TW" b="1" i="1" dirty="0">
+                <a:solidFill>
+                  <a:srgbClr val="F9FAF4"/>
+                </a:solidFill>
+                <a:latin typeface="Consolas" panose="020B0609020204030204" pitchFamily="49" charset="0"/>
+              </a:rPr>
+              <a:t>)</a:t>
+            </a:r>
+            <a:r>
+              <a:rPr lang="en-US" altLang="zh-TW" b="1" i="1" dirty="0">
+                <a:solidFill>
+                  <a:srgbClr val="E6E6FA"/>
+                </a:solidFill>
+                <a:latin typeface="Consolas" panose="020B0609020204030204" pitchFamily="49" charset="0"/>
+              </a:rPr>
+              <a:t>;</a:t>
+            </a:r>
+          </a:p>
+          <a:p>
+            <a:endParaRPr lang="zh-TW" altLang="en-US" dirty="0">
+              <a:latin typeface="Consolas" panose="020B0609020204030204" pitchFamily="49" charset="0"/>
+            </a:endParaRPr>
+          </a:p>
+          <a:p>
+            <a:r>
+              <a:rPr lang="en-US" altLang="zh-TW" dirty="0" smtClean="0">
+                <a:solidFill>
+                  <a:srgbClr val="F9FAF4"/>
+                </a:solidFill>
+                <a:latin typeface="Consolas" panose="020B0609020204030204" pitchFamily="49" charset="0"/>
+              </a:rPr>
+              <a:t>	}</a:t>
+            </a:r>
+            <a:r>
+              <a:rPr lang="en-US" altLang="zh-TW" dirty="0">
+                <a:solidFill>
+                  <a:srgbClr val="CC6C1D"/>
+                </a:solidFill>
+                <a:latin typeface="Consolas" panose="020B0609020204030204" pitchFamily="49" charset="0"/>
+              </a:rPr>
+              <a:t>catch</a:t>
+            </a:r>
+            <a:r>
+              <a:rPr lang="en-US" altLang="zh-TW" dirty="0">
+                <a:solidFill>
+                  <a:srgbClr val="F9FAF4"/>
+                </a:solidFill>
+                <a:latin typeface="Consolas" panose="020B0609020204030204" pitchFamily="49" charset="0"/>
+              </a:rPr>
+              <a:t>(</a:t>
+            </a:r>
+            <a:r>
+              <a:rPr lang="en-US" altLang="zh-TW" dirty="0">
+                <a:solidFill>
+                  <a:srgbClr val="1290C3"/>
+                </a:solidFill>
+                <a:latin typeface="Consolas" panose="020B0609020204030204" pitchFamily="49" charset="0"/>
+              </a:rPr>
+              <a:t>IOException</a:t>
+            </a:r>
+            <a:r>
+              <a:rPr lang="en-US" altLang="zh-TW" dirty="0">
+                <a:solidFill>
+                  <a:srgbClr val="D9E8F7"/>
+                </a:solidFill>
+                <a:latin typeface="Consolas" panose="020B0609020204030204" pitchFamily="49" charset="0"/>
+              </a:rPr>
+              <a:t> </a:t>
+            </a:r>
+            <a:r>
+              <a:rPr lang="en-US" altLang="zh-TW" dirty="0">
+                <a:solidFill>
+                  <a:srgbClr val="F2F200"/>
+                </a:solidFill>
+                <a:latin typeface="Consolas" panose="020B0609020204030204" pitchFamily="49" charset="0"/>
+              </a:rPr>
+              <a:t>e</a:t>
+            </a:r>
+            <a:r>
+              <a:rPr lang="en-US" altLang="zh-TW" dirty="0">
+                <a:solidFill>
+                  <a:srgbClr val="F9FAF4"/>
+                </a:solidFill>
+                <a:latin typeface="Consolas" panose="020B0609020204030204" pitchFamily="49" charset="0"/>
+              </a:rPr>
+              <a:t>)</a:t>
+            </a:r>
+            <a:r>
+              <a:rPr lang="en-US" altLang="zh-TW" dirty="0">
+                <a:solidFill>
+                  <a:srgbClr val="D9E8F7"/>
+                </a:solidFill>
+                <a:latin typeface="Consolas" panose="020B0609020204030204" pitchFamily="49" charset="0"/>
+              </a:rPr>
+              <a:t> </a:t>
+            </a:r>
+            <a:r>
+              <a:rPr lang="en-US" altLang="zh-TW" dirty="0">
+                <a:solidFill>
+                  <a:srgbClr val="F9FAF4"/>
+                </a:solidFill>
+                <a:latin typeface="Consolas" panose="020B0609020204030204" pitchFamily="49" charset="0"/>
+              </a:rPr>
+              <a:t>{</a:t>
+            </a:r>
+          </a:p>
+          <a:p>
+            <a:r>
+              <a:rPr lang="en-US" altLang="zh-TW" dirty="0" smtClean="0">
+                <a:solidFill>
+                  <a:srgbClr val="F3EC79"/>
+                </a:solidFill>
+                <a:latin typeface="Consolas" panose="020B0609020204030204" pitchFamily="49" charset="0"/>
+              </a:rPr>
+              <a:t>		e</a:t>
+            </a:r>
+            <a:r>
+              <a:rPr lang="en-US" altLang="zh-TW" dirty="0" smtClean="0">
+                <a:solidFill>
+                  <a:srgbClr val="E6E6FA"/>
+                </a:solidFill>
+                <a:latin typeface="Consolas" panose="020B0609020204030204" pitchFamily="49" charset="0"/>
+              </a:rPr>
+              <a:t>.</a:t>
+            </a:r>
+            <a:r>
+              <a:rPr lang="en-US" altLang="zh-TW" dirty="0" smtClean="0">
+                <a:solidFill>
+                  <a:srgbClr val="A7EC21"/>
+                </a:solidFill>
+                <a:latin typeface="Consolas" panose="020B0609020204030204" pitchFamily="49" charset="0"/>
+              </a:rPr>
+              <a:t>printStackTrace</a:t>
+            </a:r>
+            <a:r>
+              <a:rPr lang="en-US" altLang="zh-TW" dirty="0">
+                <a:solidFill>
+                  <a:srgbClr val="F9FAF4"/>
+                </a:solidFill>
+                <a:latin typeface="Consolas" panose="020B0609020204030204" pitchFamily="49" charset="0"/>
+              </a:rPr>
+              <a:t>()</a:t>
+            </a:r>
+            <a:r>
+              <a:rPr lang="en-US" altLang="zh-TW" dirty="0">
+                <a:solidFill>
+                  <a:srgbClr val="E6E6FA"/>
+                </a:solidFill>
+                <a:latin typeface="Consolas" panose="020B0609020204030204" pitchFamily="49" charset="0"/>
+              </a:rPr>
+              <a:t>;</a:t>
+            </a:r>
+          </a:p>
+          <a:p>
+            <a:r>
+              <a:rPr lang="en-US" altLang="zh-TW" dirty="0" smtClean="0">
+                <a:solidFill>
+                  <a:srgbClr val="F9FAF4"/>
+                </a:solidFill>
+                <a:latin typeface="Consolas" panose="020B0609020204030204" pitchFamily="49" charset="0"/>
+              </a:rPr>
+              <a:t>	}</a:t>
+            </a:r>
+            <a:endParaRPr lang="en-US" altLang="zh-TW" dirty="0">
+              <a:solidFill>
+                <a:srgbClr val="F9FAF4"/>
+              </a:solidFill>
+              <a:latin typeface="Consolas" panose="020B0609020204030204" pitchFamily="49" charset="0"/>
+            </a:endParaRPr>
+          </a:p>
+          <a:p>
+            <a:r>
+              <a:rPr lang="en-US" altLang="zh-TW" dirty="0">
+                <a:solidFill>
+                  <a:srgbClr val="F9FAF4"/>
+                </a:solidFill>
+                <a:latin typeface="Consolas" panose="020B0609020204030204" pitchFamily="49" charset="0"/>
+              </a:rPr>
+              <a:t>}</a:t>
+            </a:r>
+            <a:endParaRPr lang="zh-TW" altLang="en-US" dirty="0"/>
+          </a:p>
+        </p:txBody>
+      </p:sp>
+    </p:spTree>
+    <p:extLst>
+      <p:ext uri="{BB962C8B-B14F-4D97-AF65-F5344CB8AC3E}">
+        <p14:creationId xmlns:p14="http://schemas.microsoft.com/office/powerpoint/2010/main" val="460990605"/>
+      </p:ext>
+    </p:extLst>
+  </p:cSld>
+  <p:clrMapOvr>
+    <a:masterClrMapping/>
+  </p:clrMapOvr>
+</p:sld>
+</file>
+
+<file path=ppt/slides/slide17.xml><?xml version="1.0" encoding="utf-8"?>
+<p:sld xmlns:a="http://schemas.openxmlformats.org/drawingml/2006/main" xmlns:r="http://schemas.openxmlformats.org/officeDocument/2006/relationships" xmlns:p="http://schemas.openxmlformats.org/presentationml/2006/main">
+  <p:cSld>
+    <p:spTree>
+      <p:nvGrpSpPr>
+        <p:cNvPr id="1" name=""/>
+        <p:cNvGrpSpPr/>
+        <p:nvPr/>
+      </p:nvGrpSpPr>
+      <p:grpSpPr>
+        <a:xfrm>
+          <a:off x="0" y="0"/>
+          <a:ext cx="0" cy="0"/>
+          <a:chOff x="0" y="0"/>
+          <a:chExt cx="0" cy="0"/>
+        </a:xfrm>
+      </p:grpSpPr>
+      <p:sp>
+        <p:nvSpPr>
+          <p:cNvPr id="2" name="標題 1"/>
+          <p:cNvSpPr>
+            <a:spLocks noGrp="1"/>
+          </p:cNvSpPr>
+          <p:nvPr>
+            <p:ph type="title"/>
+          </p:nvPr>
+        </p:nvSpPr>
+        <p:spPr/>
+        <p:txBody>
+          <a:bodyPr/>
+          <a:lstStyle/>
+          <a:p>
+            <a:r>
+              <a:rPr lang="en-US" altLang="zh-TW" dirty="0" smtClean="0"/>
+              <a:t>Files.delete(Path);</a:t>
+            </a:r>
+            <a:br>
+              <a:rPr lang="en-US" altLang="zh-TW" dirty="0" smtClean="0"/>
+            </a:br>
+            <a:r>
+              <a:rPr lang="en-US" altLang="zh-TW" dirty="0" err="1" smtClean="0"/>
+              <a:t>Files.deleteIfExists</a:t>
+            </a:r>
+            <a:r>
+              <a:rPr lang="en-US" altLang="zh-TW" dirty="0" smtClean="0"/>
+              <a:t>(Path);</a:t>
+            </a:r>
+            <a:endParaRPr lang="zh-TW" altLang="en-US" dirty="0"/>
+          </a:p>
+        </p:txBody>
+      </p:sp>
+      <p:sp>
+        <p:nvSpPr>
+          <p:cNvPr id="3" name="內容版面配置區 2"/>
+          <p:cNvSpPr>
+            <a:spLocks noGrp="1"/>
+          </p:cNvSpPr>
+          <p:nvPr>
+            <p:ph idx="1"/>
+          </p:nvPr>
+        </p:nvSpPr>
+        <p:spPr/>
+        <p:txBody>
+          <a:bodyPr/>
+          <a:lstStyle/>
+          <a:p>
+            <a:r>
+              <a:rPr lang="zh-TW" altLang="en-US" dirty="0" smtClean="0"/>
+              <a:t>兩個方法，前者沒有回傳值，後者會回傳是否刪除</a:t>
+            </a:r>
+            <a:r>
+              <a:rPr lang="en-US" altLang="zh-TW" dirty="0" smtClean="0"/>
+              <a:t>(</a:t>
+            </a:r>
+            <a:r>
+              <a:rPr lang="en-US" altLang="zh-TW" dirty="0" err="1" smtClean="0"/>
+              <a:t>boolean</a:t>
+            </a:r>
+            <a:r>
+              <a:rPr lang="en-US" altLang="zh-TW" dirty="0" smtClean="0"/>
+              <a:t>)</a:t>
+            </a:r>
+            <a:r>
+              <a:rPr lang="zh-TW" altLang="en-US" dirty="0" smtClean="0"/>
+              <a:t>。</a:t>
+            </a:r>
+            <a:endParaRPr lang="en-US" altLang="zh-TW" dirty="0" smtClean="0"/>
+          </a:p>
+          <a:p>
+            <a:r>
+              <a:rPr lang="zh-TW" altLang="en-US" dirty="0" smtClean="0"/>
+              <a:t>程式大同小異，就不再示範嘍！</a:t>
+            </a:r>
+            <a:endParaRPr lang="zh-TW" altLang="en-US" dirty="0"/>
+          </a:p>
+        </p:txBody>
+      </p:sp>
+    </p:spTree>
+    <p:extLst>
+      <p:ext uri="{BB962C8B-B14F-4D97-AF65-F5344CB8AC3E}">
+        <p14:creationId xmlns:p14="http://schemas.microsoft.com/office/powerpoint/2010/main" val="274613947"/>
+      </p:ext>
+    </p:extLst>
+  </p:cSld>
+  <p:clrMapOvr>
+    <a:masterClrMapping/>
+  </p:clrMapOvr>
+</p:sld>
+</file>
+
+<file path=ppt/slides/slide18.xml><?xml version="1.0" encoding="utf-8"?>
+<p:sld xmlns:a="http://schemas.openxmlformats.org/drawingml/2006/main" xmlns:r="http://schemas.openxmlformats.org/officeDocument/2006/relationships" xmlns:p="http://schemas.openxmlformats.org/presentationml/2006/main">
+  <p:cSld>
+    <p:spTree>
+      <p:nvGrpSpPr>
+        <p:cNvPr id="1" name=""/>
+        <p:cNvGrpSpPr/>
+        <p:nvPr/>
+      </p:nvGrpSpPr>
+      <p:grpSpPr>
+        <a:xfrm>
+          <a:off x="0" y="0"/>
+          <a:ext cx="0" cy="0"/>
+          <a:chOff x="0" y="0"/>
+          <a:chExt cx="0" cy="0"/>
+        </a:xfrm>
+      </p:grpSpPr>
+      <p:sp>
+        <p:nvSpPr>
+          <p:cNvPr id="4" name="標題 3"/>
+          <p:cNvSpPr>
+            <a:spLocks noGrp="1"/>
+          </p:cNvSpPr>
+          <p:nvPr>
+            <p:ph type="title"/>
+          </p:nvPr>
+        </p:nvSpPr>
+        <p:spPr/>
+        <p:txBody>
+          <a:bodyPr/>
+          <a:lstStyle/>
+          <a:p>
+            <a:r>
+              <a:rPr lang="zh-TW" altLang="en-US" dirty="0" smtClean="0"/>
+              <a:t>最重要的 </a:t>
+            </a:r>
+            <a:r>
+              <a:rPr lang="en-US" altLang="zh-TW" dirty="0" smtClean="0"/>
+              <a:t>-- </a:t>
+            </a:r>
+            <a:r>
+              <a:rPr lang="zh-TW" altLang="en-US" dirty="0" smtClean="0"/>
+              <a:t>讀</a:t>
+            </a:r>
+            <a:r>
+              <a:rPr lang="en-US" altLang="zh-TW" dirty="0" smtClean="0"/>
+              <a:t>/</a:t>
+            </a:r>
+            <a:r>
+              <a:rPr lang="zh-TW" altLang="en-US" dirty="0" smtClean="0"/>
+              <a:t>寫一個檔案</a:t>
+            </a:r>
+            <a:endParaRPr lang="zh-TW" altLang="en-US" dirty="0"/>
+          </a:p>
+        </p:txBody>
+      </p:sp>
+      <p:sp>
+        <p:nvSpPr>
+          <p:cNvPr id="5" name="文字版面配置區 4"/>
+          <p:cNvSpPr>
+            <a:spLocks noGrp="1"/>
+          </p:cNvSpPr>
+          <p:nvPr>
+            <p:ph type="body" idx="1"/>
+          </p:nvPr>
+        </p:nvSpPr>
+        <p:spPr/>
+        <p:txBody>
+          <a:bodyPr/>
+          <a:lstStyle/>
+          <a:p>
+            <a:endParaRPr lang="zh-TW" altLang="en-US"/>
+          </a:p>
+        </p:txBody>
+      </p:sp>
+    </p:spTree>
+    <p:extLst>
+      <p:ext uri="{BB962C8B-B14F-4D97-AF65-F5344CB8AC3E}">
+        <p14:creationId xmlns:p14="http://schemas.microsoft.com/office/powerpoint/2010/main" val="3191207509"/>
+      </p:ext>
+    </p:extLst>
+  </p:cSld>
+  <p:clrMapOvr>
+    <a:masterClrMapping/>
+  </p:clrMapOvr>
+</p:sld>
+</file>
+
+<file path=ppt/slides/slide19.xml><?xml version="1.0" encoding="utf-8"?>
+<p:sld xmlns:a="http://schemas.openxmlformats.org/drawingml/2006/main" xmlns:r="http://schemas.openxmlformats.org/officeDocument/2006/relationships" xmlns:p="http://schemas.openxmlformats.org/presentationml/2006/main">
+  <p:cSld>
+    <p:spTree>
+      <p:nvGrpSpPr>
+        <p:cNvPr id="1" name=""/>
+        <p:cNvGrpSpPr/>
+        <p:nvPr/>
+      </p:nvGrpSpPr>
+      <p:grpSpPr>
+        <a:xfrm>
+          <a:off x="0" y="0"/>
+          <a:ext cx="0" cy="0"/>
+          <a:chOff x="0" y="0"/>
+          <a:chExt cx="0" cy="0"/>
+        </a:xfrm>
+      </p:grpSpPr>
+      <p:sp>
+        <p:nvSpPr>
+          <p:cNvPr id="4" name="標題 3"/>
+          <p:cNvSpPr>
+            <a:spLocks noGrp="1"/>
+          </p:cNvSpPr>
+          <p:nvPr>
+            <p:ph type="title"/>
+          </p:nvPr>
+        </p:nvSpPr>
+        <p:spPr/>
+        <p:txBody>
+          <a:bodyPr/>
+          <a:lstStyle/>
+          <a:p>
+            <a:endParaRPr lang="zh-TW" altLang="en-US"/>
+          </a:p>
+        </p:txBody>
+      </p:sp>
+      <p:sp>
+        <p:nvSpPr>
+          <p:cNvPr id="5" name="內容版面配置區 4"/>
+          <p:cNvSpPr>
+            <a:spLocks noGrp="1"/>
+          </p:cNvSpPr>
+          <p:nvPr>
+            <p:ph idx="1"/>
+          </p:nvPr>
+        </p:nvSpPr>
+        <p:spPr/>
+        <p:txBody>
+          <a:bodyPr/>
+          <a:lstStyle/>
+          <a:p>
+            <a:endParaRPr lang="zh-TW" altLang="en-US"/>
+          </a:p>
+        </p:txBody>
+      </p:sp>
+    </p:spTree>
+    <p:extLst>
+      <p:ext uri="{BB962C8B-B14F-4D97-AF65-F5344CB8AC3E}">
+        <p14:creationId xmlns:p14="http://schemas.microsoft.com/office/powerpoint/2010/main" val="388950660"/>
+      </p:ext>
+    </p:extLst>
+  </p:cSld>
+  <p:clrMapOvr>
+    <a:masterClrMapping/>
+  </p:clrMapOvr>
+</p:sld>
+</file>
+
 <file path=ppt/slides/slide2.xml><?xml version="1.0" encoding="utf-8"?>
 <p:sld xmlns:a="http://schemas.openxmlformats.org/drawingml/2006/main" xmlns:r="http://schemas.openxmlformats.org/officeDocument/2006/relationships" xmlns:p="http://schemas.openxmlformats.org/presentationml/2006/main">
   <p:cSld>
@@ -6236,24 +10323,16 @@
               <a:t>這些類別都被放在 </a:t>
             </a:r>
             <a:r>
-              <a:rPr lang="en-US" altLang="zh-TW" dirty="0" err="1"/>
-              <a:t>java.nio</a:t>
-            </a:r>
-            <a:r>
               <a:rPr lang="en-US" altLang="zh-TW" dirty="0"/>
-              <a:t> </a:t>
+              <a:t>java.nio </a:t>
             </a:r>
             <a:r>
               <a:rPr lang="zh-TW" altLang="en-US" dirty="0"/>
               <a:t>下，一般來說，使用 </a:t>
             </a:r>
             <a:r>
-              <a:rPr lang="en-US" altLang="zh-TW" dirty="0" err="1"/>
-              <a:t>java.nio</a:t>
-            </a:r>
-            <a:r>
               <a:rPr lang="en-US" altLang="zh-TW" dirty="0"/>
-              <a:t> </a:t>
+              <a:t>java.nio </a:t>
             </a:r>
             <a:r>
               <a:rPr lang="zh-TW" altLang="en-US" dirty="0"/>
@@ -6374,6 +10453,93 @@
       </p:grpSpPr>
       <p:sp>
         <p:nvSpPr>
+          <p:cNvPr id="4" name="標題 3"/>
+          <p:cNvSpPr>
+            <a:spLocks noGrp="1"/>
+          </p:cNvSpPr>
+          <p:nvPr>
+            <p:ph type="title"/>
+          </p:nvPr>
+        </p:nvSpPr>
+        <p:spPr/>
+        <p:txBody>
+          <a:bodyPr/>
+          <a:lstStyle/>
+          <a:p>
+            <a:r>
+              <a:rPr lang="zh-TW" altLang="en-US" dirty="0" smtClean="0"/>
+              <a:t>在開始前</a:t>
+            </a:r>
+            <a:r>
+              <a:rPr lang="en-US" altLang="zh-TW" dirty="0" smtClean="0"/>
+              <a:t/>
+            </a:r>
+            <a:br>
+              <a:rPr lang="en-US" altLang="zh-TW" dirty="0" smtClean="0"/>
+            </a:br>
+            <a:r>
+              <a:rPr lang="zh-TW" altLang="en-US" dirty="0" smtClean="0"/>
+              <a:t>插播一下 </a:t>
+            </a:r>
+            <a:r>
+              <a:rPr lang="en-US" altLang="zh-TW" dirty="0" smtClean="0"/>
+              <a:t>try – catch - finally</a:t>
+            </a:r>
+            <a:endParaRPr lang="zh-TW" altLang="en-US" dirty="0"/>
+          </a:p>
+        </p:txBody>
+      </p:sp>
+      <p:sp>
+        <p:nvSpPr>
+          <p:cNvPr id="5" name="文字版面配置區 4"/>
+          <p:cNvSpPr>
+            <a:spLocks noGrp="1"/>
+          </p:cNvSpPr>
+          <p:nvPr>
+            <p:ph type="body" idx="1"/>
+          </p:nvPr>
+        </p:nvSpPr>
+        <p:spPr/>
+        <p:txBody>
+          <a:bodyPr/>
+          <a:lstStyle/>
+          <a:p>
+            <a:endParaRPr lang="zh-TW" altLang="en-US" dirty="0"/>
+          </a:p>
+        </p:txBody>
+      </p:sp>
+    </p:spTree>
+    <p:extLst>
+      <p:ext uri="{BB962C8B-B14F-4D97-AF65-F5344CB8AC3E}">
+        <p14:creationId xmlns:p14="http://schemas.microsoft.com/office/powerpoint/2010/main" val="542836628"/>
+      </p:ext>
+    </p:extLst>
+  </p:cSld>
+  <p:clrMapOvr>
+    <a:masterClrMapping/>
+  </p:clrMapOvr>
+</p:sld>
+</file>
+
+<file path=ppt/slides/slide4.xml><?xml version="1.0" encoding="utf-8"?>
+<p:sld xmlns:a="http://schemas.openxmlformats.org/drawingml/2006/main" xmlns:r="http://schemas.openxmlformats.org/officeDocument/2006/relationships" xmlns:p="http://schemas.openxmlformats.org/presentationml/2006/main">
+  <p:cSld>
+    <p:spTree>
+      <p:nvGrpSpPr>
+        <p:cNvPr id="1" name=""/>
+        <p:cNvGrpSpPr/>
+        <p:nvPr/>
+      </p:nvGrpSpPr>
+      <p:grpSpPr>
+        <a:xfrm>
+          <a:off x="0" y="0"/>
+          <a:ext cx="0" cy="0"/>
+          <a:chOff x="0" y="0"/>
+          <a:chExt cx="0" cy="0"/>
+        </a:xfrm>
+      </p:grpSpPr>
+      <p:sp>
+        <p:nvSpPr>
           <p:cNvPr id="2" name="標題 1"/>
           <p:cNvSpPr>
             <a:spLocks noGrp="1"/>
@@ -6389,23 +10555,18 @@
           <a:p>
             <a:r>
               <a:rPr lang="zh-TW" altLang="en-US" dirty="0" smtClean="0"/>
-              <a:t>先從</a:t>
+              <a:t>例外處理的機制</a:t>
             </a:r>
             <a:r>
               <a:rPr lang="en-US" altLang="zh-TW" dirty="0" smtClean="0"/>
-              <a:t>Path</a:t>
-            </a:r>
-            <a:r>
-              <a:rPr lang="zh-TW" altLang="en-US" dirty="0" smtClean="0"/>
-              <a:t>與</a:t>
-            </a:r>
-            <a:r>
+              <a:t/>
+            </a:r>
+            <a:br>
               <a:rPr lang="en-US" altLang="zh-TW" dirty="0" smtClean="0"/>
-              <a:t>File</a:t>
-            </a:r>
-            <a:r>
-              <a:rPr lang="zh-TW" altLang="en-US" dirty="0" smtClean="0"/>
-              <a:t>談起</a:t>
+            </a:br>
+            <a:r>
+              <a:rPr lang="en-US" altLang="zh-TW" dirty="0" smtClean="0"/>
+              <a:t>	try…….catch…..</a:t>
             </a:r>
             <a:endParaRPr lang="zh-TW" altLang="en-US" dirty="0"/>
           </a:p>
@@ -6428,6 +10589,1374 @@
           <a:p>
             <a:r>
               <a:rPr lang="zh-TW" altLang="en-US" dirty="0" smtClean="0"/>
+              <a:t>當程式執行時，不可避免地總會發生某種錯誤，有些是程式自己邏輯出錯，另一種則是非正常運作的錯誤。</a:t>
+            </a:r>
+            <a:endParaRPr lang="en-US" altLang="zh-TW" dirty="0" smtClean="0"/>
+          </a:p>
+          <a:p>
+            <a:r>
+              <a:rPr lang="zh-TW" altLang="en-US" dirty="0"/>
+              <a:t>當程式碼執行過程中，若發生「錯誤（</a:t>
+            </a:r>
+            <a:r>
+              <a:rPr lang="en-US" altLang="zh-TW" dirty="0"/>
+              <a:t>Error</a:t>
+            </a:r>
+            <a:r>
+              <a:rPr lang="zh-TW" altLang="en-US" dirty="0"/>
+              <a:t>）」時，將會中斷整個軟體的執行，造成程式無法繼續往下執行</a:t>
+            </a:r>
+            <a:r>
+              <a:rPr lang="zh-TW" altLang="en-US" dirty="0" smtClean="0"/>
+              <a:t>。</a:t>
+            </a:r>
+            <a:endParaRPr lang="en-US" altLang="zh-TW" dirty="0" smtClean="0"/>
+          </a:p>
+          <a:p>
+            <a:r>
+              <a:rPr lang="zh-TW" altLang="en-US" dirty="0"/>
+              <a:t>現代語言以「</a:t>
+            </a:r>
+            <a:r>
+              <a:rPr lang="zh-TW" altLang="en-US" b="1" dirty="0"/>
+              <a:t>預先認定</a:t>
+            </a:r>
+            <a:r>
+              <a:rPr lang="zh-TW" altLang="en-US" dirty="0"/>
+              <a:t>」某些程式片段（或執行某特定方法）</a:t>
+            </a:r>
+            <a:r>
+              <a:rPr lang="zh-TW" altLang="en-US" b="1" dirty="0">
+                <a:solidFill>
+                  <a:srgbClr val="FF0000"/>
+                </a:solidFill>
+              </a:rPr>
+              <a:t>可能出現 </a:t>
+            </a:r>
+            <a:r>
+              <a:rPr lang="en-US" altLang="zh-TW" b="1" dirty="0">
+                <a:solidFill>
+                  <a:srgbClr val="FF0000"/>
+                </a:solidFill>
+              </a:rPr>
+              <a:t>Exception</a:t>
+            </a:r>
+            <a:r>
+              <a:rPr lang="zh-TW" altLang="en-US" b="1" dirty="0">
+                <a:solidFill>
+                  <a:srgbClr val="FF0000"/>
+                </a:solidFill>
+              </a:rPr>
+              <a:t>－例外</a:t>
+            </a:r>
+            <a:r>
+              <a:rPr lang="zh-TW" altLang="en-US" dirty="0"/>
+              <a:t>，若事先因為認定其會發生例外，就要求在設計過程中一定要將</a:t>
+            </a:r>
+            <a:r>
+              <a:rPr lang="zh-TW" altLang="en-US" b="1" dirty="0"/>
+              <a:t>處理例外情形的程式碼預先撰寫設計</a:t>
+            </a:r>
+            <a:r>
+              <a:rPr lang="zh-TW" altLang="en-US" b="1" dirty="0" smtClean="0"/>
+              <a:t>好</a:t>
+            </a:r>
+            <a:r>
+              <a:rPr lang="zh-TW" altLang="en-US" dirty="0"/>
+              <a:t>。</a:t>
+            </a:r>
+            <a:endParaRPr lang="en-US" altLang="zh-TW" dirty="0" smtClean="0"/>
+          </a:p>
+          <a:p>
+            <a:pPr lvl="1"/>
+            <a:r>
+              <a:rPr lang="zh-TW" altLang="en-US" dirty="0" smtClean="0"/>
+              <a:t>當</a:t>
+            </a:r>
+            <a:r>
+              <a:rPr lang="zh-TW" altLang="en-US" dirty="0"/>
+              <a:t>執行過程中真的產生例外時，會按照事先設計的程式碼來處理例外，程式也能正常的繼續執行</a:t>
+            </a:r>
+            <a:r>
+              <a:rPr lang="zh-TW" altLang="en-US" dirty="0" smtClean="0"/>
+              <a:t>。</a:t>
+            </a:r>
+            <a:endParaRPr lang="en-US" altLang="zh-TW" dirty="0" smtClean="0"/>
+          </a:p>
+          <a:p>
+            <a:r>
+              <a:rPr lang="zh-TW" altLang="en-US" dirty="0"/>
+              <a:t>常見的預先認定會出現</a:t>
+            </a:r>
+            <a:r>
+              <a:rPr lang="en-US" altLang="zh-TW" dirty="0"/>
+              <a:t>Exception</a:t>
+            </a:r>
+            <a:r>
+              <a:rPr lang="zh-TW" altLang="en-US" dirty="0"/>
+              <a:t>的</a:t>
+            </a:r>
+            <a:r>
+              <a:rPr lang="zh-TW" altLang="en-US" dirty="0" smtClean="0"/>
+              <a:t>地方</a:t>
+            </a:r>
+            <a:endParaRPr lang="en-US" altLang="zh-TW" dirty="0" smtClean="0"/>
+          </a:p>
+          <a:p>
+            <a:pPr lvl="1"/>
+            <a:r>
+              <a:rPr lang="zh-TW" altLang="en-US" b="1" dirty="0">
+                <a:solidFill>
+                  <a:srgbClr val="FF0000"/>
+                </a:solidFill>
+              </a:rPr>
+              <a:t>檔案讀寫、網路存取、使用者輸入</a:t>
+            </a:r>
+            <a:r>
+              <a:rPr lang="zh-TW" altLang="en-US" b="1" dirty="0" smtClean="0">
+                <a:solidFill>
+                  <a:srgbClr val="FF0000"/>
+                </a:solidFill>
+              </a:rPr>
+              <a:t>等。</a:t>
+            </a:r>
+            <a:endParaRPr lang="zh-TW" altLang="en-US" b="1" dirty="0">
+              <a:solidFill>
+                <a:srgbClr val="FF0000"/>
+              </a:solidFill>
+            </a:endParaRPr>
+          </a:p>
+        </p:txBody>
+      </p:sp>
+    </p:spTree>
+    <p:extLst>
+      <p:ext uri="{BB962C8B-B14F-4D97-AF65-F5344CB8AC3E}">
+        <p14:creationId xmlns:p14="http://schemas.microsoft.com/office/powerpoint/2010/main" val="902690346"/>
+      </p:ext>
+    </p:extLst>
+  </p:cSld>
+  <p:clrMapOvr>
+    <a:masterClrMapping/>
+  </p:clrMapOvr>
+</p:sld>
+</file>
+
+<file path=ppt/slides/slide5.xml><?xml version="1.0" encoding="utf-8"?>
+<p:sld xmlns:a="http://schemas.openxmlformats.org/drawingml/2006/main" xmlns:r="http://schemas.openxmlformats.org/officeDocument/2006/relationships" xmlns:p="http://schemas.openxmlformats.org/presentationml/2006/main">
+  <p:cSld>
+    <p:spTree>
+      <p:nvGrpSpPr>
+        <p:cNvPr id="1" name=""/>
+        <p:cNvGrpSpPr/>
+        <p:nvPr/>
+      </p:nvGrpSpPr>
+      <p:grpSpPr>
+        <a:xfrm>
+          <a:off x="0" y="0"/>
+          <a:ext cx="0" cy="0"/>
+          <a:chOff x="0" y="0"/>
+          <a:chExt cx="0" cy="0"/>
+        </a:xfrm>
+      </p:grpSpPr>
+      <p:sp>
+        <p:nvSpPr>
+          <p:cNvPr id="2" name="標題 1"/>
+          <p:cNvSpPr>
+            <a:spLocks noGrp="1"/>
+          </p:cNvSpPr>
+          <p:nvPr>
+            <p:ph type="title"/>
+          </p:nvPr>
+        </p:nvSpPr>
+        <p:spPr/>
+        <p:txBody>
+          <a:bodyPr/>
+          <a:lstStyle/>
+          <a:p>
+            <a:r>
+              <a:rPr lang="en-US" altLang="zh-TW" dirty="0" smtClean="0"/>
+              <a:t>Try-catch-finally</a:t>
+            </a:r>
+            <a:r>
+              <a:rPr lang="zh-TW" altLang="en-US" dirty="0" smtClean="0"/>
+              <a:t>語法</a:t>
+            </a:r>
+            <a:endParaRPr lang="zh-TW" altLang="en-US" dirty="0"/>
+          </a:p>
+        </p:txBody>
+      </p:sp>
+      <p:sp>
+        <p:nvSpPr>
+          <p:cNvPr id="3" name="內容版面配置區 2"/>
+          <p:cNvSpPr>
+            <a:spLocks noGrp="1"/>
+          </p:cNvSpPr>
+          <p:nvPr>
+            <p:ph idx="1"/>
+          </p:nvPr>
+        </p:nvSpPr>
+        <p:spPr>
+          <a:xfrm>
+            <a:off x="677334" y="1930401"/>
+            <a:ext cx="8596668" cy="4110962"/>
+          </a:xfrm>
+        </p:spPr>
+        <p:txBody>
+          <a:bodyPr/>
+          <a:lstStyle/>
+          <a:p>
+            <a:r>
+              <a:rPr lang="zh-TW" altLang="en-US" dirty="0" smtClean="0"/>
+              <a:t>標準的語法如下：</a:t>
+            </a:r>
+            <a:endParaRPr lang="en-US" altLang="zh-TW" dirty="0" smtClean="0"/>
+          </a:p>
+          <a:p>
+            <a:endParaRPr lang="en-US" altLang="zh-TW" dirty="0"/>
+          </a:p>
+          <a:p>
+            <a:endParaRPr lang="en-US" altLang="zh-TW" dirty="0" smtClean="0"/>
+          </a:p>
+          <a:p>
+            <a:endParaRPr lang="en-US" altLang="zh-TW" dirty="0"/>
+          </a:p>
+          <a:p>
+            <a:endParaRPr lang="en-US" altLang="zh-TW" dirty="0" smtClean="0"/>
+          </a:p>
+          <a:p>
+            <a:endParaRPr lang="en-US" altLang="zh-TW" dirty="0"/>
+          </a:p>
+          <a:p>
+            <a:endParaRPr lang="en-US" altLang="zh-TW" dirty="0" smtClean="0"/>
+          </a:p>
+          <a:p>
+            <a:r>
+              <a:rPr lang="zh-TW" altLang="en-US" dirty="0"/>
+              <a:t>常用簡易處理錯誤法</a:t>
+            </a:r>
+            <a:r>
+              <a:rPr lang="zh-TW" altLang="en-US" dirty="0" smtClean="0"/>
+              <a:t>：只顯示</a:t>
+            </a:r>
+            <a:r>
+              <a:rPr lang="zh-TW" altLang="en-US" dirty="0"/>
+              <a:t>錯誤的詳細資訊</a:t>
+            </a:r>
+            <a:r>
+              <a:rPr lang="zh-TW" altLang="en-US" dirty="0" smtClean="0"/>
+              <a:t>。</a:t>
+            </a:r>
+            <a:endParaRPr lang="en-US" altLang="zh-TW" dirty="0" smtClean="0"/>
+          </a:p>
+          <a:p>
+            <a:pPr lvl="1"/>
+            <a:r>
+              <a:rPr lang="en-US" altLang="zh-TW" dirty="0"/>
+              <a:t>e.printStackTrace();</a:t>
+            </a:r>
+            <a:endParaRPr lang="zh-TW" altLang="en-US" dirty="0"/>
+          </a:p>
+        </p:txBody>
+      </p:sp>
+      <p:sp>
+        <p:nvSpPr>
+          <p:cNvPr id="4" name="矩形 3"/>
+          <p:cNvSpPr/>
+          <p:nvPr/>
+        </p:nvSpPr>
+        <p:spPr>
+          <a:xfrm>
+            <a:off x="1164336" y="2265694"/>
+            <a:ext cx="4239768" cy="2308324"/>
+          </a:xfrm>
+          <a:prstGeom prst="rect">
+            <a:avLst/>
+          </a:prstGeom>
+          <a:solidFill>
+            <a:schemeClr val="tx1">
+              <a:lumMod val="85000"/>
+              <a:lumOff val="15000"/>
+            </a:schemeClr>
+          </a:solidFill>
+        </p:spPr>
+        <p:txBody>
+          <a:bodyPr wrap="square">
+            <a:spAutoFit/>
+          </a:bodyPr>
+          <a:lstStyle/>
+          <a:p>
+            <a:r>
+              <a:rPr lang="en-US" altLang="zh-TW" dirty="0">
+                <a:solidFill>
+                  <a:srgbClr val="CC6C1D"/>
+                </a:solidFill>
+                <a:latin typeface="Consolas" panose="020B0609020204030204" pitchFamily="49" charset="0"/>
+              </a:rPr>
+              <a:t>try</a:t>
+            </a:r>
+            <a:r>
+              <a:rPr lang="en-US" altLang="zh-TW" dirty="0">
+                <a:solidFill>
+                  <a:srgbClr val="D9E8F7"/>
+                </a:solidFill>
+                <a:latin typeface="Consolas" panose="020B0609020204030204" pitchFamily="49" charset="0"/>
+              </a:rPr>
+              <a:t> </a:t>
+            </a:r>
+            <a:r>
+              <a:rPr lang="en-US" altLang="zh-TW" dirty="0">
+                <a:solidFill>
+                  <a:srgbClr val="F9FAF4"/>
+                </a:solidFill>
+                <a:latin typeface="Consolas" panose="020B0609020204030204" pitchFamily="49" charset="0"/>
+              </a:rPr>
+              <a:t>{</a:t>
+            </a:r>
+          </a:p>
+          <a:p>
+            <a:r>
+              <a:rPr lang="en-US" altLang="zh-TW" dirty="0" smtClean="0">
+                <a:solidFill>
+                  <a:srgbClr val="808080"/>
+                </a:solidFill>
+                <a:latin typeface="Consolas" panose="020B0609020204030204" pitchFamily="49" charset="0"/>
+              </a:rPr>
+              <a:t>	//</a:t>
+            </a:r>
+            <a:r>
+              <a:rPr lang="zh-TW" altLang="en-US" dirty="0">
+                <a:solidFill>
+                  <a:srgbClr val="808080"/>
+                </a:solidFill>
+                <a:latin typeface="Consolas" panose="020B0609020204030204" pitchFamily="49" charset="0"/>
+              </a:rPr>
+              <a:t>受監控的程式碼</a:t>
+            </a:r>
+          </a:p>
+          <a:p>
+            <a:r>
+              <a:rPr lang="en-US" altLang="zh-TW" dirty="0">
+                <a:solidFill>
+                  <a:srgbClr val="F9FAF4"/>
+                </a:solidFill>
+                <a:latin typeface="Consolas" panose="020B0609020204030204" pitchFamily="49" charset="0"/>
+              </a:rPr>
+              <a:t>}</a:t>
+            </a:r>
+            <a:r>
+              <a:rPr lang="en-US" altLang="zh-TW" dirty="0">
+                <a:solidFill>
+                  <a:srgbClr val="D9E8F7"/>
+                </a:solidFill>
+                <a:latin typeface="Consolas" panose="020B0609020204030204" pitchFamily="49" charset="0"/>
+              </a:rPr>
+              <a:t> </a:t>
+            </a:r>
+            <a:r>
+              <a:rPr lang="en-US" altLang="zh-TW" dirty="0">
+                <a:solidFill>
+                  <a:srgbClr val="CC6C1D"/>
+                </a:solidFill>
+                <a:latin typeface="Consolas" panose="020B0609020204030204" pitchFamily="49" charset="0"/>
+              </a:rPr>
+              <a:t>catch</a:t>
+            </a:r>
+            <a:r>
+              <a:rPr lang="en-US" altLang="zh-TW" dirty="0">
+                <a:solidFill>
+                  <a:srgbClr val="D9E8F7"/>
+                </a:solidFill>
+                <a:latin typeface="Consolas" panose="020B0609020204030204" pitchFamily="49" charset="0"/>
+              </a:rPr>
+              <a:t> </a:t>
+            </a:r>
+            <a:r>
+              <a:rPr lang="en-US" altLang="zh-TW" dirty="0">
+                <a:solidFill>
+                  <a:srgbClr val="F9FAF4"/>
+                </a:solidFill>
+                <a:latin typeface="Consolas" panose="020B0609020204030204" pitchFamily="49" charset="0"/>
+              </a:rPr>
+              <a:t>(</a:t>
+            </a:r>
+            <a:r>
+              <a:rPr lang="en-US" altLang="zh-TW" dirty="0">
+                <a:solidFill>
+                  <a:srgbClr val="1290C3"/>
+                </a:solidFill>
+                <a:latin typeface="Consolas" panose="020B0609020204030204" pitchFamily="49" charset="0"/>
+              </a:rPr>
+              <a:t>Exception</a:t>
+            </a:r>
+            <a:r>
+              <a:rPr lang="en-US" altLang="zh-TW" dirty="0">
+                <a:solidFill>
+                  <a:srgbClr val="D9E8F7"/>
+                </a:solidFill>
+                <a:latin typeface="Consolas" panose="020B0609020204030204" pitchFamily="49" charset="0"/>
+              </a:rPr>
+              <a:t> </a:t>
+            </a:r>
+            <a:r>
+              <a:rPr lang="en-US" altLang="zh-TW" dirty="0">
+                <a:solidFill>
+                  <a:srgbClr val="F2F200"/>
+                </a:solidFill>
+                <a:latin typeface="Consolas" panose="020B0609020204030204" pitchFamily="49" charset="0"/>
+              </a:rPr>
+              <a:t>e</a:t>
+            </a:r>
+            <a:r>
+              <a:rPr lang="en-US" altLang="zh-TW" dirty="0">
+                <a:solidFill>
+                  <a:srgbClr val="F9FAF4"/>
+                </a:solidFill>
+                <a:latin typeface="Consolas" panose="020B0609020204030204" pitchFamily="49" charset="0"/>
+              </a:rPr>
+              <a:t>)</a:t>
+            </a:r>
+            <a:r>
+              <a:rPr lang="en-US" altLang="zh-TW" dirty="0">
+                <a:solidFill>
+                  <a:srgbClr val="D9E8F7"/>
+                </a:solidFill>
+                <a:latin typeface="Consolas" panose="020B0609020204030204" pitchFamily="49" charset="0"/>
+              </a:rPr>
+              <a:t> </a:t>
+            </a:r>
+            <a:r>
+              <a:rPr lang="en-US" altLang="zh-TW" dirty="0">
+                <a:solidFill>
+                  <a:srgbClr val="F9FAF4"/>
+                </a:solidFill>
+                <a:latin typeface="Consolas" panose="020B0609020204030204" pitchFamily="49" charset="0"/>
+              </a:rPr>
+              <a:t>{</a:t>
+            </a:r>
+          </a:p>
+          <a:p>
+            <a:r>
+              <a:rPr lang="en-US" altLang="zh-TW" dirty="0" smtClean="0">
+                <a:solidFill>
+                  <a:srgbClr val="808080"/>
+                </a:solidFill>
+                <a:latin typeface="Consolas" panose="020B0609020204030204" pitchFamily="49" charset="0"/>
+              </a:rPr>
+              <a:t>	//</a:t>
+            </a:r>
+            <a:r>
+              <a:rPr lang="zh-TW" altLang="en-US" dirty="0">
+                <a:solidFill>
+                  <a:srgbClr val="808080"/>
+                </a:solidFill>
+                <a:latin typeface="Consolas" panose="020B0609020204030204" pitchFamily="49" charset="0"/>
+              </a:rPr>
+              <a:t>處理錯誤的程式碼</a:t>
+            </a:r>
+          </a:p>
+          <a:p>
+            <a:r>
+              <a:rPr lang="en-US" altLang="zh-TW" dirty="0">
+                <a:solidFill>
+                  <a:srgbClr val="F9FAF4"/>
+                </a:solidFill>
+                <a:latin typeface="Consolas" panose="020B0609020204030204" pitchFamily="49" charset="0"/>
+              </a:rPr>
+              <a:t>}</a:t>
+            </a:r>
+            <a:r>
+              <a:rPr lang="en-US" altLang="zh-TW" dirty="0">
+                <a:solidFill>
+                  <a:srgbClr val="D9E8F7"/>
+                </a:solidFill>
+                <a:latin typeface="Consolas" panose="020B0609020204030204" pitchFamily="49" charset="0"/>
+              </a:rPr>
+              <a:t> </a:t>
+            </a:r>
+            <a:r>
+              <a:rPr lang="en-US" altLang="zh-TW" dirty="0">
+                <a:solidFill>
+                  <a:srgbClr val="CC6C1D"/>
+                </a:solidFill>
+                <a:latin typeface="Consolas" panose="020B0609020204030204" pitchFamily="49" charset="0"/>
+              </a:rPr>
+              <a:t>finally</a:t>
+            </a:r>
+            <a:r>
+              <a:rPr lang="en-US" altLang="zh-TW" dirty="0">
+                <a:solidFill>
+                  <a:srgbClr val="D9E8F7"/>
+                </a:solidFill>
+                <a:latin typeface="Consolas" panose="020B0609020204030204" pitchFamily="49" charset="0"/>
+              </a:rPr>
+              <a:t> </a:t>
+            </a:r>
+            <a:r>
+              <a:rPr lang="en-US" altLang="zh-TW" dirty="0">
+                <a:solidFill>
+                  <a:srgbClr val="F9FAF4"/>
+                </a:solidFill>
+                <a:latin typeface="Consolas" panose="020B0609020204030204" pitchFamily="49" charset="0"/>
+              </a:rPr>
+              <a:t>{</a:t>
+            </a:r>
+          </a:p>
+          <a:p>
+            <a:r>
+              <a:rPr lang="en-US" altLang="zh-TW" dirty="0" smtClean="0">
+                <a:solidFill>
+                  <a:srgbClr val="808080"/>
+                </a:solidFill>
+                <a:latin typeface="Consolas" panose="020B0609020204030204" pitchFamily="49" charset="0"/>
+              </a:rPr>
+              <a:t>	//</a:t>
+            </a:r>
+            <a:r>
+              <a:rPr lang="zh-TW" altLang="en-US" dirty="0">
+                <a:solidFill>
+                  <a:srgbClr val="808080"/>
+                </a:solidFill>
+                <a:latin typeface="Consolas" panose="020B0609020204030204" pitchFamily="49" charset="0"/>
+              </a:rPr>
+              <a:t>不論如何一定執行的程式碼</a:t>
+            </a:r>
+          </a:p>
+          <a:p>
+            <a:r>
+              <a:rPr lang="en-US" altLang="zh-TW" dirty="0" smtClean="0">
+                <a:solidFill>
+                  <a:srgbClr val="808080"/>
+                </a:solidFill>
+                <a:latin typeface="Consolas" panose="020B0609020204030204" pitchFamily="49" charset="0"/>
+              </a:rPr>
+              <a:t>	//</a:t>
+            </a:r>
+            <a:r>
+              <a:rPr lang="zh-TW" altLang="en-US" dirty="0">
+                <a:solidFill>
+                  <a:srgbClr val="808080"/>
+                </a:solidFill>
+                <a:latin typeface="Consolas" panose="020B0609020204030204" pitchFamily="49" charset="0"/>
+              </a:rPr>
+              <a:t>用來清理資源</a:t>
+            </a:r>
+          </a:p>
+          <a:p>
+            <a:r>
+              <a:rPr lang="en-US" altLang="zh-TW" dirty="0">
+                <a:solidFill>
+                  <a:srgbClr val="F9FAF4"/>
+                </a:solidFill>
+                <a:latin typeface="Consolas" panose="020B0609020204030204" pitchFamily="49" charset="0"/>
+              </a:rPr>
+              <a:t>}</a:t>
+            </a:r>
+            <a:endParaRPr lang="zh-TW" altLang="en-US" dirty="0"/>
+          </a:p>
+        </p:txBody>
+      </p:sp>
+      <p:sp>
+        <p:nvSpPr>
+          <p:cNvPr id="5" name="矩形 4"/>
+          <p:cNvSpPr/>
+          <p:nvPr/>
+        </p:nvSpPr>
+        <p:spPr>
+          <a:xfrm>
+            <a:off x="6291072" y="2263676"/>
+            <a:ext cx="4681728" cy="3416320"/>
+          </a:xfrm>
+          <a:prstGeom prst="rect">
+            <a:avLst/>
+          </a:prstGeom>
+          <a:solidFill>
+            <a:schemeClr val="tx1">
+              <a:lumMod val="85000"/>
+              <a:lumOff val="15000"/>
+            </a:schemeClr>
+          </a:solidFill>
+        </p:spPr>
+        <p:txBody>
+          <a:bodyPr wrap="square">
+            <a:spAutoFit/>
+          </a:bodyPr>
+          <a:lstStyle/>
+          <a:p>
+            <a:r>
+              <a:rPr lang="en-US" altLang="zh-TW" dirty="0">
+                <a:solidFill>
+                  <a:srgbClr val="CC6C1D"/>
+                </a:solidFill>
+                <a:latin typeface="Consolas" panose="020B0609020204030204" pitchFamily="49" charset="0"/>
+              </a:rPr>
+              <a:t>try</a:t>
+            </a:r>
+            <a:r>
+              <a:rPr lang="en-US" altLang="zh-TW" dirty="0">
+                <a:solidFill>
+                  <a:srgbClr val="D9E8F7"/>
+                </a:solidFill>
+                <a:latin typeface="Consolas" panose="020B0609020204030204" pitchFamily="49" charset="0"/>
+              </a:rPr>
+              <a:t> </a:t>
+            </a:r>
+            <a:r>
+              <a:rPr lang="en-US" altLang="zh-TW" dirty="0">
+                <a:solidFill>
+                  <a:srgbClr val="F9FAF4"/>
+                </a:solidFill>
+                <a:latin typeface="Consolas" panose="020B0609020204030204" pitchFamily="49" charset="0"/>
+              </a:rPr>
+              <a:t>{</a:t>
+            </a:r>
+          </a:p>
+          <a:p>
+            <a:r>
+              <a:rPr lang="en-US" altLang="zh-TW" dirty="0" smtClean="0">
+                <a:solidFill>
+                  <a:srgbClr val="808080"/>
+                </a:solidFill>
+                <a:latin typeface="Consolas" panose="020B0609020204030204" pitchFamily="49" charset="0"/>
+              </a:rPr>
+              <a:t>	//</a:t>
+            </a:r>
+            <a:r>
+              <a:rPr lang="zh-TW" altLang="en-US" dirty="0">
+                <a:solidFill>
+                  <a:srgbClr val="808080"/>
+                </a:solidFill>
+                <a:latin typeface="Consolas" panose="020B0609020204030204" pitchFamily="49" charset="0"/>
+              </a:rPr>
+              <a:t>受監控的程式碼</a:t>
+            </a:r>
+          </a:p>
+          <a:p>
+            <a:r>
+              <a:rPr lang="en-US" altLang="zh-TW" dirty="0">
+                <a:solidFill>
+                  <a:srgbClr val="F9FAF4"/>
+                </a:solidFill>
+                <a:latin typeface="Consolas" panose="020B0609020204030204" pitchFamily="49" charset="0"/>
+              </a:rPr>
+              <a:t>}</a:t>
+            </a:r>
+            <a:r>
+              <a:rPr lang="en-US" altLang="zh-TW" dirty="0">
+                <a:solidFill>
+                  <a:srgbClr val="D9E8F7"/>
+                </a:solidFill>
+                <a:latin typeface="Consolas" panose="020B0609020204030204" pitchFamily="49" charset="0"/>
+              </a:rPr>
+              <a:t> </a:t>
+            </a:r>
+            <a:r>
+              <a:rPr lang="en-US" altLang="zh-TW" dirty="0">
+                <a:solidFill>
+                  <a:srgbClr val="CC6C1D"/>
+                </a:solidFill>
+                <a:latin typeface="Consolas" panose="020B0609020204030204" pitchFamily="49" charset="0"/>
+              </a:rPr>
+              <a:t>catch</a:t>
+            </a:r>
+            <a:r>
+              <a:rPr lang="en-US" altLang="zh-TW" dirty="0">
+                <a:solidFill>
+                  <a:srgbClr val="D9E8F7"/>
+                </a:solidFill>
+                <a:latin typeface="Consolas" panose="020B0609020204030204" pitchFamily="49" charset="0"/>
+              </a:rPr>
+              <a:t> </a:t>
+            </a:r>
+            <a:r>
+              <a:rPr lang="en-US" altLang="zh-TW" dirty="0" smtClean="0">
+                <a:solidFill>
+                  <a:srgbClr val="F9FAF4"/>
+                </a:solidFill>
+                <a:latin typeface="Consolas" panose="020B0609020204030204" pitchFamily="49" charset="0"/>
+              </a:rPr>
+              <a:t>(</a:t>
+            </a:r>
+            <a:r>
+              <a:rPr lang="en-US" altLang="zh-TW" dirty="0">
+                <a:solidFill>
+                  <a:srgbClr val="1290C3"/>
+                </a:solidFill>
+                <a:latin typeface="Consolas" panose="020B0609020204030204" pitchFamily="49" charset="0"/>
+              </a:rPr>
+              <a:t>IOException</a:t>
+            </a:r>
+            <a:r>
+              <a:rPr lang="en-US" altLang="zh-TW" dirty="0" smtClean="0">
+                <a:solidFill>
+                  <a:srgbClr val="D9E8F7"/>
+                </a:solidFill>
+                <a:latin typeface="Consolas" panose="020B0609020204030204" pitchFamily="49" charset="0"/>
+              </a:rPr>
+              <a:t> </a:t>
+            </a:r>
+            <a:r>
+              <a:rPr lang="en-US" altLang="zh-TW" dirty="0">
+                <a:solidFill>
+                  <a:srgbClr val="F2F200"/>
+                </a:solidFill>
+                <a:latin typeface="Consolas" panose="020B0609020204030204" pitchFamily="49" charset="0"/>
+              </a:rPr>
+              <a:t>e</a:t>
+            </a:r>
+            <a:r>
+              <a:rPr lang="en-US" altLang="zh-TW" dirty="0">
+                <a:solidFill>
+                  <a:srgbClr val="F9FAF4"/>
+                </a:solidFill>
+                <a:latin typeface="Consolas" panose="020B0609020204030204" pitchFamily="49" charset="0"/>
+              </a:rPr>
+              <a:t>)</a:t>
+            </a:r>
+            <a:r>
+              <a:rPr lang="en-US" altLang="zh-TW" dirty="0">
+                <a:solidFill>
+                  <a:srgbClr val="D9E8F7"/>
+                </a:solidFill>
+                <a:latin typeface="Consolas" panose="020B0609020204030204" pitchFamily="49" charset="0"/>
+              </a:rPr>
+              <a:t> </a:t>
+            </a:r>
+            <a:r>
+              <a:rPr lang="en-US" altLang="zh-TW" dirty="0">
+                <a:solidFill>
+                  <a:srgbClr val="F9FAF4"/>
+                </a:solidFill>
+                <a:latin typeface="Consolas" panose="020B0609020204030204" pitchFamily="49" charset="0"/>
+              </a:rPr>
+              <a:t>{</a:t>
+            </a:r>
+          </a:p>
+          <a:p>
+            <a:r>
+              <a:rPr lang="en-US" altLang="zh-TW" dirty="0" smtClean="0">
+                <a:solidFill>
+                  <a:srgbClr val="808080"/>
+                </a:solidFill>
+                <a:latin typeface="Consolas" panose="020B0609020204030204" pitchFamily="49" charset="0"/>
+              </a:rPr>
+              <a:t>	//</a:t>
+            </a:r>
+            <a:r>
+              <a:rPr lang="zh-TW" altLang="en-US" dirty="0">
+                <a:solidFill>
+                  <a:srgbClr val="808080"/>
+                </a:solidFill>
+                <a:latin typeface="Consolas" panose="020B0609020204030204" pitchFamily="49" charset="0"/>
+              </a:rPr>
+              <a:t>處理錯誤的程式碼</a:t>
+            </a:r>
+          </a:p>
+          <a:p>
+            <a:r>
+              <a:rPr lang="en-US" altLang="zh-TW" dirty="0">
+                <a:solidFill>
+                  <a:srgbClr val="F9FAF4"/>
+                </a:solidFill>
+                <a:latin typeface="Consolas" panose="020B0609020204030204" pitchFamily="49" charset="0"/>
+              </a:rPr>
+              <a:t>}</a:t>
+            </a:r>
+            <a:r>
+              <a:rPr lang="en-US" altLang="zh-TW" dirty="0">
+                <a:solidFill>
+                  <a:srgbClr val="D9E8F7"/>
+                </a:solidFill>
+                <a:latin typeface="Consolas" panose="020B0609020204030204" pitchFamily="49" charset="0"/>
+              </a:rPr>
+              <a:t> </a:t>
+            </a:r>
+            <a:r>
+              <a:rPr lang="en-US" altLang="zh-TW" dirty="0">
+                <a:solidFill>
+                  <a:srgbClr val="CC6C1D"/>
+                </a:solidFill>
+                <a:latin typeface="Consolas" panose="020B0609020204030204" pitchFamily="49" charset="0"/>
+              </a:rPr>
+              <a:t>catch</a:t>
+            </a:r>
+            <a:r>
+              <a:rPr lang="en-US" altLang="zh-TW" dirty="0">
+                <a:solidFill>
+                  <a:srgbClr val="D9E8F7"/>
+                </a:solidFill>
+                <a:latin typeface="Consolas" panose="020B0609020204030204" pitchFamily="49" charset="0"/>
+              </a:rPr>
+              <a:t> </a:t>
+            </a:r>
+            <a:r>
+              <a:rPr lang="en-US" altLang="zh-TW" dirty="0" smtClean="0">
+                <a:solidFill>
+                  <a:srgbClr val="F9FAF4"/>
+                </a:solidFill>
+                <a:latin typeface="Consolas" panose="020B0609020204030204" pitchFamily="49" charset="0"/>
+              </a:rPr>
+              <a:t>(</a:t>
+            </a:r>
+            <a:r>
+              <a:rPr lang="en-US" altLang="zh-TW" dirty="0">
+                <a:solidFill>
+                  <a:srgbClr val="1290C3"/>
+                </a:solidFill>
+                <a:latin typeface="Consolas" panose="020B0609020204030204" pitchFamily="49" charset="0"/>
+              </a:rPr>
+              <a:t>NullPointerException</a:t>
+            </a:r>
+            <a:r>
+              <a:rPr lang="en-US" altLang="zh-TW" dirty="0" smtClean="0">
+                <a:solidFill>
+                  <a:srgbClr val="D9E8F7"/>
+                </a:solidFill>
+                <a:latin typeface="Consolas" panose="020B0609020204030204" pitchFamily="49" charset="0"/>
+              </a:rPr>
+              <a:t> </a:t>
+            </a:r>
+            <a:r>
+              <a:rPr lang="en-US" altLang="zh-TW" dirty="0">
+                <a:solidFill>
+                  <a:srgbClr val="F2F200"/>
+                </a:solidFill>
+                <a:latin typeface="Consolas" panose="020B0609020204030204" pitchFamily="49" charset="0"/>
+              </a:rPr>
+              <a:t>e</a:t>
+            </a:r>
+            <a:r>
+              <a:rPr lang="en-US" altLang="zh-TW" dirty="0">
+                <a:solidFill>
+                  <a:srgbClr val="F9FAF4"/>
+                </a:solidFill>
+                <a:latin typeface="Consolas" panose="020B0609020204030204" pitchFamily="49" charset="0"/>
+              </a:rPr>
+              <a:t>)</a:t>
+            </a:r>
+            <a:r>
+              <a:rPr lang="en-US" altLang="zh-TW" dirty="0">
+                <a:solidFill>
+                  <a:srgbClr val="D9E8F7"/>
+                </a:solidFill>
+                <a:latin typeface="Consolas" panose="020B0609020204030204" pitchFamily="49" charset="0"/>
+              </a:rPr>
+              <a:t> </a:t>
+            </a:r>
+            <a:r>
+              <a:rPr lang="en-US" altLang="zh-TW" dirty="0">
+                <a:solidFill>
+                  <a:srgbClr val="F9FAF4"/>
+                </a:solidFill>
+                <a:latin typeface="Consolas" panose="020B0609020204030204" pitchFamily="49" charset="0"/>
+              </a:rPr>
+              <a:t>{</a:t>
+            </a:r>
+          </a:p>
+          <a:p>
+            <a:r>
+              <a:rPr lang="en-US" altLang="zh-TW" dirty="0">
+                <a:solidFill>
+                  <a:srgbClr val="808080"/>
+                </a:solidFill>
+                <a:latin typeface="Consolas" panose="020B0609020204030204" pitchFamily="49" charset="0"/>
+              </a:rPr>
+              <a:t>	//</a:t>
+            </a:r>
+            <a:r>
+              <a:rPr lang="zh-TW" altLang="en-US" dirty="0">
+                <a:solidFill>
+                  <a:srgbClr val="808080"/>
+                </a:solidFill>
+                <a:latin typeface="Consolas" panose="020B0609020204030204" pitchFamily="49" charset="0"/>
+              </a:rPr>
+              <a:t>處理錯誤的程式碼</a:t>
+            </a:r>
+          </a:p>
+          <a:p>
+            <a:r>
+              <a:rPr lang="en-US" altLang="zh-TW" dirty="0">
+                <a:solidFill>
+                  <a:srgbClr val="F9FAF4"/>
+                </a:solidFill>
+                <a:latin typeface="Consolas" panose="020B0609020204030204" pitchFamily="49" charset="0"/>
+              </a:rPr>
+              <a:t>}</a:t>
+            </a:r>
+            <a:r>
+              <a:rPr lang="en-US" altLang="zh-TW" dirty="0">
+                <a:solidFill>
+                  <a:srgbClr val="D9E8F7"/>
+                </a:solidFill>
+                <a:latin typeface="Consolas" panose="020B0609020204030204" pitchFamily="49" charset="0"/>
+              </a:rPr>
+              <a:t> </a:t>
+            </a:r>
+            <a:endParaRPr lang="en-US" altLang="zh-TW" dirty="0" smtClean="0">
+              <a:solidFill>
+                <a:srgbClr val="D9E8F7"/>
+              </a:solidFill>
+              <a:latin typeface="Consolas" panose="020B0609020204030204" pitchFamily="49" charset="0"/>
+            </a:endParaRPr>
+          </a:p>
+          <a:p>
+            <a:r>
+              <a:rPr lang="en-US" altLang="zh-TW" dirty="0">
+                <a:solidFill>
+                  <a:srgbClr val="D9E8F7"/>
+                </a:solidFill>
+                <a:latin typeface="Consolas" panose="020B0609020204030204" pitchFamily="49" charset="0"/>
+              </a:rPr>
+              <a:t>	</a:t>
+            </a:r>
+            <a:r>
+              <a:rPr lang="en-US" altLang="zh-TW" dirty="0" smtClean="0">
+                <a:solidFill>
+                  <a:srgbClr val="D9E8F7"/>
+                </a:solidFill>
+                <a:latin typeface="Consolas" panose="020B0609020204030204" pitchFamily="49" charset="0"/>
+              </a:rPr>
+              <a:t>. . . . .</a:t>
+            </a:r>
+          </a:p>
+          <a:p>
+            <a:r>
+              <a:rPr lang="en-US" altLang="zh-TW" dirty="0" smtClean="0">
+                <a:solidFill>
+                  <a:srgbClr val="CC6C1D"/>
+                </a:solidFill>
+                <a:latin typeface="Consolas" panose="020B0609020204030204" pitchFamily="49" charset="0"/>
+              </a:rPr>
+              <a:t>finally</a:t>
+            </a:r>
+            <a:r>
+              <a:rPr lang="en-US" altLang="zh-TW" dirty="0" smtClean="0">
+                <a:solidFill>
+                  <a:srgbClr val="D9E8F7"/>
+                </a:solidFill>
+                <a:latin typeface="Consolas" panose="020B0609020204030204" pitchFamily="49" charset="0"/>
+              </a:rPr>
+              <a:t> </a:t>
+            </a:r>
+            <a:r>
+              <a:rPr lang="en-US" altLang="zh-TW" dirty="0">
+                <a:solidFill>
+                  <a:srgbClr val="F9FAF4"/>
+                </a:solidFill>
+                <a:latin typeface="Consolas" panose="020B0609020204030204" pitchFamily="49" charset="0"/>
+              </a:rPr>
+              <a:t>{</a:t>
+            </a:r>
+          </a:p>
+          <a:p>
+            <a:r>
+              <a:rPr lang="en-US" altLang="zh-TW" dirty="0" smtClean="0">
+                <a:solidFill>
+                  <a:srgbClr val="808080"/>
+                </a:solidFill>
+                <a:latin typeface="Consolas" panose="020B0609020204030204" pitchFamily="49" charset="0"/>
+              </a:rPr>
+              <a:t>	//</a:t>
+            </a:r>
+            <a:r>
+              <a:rPr lang="zh-TW" altLang="en-US" dirty="0">
+                <a:solidFill>
+                  <a:srgbClr val="808080"/>
+                </a:solidFill>
+                <a:latin typeface="Consolas" panose="020B0609020204030204" pitchFamily="49" charset="0"/>
+              </a:rPr>
+              <a:t>不論如何一定執行的程式碼</a:t>
+            </a:r>
+          </a:p>
+          <a:p>
+            <a:r>
+              <a:rPr lang="en-US" altLang="zh-TW" dirty="0" smtClean="0">
+                <a:solidFill>
+                  <a:srgbClr val="808080"/>
+                </a:solidFill>
+                <a:latin typeface="Consolas" panose="020B0609020204030204" pitchFamily="49" charset="0"/>
+              </a:rPr>
+              <a:t>	//</a:t>
+            </a:r>
+            <a:r>
+              <a:rPr lang="zh-TW" altLang="en-US" dirty="0">
+                <a:solidFill>
+                  <a:srgbClr val="808080"/>
+                </a:solidFill>
+                <a:latin typeface="Consolas" panose="020B0609020204030204" pitchFamily="49" charset="0"/>
+              </a:rPr>
+              <a:t>用來清理資源</a:t>
+            </a:r>
+          </a:p>
+          <a:p>
+            <a:r>
+              <a:rPr lang="en-US" altLang="zh-TW" dirty="0">
+                <a:solidFill>
+                  <a:srgbClr val="F9FAF4"/>
+                </a:solidFill>
+                <a:latin typeface="Consolas" panose="020B0609020204030204" pitchFamily="49" charset="0"/>
+              </a:rPr>
+              <a:t>}</a:t>
+            </a:r>
+            <a:endParaRPr lang="zh-TW" altLang="en-US" dirty="0"/>
+          </a:p>
+        </p:txBody>
+      </p:sp>
+    </p:spTree>
+    <p:extLst>
+      <p:ext uri="{BB962C8B-B14F-4D97-AF65-F5344CB8AC3E}">
+        <p14:creationId xmlns:p14="http://schemas.microsoft.com/office/powerpoint/2010/main" val="172640570"/>
+      </p:ext>
+    </p:extLst>
+  </p:cSld>
+  <p:clrMapOvr>
+    <a:masterClrMapping/>
+  </p:clrMapOvr>
+</p:sld>
+</file>
+
+<file path=ppt/slides/slide6.xml><?xml version="1.0" encoding="utf-8"?>
+<p:sld xmlns:a="http://schemas.openxmlformats.org/drawingml/2006/main" xmlns:r="http://schemas.openxmlformats.org/officeDocument/2006/relationships" xmlns:p="http://schemas.openxmlformats.org/presentationml/2006/main">
+  <p:cSld>
+    <p:spTree>
+      <p:nvGrpSpPr>
+        <p:cNvPr id="1" name=""/>
+        <p:cNvGrpSpPr/>
+        <p:nvPr/>
+      </p:nvGrpSpPr>
+      <p:grpSpPr>
+        <a:xfrm>
+          <a:off x="0" y="0"/>
+          <a:ext cx="0" cy="0"/>
+          <a:chOff x="0" y="0"/>
+          <a:chExt cx="0" cy="0"/>
+        </a:xfrm>
+      </p:grpSpPr>
+      <p:sp>
+        <p:nvSpPr>
+          <p:cNvPr id="2" name="標題 1"/>
+          <p:cNvSpPr>
+            <a:spLocks noGrp="1"/>
+          </p:cNvSpPr>
+          <p:nvPr>
+            <p:ph type="title"/>
+          </p:nvPr>
+        </p:nvSpPr>
+        <p:spPr/>
+        <p:txBody>
+          <a:bodyPr/>
+          <a:lstStyle/>
+          <a:p>
+            <a:r>
+              <a:rPr lang="en-US" altLang="zh-TW" dirty="0" smtClean="0"/>
+              <a:t>Java</a:t>
+            </a:r>
+            <a:r>
+              <a:rPr lang="zh-TW" altLang="en-US" dirty="0" smtClean="0"/>
+              <a:t>常見的</a:t>
+            </a:r>
+            <a:r>
+              <a:rPr lang="en-US" altLang="zh-TW" dirty="0" smtClean="0"/>
+              <a:t>Exception</a:t>
+            </a:r>
+            <a:r>
+              <a:rPr lang="zh-TW" altLang="en-US" dirty="0" smtClean="0"/>
+              <a:t>種類</a:t>
+            </a:r>
+            <a:endParaRPr lang="zh-TW" altLang="en-US" dirty="0"/>
+          </a:p>
+        </p:txBody>
+      </p:sp>
+      <p:sp>
+        <p:nvSpPr>
+          <p:cNvPr id="3" name="內容版面配置區 2"/>
+          <p:cNvSpPr>
+            <a:spLocks noGrp="1"/>
+          </p:cNvSpPr>
+          <p:nvPr>
+            <p:ph idx="1"/>
+          </p:nvPr>
+        </p:nvSpPr>
+        <p:spPr/>
+        <p:txBody>
+          <a:bodyPr>
+            <a:normAutofit fontScale="70000" lnSpcReduction="20000"/>
+          </a:bodyPr>
+          <a:lstStyle/>
+          <a:p>
+            <a:r>
+              <a:rPr lang="en-US" altLang="zh-TW" dirty="0"/>
+              <a:t>Throwable</a:t>
+            </a:r>
+          </a:p>
+          <a:p>
+            <a:r>
+              <a:rPr lang="en-US" altLang="zh-TW" sz="2600" b="1" u="sng" dirty="0" smtClean="0">
+                <a:solidFill>
+                  <a:srgbClr val="FF0000"/>
+                </a:solidFill>
+              </a:rPr>
+              <a:t>Exception</a:t>
+            </a:r>
+            <a:r>
+              <a:rPr lang="zh-TW" altLang="en-US" sz="2600" b="1" u="sng" dirty="0" smtClean="0">
+                <a:solidFill>
+                  <a:srgbClr val="FF0000"/>
+                </a:solidFill>
+              </a:rPr>
+              <a:t>：</a:t>
+            </a:r>
+            <a:r>
+              <a:rPr lang="zh-TW" altLang="en-US" sz="2600" dirty="0" smtClean="0">
+                <a:solidFill>
+                  <a:schemeClr val="tx1"/>
+                </a:solidFill>
+              </a:rPr>
+              <a:t>萬用的始祖，不知道確實哪一種錯誤，就用先這個吧！</a:t>
+            </a:r>
+            <a:endParaRPr lang="en-US" altLang="zh-TW" sz="2600" dirty="0">
+              <a:solidFill>
+                <a:schemeClr val="tx1"/>
+              </a:solidFill>
+            </a:endParaRPr>
+          </a:p>
+          <a:p>
+            <a:r>
+              <a:rPr lang="en-US" altLang="zh-TW" dirty="0"/>
+              <a:t>Error</a:t>
+            </a:r>
+          </a:p>
+          <a:p>
+            <a:r>
+              <a:rPr lang="en-US" altLang="zh-TW" dirty="0"/>
+              <a:t>RuntimeException</a:t>
+            </a:r>
+          </a:p>
+          <a:p>
+            <a:r>
+              <a:rPr lang="en-US" altLang="zh-TW" dirty="0"/>
+              <a:t>ClassNotFoundException</a:t>
+            </a:r>
+          </a:p>
+          <a:p>
+            <a:r>
+              <a:rPr lang="en-US" altLang="zh-TW" dirty="0"/>
+              <a:t>IOException</a:t>
+            </a:r>
+          </a:p>
+          <a:p>
+            <a:r>
+              <a:rPr lang="en-US" altLang="zh-TW" dirty="0"/>
+              <a:t>SQLException</a:t>
+            </a:r>
+          </a:p>
+          <a:p>
+            <a:r>
+              <a:rPr lang="en-US" altLang="zh-TW" dirty="0"/>
+              <a:t>IndexOutOfBoundsException</a:t>
+            </a:r>
+          </a:p>
+          <a:p>
+            <a:r>
+              <a:rPr lang="en-US" altLang="zh-TW" dirty="0"/>
+              <a:t>ClassCastException</a:t>
+            </a:r>
+          </a:p>
+          <a:p>
+            <a:r>
+              <a:rPr lang="en-US" altLang="zh-TW" dirty="0"/>
+              <a:t>NullPointerException</a:t>
+            </a:r>
+          </a:p>
+          <a:p>
+            <a:r>
+              <a:rPr lang="en-US" altLang="zh-TW" dirty="0"/>
+              <a:t>OutOfMemoryError</a:t>
+            </a:r>
+          </a:p>
+          <a:p>
+            <a:r>
+              <a:rPr lang="en-US" altLang="zh-TW" dirty="0"/>
+              <a:t>StackOverflowError</a:t>
+            </a:r>
+          </a:p>
+          <a:p>
+            <a:r>
+              <a:rPr lang="en-US" altLang="zh-TW" dirty="0"/>
+              <a:t>NoClassDefFoundError</a:t>
+            </a:r>
+            <a:endParaRPr lang="zh-TW" altLang="en-US" dirty="0"/>
+          </a:p>
+        </p:txBody>
+      </p:sp>
+    </p:spTree>
+    <p:extLst>
+      <p:ext uri="{BB962C8B-B14F-4D97-AF65-F5344CB8AC3E}">
+        <p14:creationId xmlns:p14="http://schemas.microsoft.com/office/powerpoint/2010/main" val="1566923971"/>
+      </p:ext>
+    </p:extLst>
+  </p:cSld>
+  <p:clrMapOvr>
+    <a:masterClrMapping/>
+  </p:clrMapOvr>
+</p:sld>
+</file>
+
+<file path=ppt/slides/slide7.xml><?xml version="1.0" encoding="utf-8"?>
+<p:sld xmlns:a="http://schemas.openxmlformats.org/drawingml/2006/main" xmlns:r="http://schemas.openxmlformats.org/officeDocument/2006/relationships" xmlns:p="http://schemas.openxmlformats.org/presentationml/2006/main">
+  <p:cSld>
+    <p:spTree>
+      <p:nvGrpSpPr>
+        <p:cNvPr id="1" name=""/>
+        <p:cNvGrpSpPr/>
+        <p:nvPr/>
+      </p:nvGrpSpPr>
+      <p:grpSpPr>
+        <a:xfrm>
+          <a:off x="0" y="0"/>
+          <a:ext cx="0" cy="0"/>
+          <a:chOff x="0" y="0"/>
+          <a:chExt cx="0" cy="0"/>
+        </a:xfrm>
+      </p:grpSpPr>
+      <p:sp>
+        <p:nvSpPr>
+          <p:cNvPr id="4" name="標題 3"/>
+          <p:cNvSpPr>
+            <a:spLocks noGrp="1"/>
+          </p:cNvSpPr>
+          <p:nvPr>
+            <p:ph type="title"/>
+          </p:nvPr>
+        </p:nvSpPr>
+        <p:spPr/>
+        <p:txBody>
+          <a:bodyPr/>
+          <a:lstStyle/>
+          <a:p>
+            <a:r>
+              <a:rPr lang="zh-TW" altLang="en-US" dirty="0" smtClean="0"/>
+              <a:t>回歸主題</a:t>
+            </a:r>
+            <a:r>
+              <a:rPr lang="en-US" altLang="zh-TW" dirty="0" smtClean="0"/>
+              <a:t/>
+            </a:r>
+            <a:br>
+              <a:rPr lang="en-US" altLang="zh-TW" dirty="0" smtClean="0"/>
+            </a:br>
+            <a:r>
+              <a:rPr lang="zh-TW" altLang="en-US" dirty="0" smtClean="0"/>
+              <a:t>認識</a:t>
+            </a:r>
+            <a:r>
+              <a:rPr lang="en-US" altLang="zh-TW" dirty="0" smtClean="0"/>
+              <a:t>NIO2 </a:t>
+            </a:r>
+            <a:r>
+              <a:rPr lang="zh-TW" altLang="en-US" dirty="0" smtClean="0"/>
+              <a:t>先從</a:t>
+            </a:r>
+            <a:r>
+              <a:rPr lang="en-US" altLang="zh-TW" dirty="0" smtClean="0"/>
+              <a:t>Path</a:t>
+            </a:r>
+            <a:r>
+              <a:rPr lang="zh-TW" altLang="en-US" dirty="0" smtClean="0"/>
+              <a:t>開始</a:t>
+            </a:r>
+            <a:endParaRPr lang="zh-TW" altLang="en-US" dirty="0"/>
+          </a:p>
+        </p:txBody>
+      </p:sp>
+      <p:sp>
+        <p:nvSpPr>
+          <p:cNvPr id="5" name="文字版面配置區 4"/>
+          <p:cNvSpPr>
+            <a:spLocks noGrp="1"/>
+          </p:cNvSpPr>
+          <p:nvPr>
+            <p:ph type="body" idx="1"/>
+          </p:nvPr>
+        </p:nvSpPr>
+        <p:spPr/>
+        <p:txBody>
+          <a:bodyPr/>
+          <a:lstStyle/>
+          <a:p>
+            <a:endParaRPr lang="zh-TW" altLang="en-US" dirty="0"/>
+          </a:p>
+        </p:txBody>
+      </p:sp>
+    </p:spTree>
+    <p:extLst>
+      <p:ext uri="{BB962C8B-B14F-4D97-AF65-F5344CB8AC3E}">
+        <p14:creationId xmlns:p14="http://schemas.microsoft.com/office/powerpoint/2010/main" val="2927409938"/>
+      </p:ext>
+    </p:extLst>
+  </p:cSld>
+  <p:clrMapOvr>
+    <a:masterClrMapping/>
+  </p:clrMapOvr>
+</p:sld>
+</file>
+
+<file path=ppt/slides/slide8.xml><?xml version="1.0" encoding="utf-8"?>
+<p:sld xmlns:a="http://schemas.openxmlformats.org/drawingml/2006/main" xmlns:r="http://schemas.openxmlformats.org/officeDocument/2006/relationships" xmlns:p="http://schemas.openxmlformats.org/presentationml/2006/main">
+  <p:cSld>
+    <p:spTree>
+      <p:nvGrpSpPr>
+        <p:cNvPr id="1" name=""/>
+        <p:cNvGrpSpPr/>
+        <p:nvPr/>
+      </p:nvGrpSpPr>
+      <p:grpSpPr>
+        <a:xfrm>
+          <a:off x="0" y="0"/>
+          <a:ext cx="0" cy="0"/>
+          <a:chOff x="0" y="0"/>
+          <a:chExt cx="0" cy="0"/>
+        </a:xfrm>
+      </p:grpSpPr>
+      <p:sp>
+        <p:nvSpPr>
+          <p:cNvPr id="2" name="標題 1"/>
+          <p:cNvSpPr>
+            <a:spLocks noGrp="1"/>
+          </p:cNvSpPr>
+          <p:nvPr>
+            <p:ph type="title"/>
+          </p:nvPr>
+        </p:nvSpPr>
+        <p:spPr/>
+        <p:txBody>
+          <a:bodyPr/>
+          <a:lstStyle/>
+          <a:p>
+            <a:r>
+              <a:rPr lang="zh-TW" altLang="en-US" dirty="0" smtClean="0"/>
+              <a:t>先從樹狀結構談起</a:t>
+            </a:r>
+            <a:endParaRPr lang="zh-TW" altLang="en-US" dirty="0"/>
+          </a:p>
+        </p:txBody>
+      </p:sp>
+      <p:sp>
+        <p:nvSpPr>
+          <p:cNvPr id="3" name="內容版面配置區 2"/>
+          <p:cNvSpPr>
+            <a:spLocks noGrp="1"/>
+          </p:cNvSpPr>
+          <p:nvPr>
+            <p:ph idx="1"/>
+          </p:nvPr>
+        </p:nvSpPr>
+        <p:spPr/>
+        <p:txBody>
+          <a:bodyPr/>
+          <a:lstStyle/>
+          <a:p>
+            <a:r>
+              <a:rPr lang="zh-TW" altLang="en-US" dirty="0" smtClean="0"/>
               <a:t>開檔前先要知道檔案系統的結構！</a:t>
             </a:r>
             <a:endParaRPr lang="en-US" altLang="zh-TW" dirty="0" smtClean="0"/>
@@ -6439,7 +11968,7 @@
             </a:r>
             <a:r>
               <a:rPr lang="en-US" altLang="zh-TW" dirty="0" smtClean="0"/>
-              <a:t>Path (directory)</a:t>
+              <a:t>directory</a:t>
             </a:r>
             <a:r>
               <a:rPr lang="zh-TW" altLang="en-US" dirty="0" smtClean="0"/>
@@ -6453,42 +11982,56 @@
           <a:p>
             <a:pPr lvl="1"/>
             <a:r>
+              <a:rPr lang="en-US" altLang="zh-TW" dirty="0"/>
+              <a:t>directory </a:t>
+            </a:r>
+            <a:r>
+              <a:rPr lang="zh-TW" altLang="en-US" dirty="0" smtClean="0"/>
+              <a:t>：也就是目錄、資料夾、路徑</a:t>
+            </a:r>
+            <a:r>
+              <a:rPr lang="en-US" altLang="zh-TW" dirty="0" smtClean="0"/>
+              <a:t>….</a:t>
+            </a:r>
+          </a:p>
+          <a:p>
+            <a:pPr lvl="1"/>
+            <a:r>
+              <a:rPr lang="en-US" altLang="zh-TW" dirty="0" smtClean="0"/>
+              <a:t>File</a:t>
+            </a:r>
+            <a:r>
+              <a:rPr lang="zh-TW" altLang="en-US" dirty="0" smtClean="0"/>
+              <a:t>：檔案</a:t>
+            </a:r>
+            <a:endParaRPr lang="en-US" altLang="zh-TW" dirty="0" smtClean="0"/>
+          </a:p>
+          <a:p>
+            <a:endParaRPr lang="en-US" altLang="zh-TW" dirty="0"/>
+          </a:p>
+          <a:p>
+            <a:r>
+              <a:rPr lang="zh-TW" altLang="en-US" b="1" dirty="0" smtClean="0"/>
+              <a:t>樹狀結構</a:t>
+            </a:r>
+            <a:r>
+              <a:rPr lang="zh-TW" altLang="en-US" dirty="0" smtClean="0"/>
+              <a:t>是基本常識！</a:t>
+            </a:r>
+            <a:endParaRPr lang="en-US" altLang="zh-TW" dirty="0" smtClean="0"/>
+          </a:p>
+          <a:p>
+            <a:r>
               <a:rPr lang="en-US" altLang="zh-TW" dirty="0" smtClean="0"/>
               <a:t>Path</a:t>
             </a:r>
             <a:r>
               <a:rPr lang="zh-TW" altLang="en-US" dirty="0" smtClean="0"/>
-              <a:t>：也就是目錄、資料夾、路徑</a:t>
-            </a:r>
-            <a:r>
-              <a:rPr lang="en-US" altLang="zh-TW" dirty="0" smtClean="0"/>
-              <a:t>….</a:t>
-            </a:r>
-          </a:p>
-          <a:p>
-            <a:pPr lvl="1"/>
-            <a:r>
-              <a:rPr lang="en-US" altLang="zh-TW" dirty="0" smtClean="0"/>
-              <a:t>File</a:t>
-            </a:r>
-            <a:r>
-              <a:rPr lang="zh-TW" altLang="en-US" dirty="0" smtClean="0"/>
-              <a:t>：檔案</a:t>
+              <a:t>即是用來表示這個路徑的所有訊息。</a:t>
             </a:r>
             <a:endParaRPr lang="en-US" altLang="zh-TW" dirty="0" smtClean="0"/>
           </a:p>
           <a:p>
-            <a:endParaRPr lang="en-US" altLang="zh-TW" dirty="0"/>
-          </a:p>
-          <a:p>
-            <a:r>
-              <a:rPr lang="zh-TW" altLang="en-US" b="1" dirty="0" smtClean="0"/>
-              <a:t>樹狀結構</a:t>
-            </a:r>
-            <a:r>
-              <a:rPr lang="zh-TW" altLang="en-US" dirty="0" smtClean="0"/>
-              <a:t>是基本常識！</a:t>
-            </a:r>
             <a:endParaRPr lang="zh-TW" altLang="en-US" dirty="0"/>
           </a:p>
         </p:txBody>
@@ -6509,7 +12052,7 @@
         </p:blipFill>
         <p:spPr>
           <a:xfrm>
-            <a:off x="5186934" y="1731620"/>
+            <a:off x="5260086" y="1729524"/>
             <a:ext cx="6627114" cy="4740807"/>
           </a:xfrm>
           <a:prstGeom prst="rect">
@@ -6653,7 +12196,7 @@
 </p:sld>
 </file>
 
-<file path=ppt/slides/slide4.xml><?xml version="1.0" encoding="utf-8"?>
+<file path=ppt/slides/slide9.xml><?xml version="1.0" encoding="utf-8"?>
 <p:sld xmlns:a="http://schemas.openxmlformats.org/drawingml/2006/main" xmlns:r="http://schemas.openxmlformats.org/officeDocument/2006/relationships" xmlns:p="http://schemas.openxmlformats.org/presentationml/2006/main">
   <p:cSld>
     <p:spTree>
@@ -6672,7 +12215,7 @@
       </p:grpSpPr>
       <p:sp>
         <p:nvSpPr>
-          <p:cNvPr id="4" name="標題 3"/>
+          <p:cNvPr id="2" name="標題 1"/>
           <p:cNvSpPr>
             <a:spLocks noGrp="1"/>
           </p:cNvSpPr>
@@ -6686,100 +12229,16 @@
           <a:lstStyle/>
           <a:p>
             <a:r>
-              <a:rPr lang="zh-TW" altLang="en-US" dirty="0" smtClean="0"/>
-              <a:t>開堂～放狗～啊錯了！ 是開檔～</a:t>
-            </a:r>
-            <a:endParaRPr lang="zh-TW" altLang="en-US" dirty="0"/>
-          </a:p>
-        </p:txBody>
-      </p:sp>
-      <p:sp>
-        <p:nvSpPr>
-          <p:cNvPr id="5" name="文字版面配置區 4"/>
-          <p:cNvSpPr>
-            <a:spLocks noGrp="1"/>
-          </p:cNvSpPr>
-          <p:nvPr>
-            <p:ph type="body" idx="1"/>
-          </p:nvPr>
-        </p:nvSpPr>
-        <p:spPr/>
-        <p:txBody>
-          <a:bodyPr/>
-          <a:lstStyle/>
-          <a:p>
-            <a:r>
-              <a:rPr lang="zh-TW" altLang="en-US" dirty="0" smtClean="0"/>
-              <a:t>所謂的</a:t>
-            </a:r>
-            <a:r>
-              <a:rPr lang="en-US" altLang="zh-TW" dirty="0" smtClean="0"/>
-              <a:t>I/O</a:t>
-            </a:r>
-            <a:r>
-              <a:rPr lang="zh-TW" altLang="en-US" dirty="0" smtClean="0"/>
-              <a:t>就是從這裡開始</a:t>
-            </a:r>
-            <a:endParaRPr lang="zh-TW" altLang="en-US" dirty="0"/>
-          </a:p>
-        </p:txBody>
-      </p:sp>
-    </p:spTree>
-    <p:extLst>
-      <p:ext uri="{BB962C8B-B14F-4D97-AF65-F5344CB8AC3E}">
-        <p14:creationId xmlns:p14="http://schemas.microsoft.com/office/powerpoint/2010/main" val="2927409938"/>
-      </p:ext>
-    </p:extLst>
-  </p:cSld>
-  <p:clrMapOvr>
-    <a:masterClrMapping/>
-  </p:clrMapOvr>
-</p:sld>
-</file>
-
-<file path=ppt/slides/slide5.xml><?xml version="1.0" encoding="utf-8"?>
-<p:sld xmlns:a="http://schemas.openxmlformats.org/drawingml/2006/main" xmlns:r="http://schemas.openxmlformats.org/officeDocument/2006/relationships" xmlns:p="http://schemas.openxmlformats.org/presentationml/2006/main">
-  <p:cSld>
-    <p:spTree>
-      <p:nvGrpSpPr>
-        <p:cNvPr id="1" name=""/>
-        <p:cNvGrpSpPr/>
-        <p:nvPr/>
-      </p:nvGrpSpPr>
-      <p:grpSpPr>
-        <a:xfrm>
-          <a:off x="0" y="0"/>
-          <a:ext cx="0" cy="0"/>
-          <a:chOff x="0" y="0"/>
-          <a:chExt cx="0" cy="0"/>
-        </a:xfrm>
-      </p:grpSpPr>
-      <p:sp>
-        <p:nvSpPr>
-          <p:cNvPr id="4" name="標題 3"/>
-          <p:cNvSpPr>
-            <a:spLocks noGrp="1"/>
-          </p:cNvSpPr>
-          <p:nvPr>
-            <p:ph type="title"/>
-          </p:nvPr>
-        </p:nvSpPr>
-        <p:spPr/>
-        <p:txBody>
-          <a:bodyPr/>
-          <a:lstStyle/>
-          <a:p>
-            <a:r>
-              <a:rPr lang="zh-TW" altLang="en-US" dirty="0" smtClean="0"/>
-              <a:t>先把</a:t>
-            </a:r>
-            <a:r>
               <a:rPr lang="en-US" altLang="zh-TW" dirty="0" smtClean="0"/>
               <a:t>Path</a:t>
             </a:r>
             <a:r>
               <a:rPr lang="zh-TW" altLang="en-US" dirty="0" smtClean="0"/>
-              <a:t>設定好</a:t>
+              <a:t>試用一下</a:t>
+            </a:r>
+            <a:r>
+              <a:rPr lang="en-US" altLang="zh-TW" dirty="0" smtClean="0"/>
+              <a:t>(1/2)</a:t>
             </a:r>
             <a:endParaRPr lang="zh-TW" altLang="en-US" dirty="0"/>
           </a:p>
@@ -6787,7 +12246,7 @@
       </p:sp>
       <p:sp>
         <p:nvSpPr>
-          <p:cNvPr id="5" name="內容版面配置區 4"/>
+          <p:cNvPr id="3" name="內容版面配置區 2"/>
           <p:cNvSpPr>
             <a:spLocks noGrp="1"/>
           </p:cNvSpPr>
@@ -6797,12 +12256,87 @@
         </p:nvSpPr>
         <p:spPr/>
         <p:txBody>
-          <a:bodyPr/>
+          <a:bodyPr>
+            <a:normAutofit/>
+          </a:bodyPr>
           <a:lstStyle/>
           <a:p>
             <a:r>
+              <a:rPr lang="en-US" altLang="zh-TW" dirty="0"/>
+              <a:t>Path </a:t>
+            </a:r>
+            <a:r>
+              <a:rPr lang="zh-TW" altLang="en-US" dirty="0"/>
+              <a:t>是</a:t>
+            </a:r>
+            <a:r>
+              <a:rPr lang="en-US" altLang="zh-TW" dirty="0"/>
+              <a:t>NIO.2 </a:t>
+            </a:r>
+            <a:r>
+              <a:rPr lang="zh-TW" altLang="en-US" dirty="0"/>
+              <a:t>中</a:t>
+            </a:r>
+            <a:r>
+              <a:rPr lang="zh-TW" altLang="en-US" b="1" dirty="0">
+                <a:solidFill>
+                  <a:srgbClr val="FF0000"/>
+                </a:solidFill>
+              </a:rPr>
+              <a:t>描述檔案的方式</a:t>
+            </a:r>
+            <a:r>
+              <a:rPr lang="zh-TW" altLang="en-US" dirty="0"/>
+              <a:t>，主要是用來取得檔案資訊。</a:t>
+            </a:r>
+            <a:r>
+              <a:rPr lang="zh-TW" altLang="en-US" b="1" dirty="0">
+                <a:solidFill>
+                  <a:srgbClr val="FF0000"/>
+                </a:solidFill>
+              </a:rPr>
+              <a:t>不直接對檔案操作。</a:t>
+            </a:r>
+            <a:endParaRPr lang="en-US" altLang="zh-TW" b="1" dirty="0">
+              <a:solidFill>
+                <a:srgbClr val="FF0000"/>
+              </a:solidFill>
+            </a:endParaRPr>
+          </a:p>
+          <a:p>
+            <a:endParaRPr lang="en-US" altLang="zh-TW" dirty="0" smtClean="0"/>
+          </a:p>
+          <a:p>
+            <a:r>
               <a:rPr lang="zh-TW" altLang="en-US" dirty="0" smtClean="0"/>
-              <a:t>首先 要</a:t>
+              <a:t>預先把</a:t>
+            </a:r>
+            <a:r>
+              <a:rPr lang="zh-TW" altLang="en-US" dirty="0"/>
+              <a:t>下載的</a:t>
+            </a:r>
+            <a:r>
+              <a:rPr lang="en-US" altLang="zh-TW" b="1" dirty="0"/>
+              <a:t>score.csv</a:t>
+            </a:r>
+            <a:r>
+              <a:rPr lang="zh-TW" altLang="en-US" b="1" dirty="0"/>
+              <a:t>放在</a:t>
+            </a:r>
+            <a:r>
+              <a:rPr lang="en-US" altLang="zh-TW" b="1" dirty="0"/>
+              <a:t>D:</a:t>
+            </a:r>
+            <a:r>
+              <a:rPr lang="zh-TW" altLang="en-US" b="1" dirty="0" smtClean="0"/>
+              <a:t>的根目錄</a:t>
+            </a:r>
+            <a:endParaRPr lang="en-US" altLang="zh-TW" b="1" dirty="0" smtClean="0"/>
+          </a:p>
+          <a:p>
+            <a:r>
+              <a:rPr lang="zh-TW" altLang="en-US" dirty="0"/>
+              <a:t>首先</a:t>
             </a:r>
             <a:r>
               <a:rPr lang="en-US" altLang="zh-TW" dirty="0" smtClean="0"/>
@@ -6810,75 +12344,110 @@
             </a:r>
             <a:r>
               <a:rPr lang="zh-TW" altLang="en-US" dirty="0" smtClean="0"/>
-              <a:t>類別庫！</a:t>
+              <a:t> </a:t>
+            </a:r>
+            <a:r>
+              <a:rPr lang="en-US" altLang="zh-TW" dirty="0" smtClean="0"/>
+              <a:t>nio</a:t>
+            </a:r>
+            <a:r>
+              <a:rPr lang="zh-TW" altLang="en-US" dirty="0" smtClean="0"/>
+              <a:t>的</a:t>
+            </a:r>
+            <a:r>
+              <a:rPr lang="en-US" altLang="zh-TW" dirty="0" smtClean="0"/>
+              <a:t>library</a:t>
+            </a:r>
+          </a:p>
+          <a:p>
+            <a:endParaRPr lang="en-US" altLang="zh-TW" dirty="0"/>
+          </a:p>
+          <a:p>
+            <a:r>
+              <a:rPr lang="zh-TW" altLang="en-US" dirty="0" smtClean="0"/>
+              <a:t>再來</a:t>
+            </a:r>
+            <a:r>
+              <a:rPr lang="zh-TW" altLang="en-US" dirty="0"/>
+              <a:t>主程式中</a:t>
+            </a:r>
+            <a:r>
+              <a:rPr lang="zh-TW" altLang="en-US" dirty="0" smtClean="0"/>
+              <a:t>宣告變數</a:t>
             </a:r>
             <a:endParaRPr lang="en-US" altLang="zh-TW" dirty="0" smtClean="0"/>
           </a:p>
           <a:p>
-            <a:endParaRPr lang="en-US" altLang="zh-TW" dirty="0" smtClean="0"/>
-          </a:p>
-          <a:p>
+            <a:endParaRPr lang="en-US" altLang="zh-TW" dirty="0"/>
+          </a:p>
+          <a:p>
+            <a:pPr lvl="1"/>
+            <a:r>
+              <a:rPr lang="en-US" altLang="zh-TW" dirty="0" smtClean="0"/>
+              <a:t>theCSVPath</a:t>
+            </a:r>
             <a:r>
               <a:rPr lang="zh-TW" altLang="en-US" dirty="0" smtClean="0"/>
-              <a:t>接下來設定</a:t>
+              <a:t>是一個檔案的</a:t>
             </a:r>
             <a:r>
               <a:rPr lang="en-US" altLang="zh-TW" dirty="0" smtClean="0"/>
               <a:t>Path</a:t>
             </a:r>
-          </a:p>
-          <a:p>
-            <a:endParaRPr lang="en-US" altLang="zh-TW" dirty="0"/>
-          </a:p>
-          <a:p>
-            <a:pPr lvl="1"/>
             <a:r>
               <a:rPr lang="zh-TW" altLang="en-US" dirty="0" smtClean="0"/>
-              <a:t>假設把下載的</a:t>
+              <a:t>訊息</a:t>
+            </a:r>
+            <a:endParaRPr lang="en-US" altLang="zh-TW" dirty="0" smtClean="0"/>
+          </a:p>
+          <a:p>
+            <a:r>
+              <a:rPr lang="zh-TW" altLang="en-US" dirty="0" smtClean="0"/>
+              <a:t>我們可以透過</a:t>
             </a:r>
             <a:r>
               <a:rPr lang="en-US" altLang="zh-TW" dirty="0" smtClean="0"/>
-              <a:t>score.csv</a:t>
+              <a:t>theCSVPath</a:t>
             </a:r>
             <a:r>
               <a:rPr lang="zh-TW" altLang="en-US" dirty="0" smtClean="0"/>
-              <a:t>放在</a:t>
+              <a:t>取得</a:t>
             </a:r>
             <a:r>
               <a:rPr lang="en-US" altLang="zh-TW" dirty="0" smtClean="0"/>
-              <a:t>D:</a:t>
+              <a:t>D:\\score.csv</a:t>
             </a:r>
             <a:r>
               <a:rPr lang="zh-TW" altLang="en-US" dirty="0" smtClean="0"/>
-              <a:t>的跟目錄</a:t>
-            </a:r>
-            <a:endParaRPr lang="en-US" altLang="zh-TW" dirty="0" smtClean="0"/>
-          </a:p>
-          <a:p>
+              <a:t>檔案的各種資訊。</a:t>
+            </a:r>
             <a:endParaRPr lang="zh-TW" altLang="en-US" dirty="0"/>
           </a:p>
         </p:txBody>
       </p:sp>
       <p:sp>
         <p:nvSpPr>
-          <p:cNvPr id="6" name="矩形 5"/>
+          <p:cNvPr id="4" name="矩形 3"/>
           <p:cNvSpPr/>
           <p:nvPr/>
         </p:nvSpPr>
         <p:spPr>
           <a:xfrm>
-            <a:off x="1127482" y="2531102"/>
-            <a:ext cx="3097323" cy="369332"/>
+            <a:off x="1109472" y="3731643"/>
+            <a:ext cx="6690360" cy="369332"/>
           </a:xfrm>
           <a:prstGeom prst="rect">
             <a:avLst/>
           </a:prstGeom>
           <a:solidFill>
-            <a:schemeClr val="tx1"/>
+            <a:schemeClr val="tx1">
+              <a:lumMod val="85000"/>
+              <a:lumOff val="15000"/>
+            </a:schemeClr>
           </a:solidFill>
         </p:spPr>
         <p:txBody>
-          <a:bodyPr wrap="none">
+          <a:bodyPr wrap="square">
             <a:spAutoFit/>
           </a:bodyPr>
           <a:lstStyle/>
@@ -6899,19 +12468,28 @@
                 </a:solidFill>
                 <a:latin typeface="Consolas" panose="020B0609020204030204" pitchFamily="49" charset="0"/>
               </a:rPr>
-              <a:t> </a:t>
-            </a:r>
-            <a:r>
-              <a:rPr lang="en-US" altLang="zh-TW" dirty="0" err="1">
+              <a:t> java</a:t>
+            </a:r>
+            <a:r>
+              <a:rPr lang="en-US" altLang="zh-TW" dirty="0">
+                <a:solidFill>
+                  <a:srgbClr val="E6E6FA"/>
+                </a:solidFill>
+                <a:latin typeface="Consolas" panose="020B0609020204030204" pitchFamily="49" charset="0"/>
+              </a:rPr>
+              <a:t>.</a:t>
+            </a:r>
+            <a:r>
+              <a:rPr lang="en-US" altLang="zh-TW" dirty="0">
                 <a:solidFill>
                   <a:srgbClr val="D9E8F7"/>
                 </a:solidFill>
                 <a:latin typeface="Consolas" panose="020B0609020204030204" pitchFamily="49" charset="0"/>
               </a:rPr>
-              <a:t>java</a:t>
-            </a:r>
-            <a:r>
-              <a:rPr lang="en-US" altLang="zh-TW" dirty="0" err="1">
+              <a:t>nio</a:t>
+            </a:r>
+            <a:r>
+              <a:rPr lang="en-US" altLang="zh-TW" dirty="0">
                 <a:solidFill>
                   <a:srgbClr val="E6E6FA"/>
                 </a:solidFill>
@@ -6920,134 +12498,179 @@
               <a:t>.</a:t>
             </a:r>
             <a:r>
-              <a:rPr lang="en-US" altLang="zh-TW" dirty="0" err="1">
+              <a:rPr lang="en-US" altLang="zh-TW" dirty="0">
                 <a:solidFill>
                   <a:srgbClr val="D9E8F7"/>
                 </a:solidFill>
                 <a:latin typeface="Consolas" panose="020B0609020204030204" pitchFamily="49" charset="0"/>
               </a:rPr>
-              <a:t>nio</a:t>
-            </a:r>
-            <a:r>
-              <a:rPr lang="en-US" altLang="zh-TW" dirty="0" err="1">
+              <a:t>file</a:t>
+            </a:r>
+            <a:r>
+              <a:rPr lang="en-US" altLang="zh-TW" dirty="0" smtClean="0">
                 <a:solidFill>
                   <a:srgbClr val="E6E6FA"/>
                 </a:solidFill>
                 <a:latin typeface="Consolas" panose="020B0609020204030204" pitchFamily="49" charset="0"/>
               </a:rPr>
-              <a:t>.</a:t>
-            </a:r>
-            <a:r>
-              <a:rPr lang="en-US" altLang="zh-TW" dirty="0" err="1">
-                <a:solidFill>
-                  <a:srgbClr val="D9E8F7"/>
-                </a:solidFill>
-                <a:latin typeface="Consolas" panose="020B0609020204030204" pitchFamily="49" charset="0"/>
-              </a:rPr>
-              <a:t>file</a:t>
-            </a:r>
-            <a:r>
-              <a:rPr lang="en-US" altLang="zh-TW" dirty="0">
-                <a:solidFill>
-                  <a:srgbClr val="E6E6FA"/>
-                </a:solidFill>
-                <a:latin typeface="Consolas" panose="020B0609020204030204" pitchFamily="49" charset="0"/>
-              </a:rPr>
               <a:t>.*;</a:t>
             </a:r>
             <a:endParaRPr lang="zh-TW" altLang="en-US" dirty="0"/>
           </a:p>
         </p:txBody>
       </p:sp>
-      <p:pic>
-        <p:nvPicPr>
-          <p:cNvPr id="8" name="圖片 7"/>
-          <p:cNvPicPr>
-            <a:picLocks noChangeAspect="1"/>
-          </p:cNvPicPr>
+      <p:sp>
+        <p:nvSpPr>
+          <p:cNvPr id="5" name="矩形 4"/>
+          <p:cNvSpPr/>
           <p:nvPr/>
-        </p:nvPicPr>
-        <p:blipFill>
-          <a:blip r:embed="rId2"/>
-          <a:stretch>
-            <a:fillRect/>
-          </a:stretch>
-        </p:blipFill>
+        </p:nvSpPr>
         <p:spPr>
           <a:xfrm>
-            <a:off x="1127482" y="3352990"/>
-            <a:ext cx="4800600" cy="371475"/>
+            <a:off x="1109472" y="4496198"/>
+            <a:ext cx="6096000" cy="369332"/>
           </a:xfrm>
           <a:prstGeom prst="rect">
             <a:avLst/>
           </a:prstGeom>
+          <a:solidFill>
+            <a:schemeClr val="tx1">
+              <a:lumMod val="85000"/>
+              <a:lumOff val="15000"/>
+            </a:schemeClr>
+          </a:solidFill>
         </p:spPr>
-      </p:pic>
-      <p:cxnSp>
-        <p:nvCxnSpPr>
-          <p:cNvPr id="10" name="直線單箭頭接點 9"/>
-          <p:cNvCxnSpPr/>
-          <p:nvPr/>
-        </p:nvCxnSpPr>
-        <p:spPr>
-          <a:xfrm flipH="1">
-            <a:off x="3872761" y="2905131"/>
-            <a:ext cx="704088" cy="546854"/>
-          </a:xfrm>
-          <a:prstGeom prst="straightConnector1">
-            <a:avLst/>
-          </a:prstGeom>
-          <a:ln w="28575">
-            <a:solidFill>
-              <a:srgbClr val="FF0000"/>
-            </a:solidFill>
-            <a:tailEnd type="triangle"/>
-          </a:ln>
-        </p:spPr>
-        <p:style>
-          <a:lnRef idx="1">
-            <a:schemeClr val="accent1"/>
-          </a:lnRef>
-          <a:fillRef idx="0">
-            <a:schemeClr val="accent1"/>
-          </a:fillRef>
-          <a:effectRef idx="0">
-            <a:schemeClr val="accent1"/>
-          </a:effectRef>
-          <a:fontRef idx="minor">
-            <a:schemeClr val="tx1"/>
-          </a:fontRef>
-        </p:style>
-      </p:cxnSp>
-      <p:sp>
-        <p:nvSpPr>
-          <p:cNvPr id="11" name="文字方塊 10"/>
-          <p:cNvSpPr txBox="1"/>
-          <p:nvPr/>
-        </p:nvSpPr>
-        <p:spPr>
-          <a:xfrm>
-            <a:off x="4576849" y="2788616"/>
-            <a:ext cx="970137" cy="369332"/>
-          </a:xfrm>
-          <a:prstGeom prst="rect">
-            <a:avLst/>
-          </a:prstGeom>
-          <a:noFill/>
-        </p:spPr>
-        <p:txBody>
-          <a:bodyPr wrap="none" rtlCol="0">
+        <p:txBody>
+          <a:bodyPr>
             <a:spAutoFit/>
           </a:bodyPr>
           <a:lstStyle/>
           <a:p>
             <a:r>
-              <a:rPr lang="zh-TW" altLang="en-US" smtClean="0"/>
-              <a:t>注意有</a:t>
-            </a:r>
-            <a:r>
-              <a:rPr lang="en-US" altLang="zh-TW" dirty="0" smtClean="0"/>
-              <a:t>s</a:t>
+              <a:rPr lang="en-US" altLang="zh-TW" dirty="0">
+                <a:solidFill>
+                  <a:srgbClr val="80F2F6"/>
+                </a:solidFill>
+                <a:latin typeface="Consolas" panose="020B0609020204030204" pitchFamily="49" charset="0"/>
+              </a:rPr>
+              <a:t>Path</a:t>
+            </a:r>
+            <a:r>
+              <a:rPr lang="en-US" altLang="zh-TW" dirty="0">
+                <a:solidFill>
+                  <a:srgbClr val="D9E8F7"/>
+                </a:solidFill>
+                <a:latin typeface="Consolas" panose="020B0609020204030204" pitchFamily="49" charset="0"/>
+              </a:rPr>
+              <a:t> </a:t>
+            </a:r>
+            <a:r>
+              <a:rPr lang="en-US" altLang="zh-TW" dirty="0" smtClean="0">
+                <a:solidFill>
+                  <a:srgbClr val="F2F200"/>
+                </a:solidFill>
+                <a:latin typeface="Consolas" panose="020B0609020204030204" pitchFamily="49" charset="0"/>
+              </a:rPr>
+              <a:t>theCSVPath</a:t>
+            </a:r>
+            <a:r>
+              <a:rPr lang="en-US" altLang="zh-TW" dirty="0" smtClean="0">
+                <a:solidFill>
+                  <a:srgbClr val="D9E8F7"/>
+                </a:solidFill>
+                <a:latin typeface="Consolas" panose="020B0609020204030204" pitchFamily="49" charset="0"/>
+              </a:rPr>
+              <a:t> </a:t>
+            </a:r>
+            <a:r>
+              <a:rPr lang="en-US" altLang="zh-TW" dirty="0">
+                <a:solidFill>
+                  <a:srgbClr val="E6E6FA"/>
+                </a:solidFill>
+                <a:latin typeface="Consolas" panose="020B0609020204030204" pitchFamily="49" charset="0"/>
+              </a:rPr>
+              <a:t>=</a:t>
+            </a:r>
+            <a:r>
+              <a:rPr lang="en-US" altLang="zh-TW" dirty="0">
+                <a:solidFill>
+                  <a:srgbClr val="D9E8F7"/>
+                </a:solidFill>
+                <a:latin typeface="Consolas" panose="020B0609020204030204" pitchFamily="49" charset="0"/>
+              </a:rPr>
+              <a:t> </a:t>
+            </a:r>
+            <a:r>
+              <a:rPr lang="en-US" altLang="zh-TW" dirty="0">
+                <a:solidFill>
+                  <a:srgbClr val="1290C3"/>
+                </a:solidFill>
+                <a:latin typeface="Consolas" panose="020B0609020204030204" pitchFamily="49" charset="0"/>
+              </a:rPr>
+              <a:t>Paths</a:t>
+            </a:r>
+            <a:r>
+              <a:rPr lang="en-US" altLang="zh-TW" dirty="0">
+                <a:solidFill>
+                  <a:srgbClr val="E6E6FA"/>
+                </a:solidFill>
+                <a:latin typeface="Consolas" panose="020B0609020204030204" pitchFamily="49" charset="0"/>
+              </a:rPr>
+              <a:t>.</a:t>
+            </a:r>
+            <a:r>
+              <a:rPr lang="en-US" altLang="zh-TW" i="1" dirty="0">
+                <a:solidFill>
+                  <a:srgbClr val="96EC3F"/>
+                </a:solidFill>
+                <a:latin typeface="Consolas" panose="020B0609020204030204" pitchFamily="49" charset="0"/>
+              </a:rPr>
+              <a:t>get</a:t>
+            </a:r>
+            <a:r>
+              <a:rPr lang="en-US" altLang="zh-TW" i="1" dirty="0">
+                <a:solidFill>
+                  <a:srgbClr val="F9FAF4"/>
+                </a:solidFill>
+                <a:latin typeface="Consolas" panose="020B0609020204030204" pitchFamily="49" charset="0"/>
+              </a:rPr>
+              <a:t>(</a:t>
+            </a:r>
+            <a:r>
+              <a:rPr lang="en-US" altLang="zh-TW" i="1" dirty="0">
+                <a:solidFill>
+                  <a:srgbClr val="17C6A3"/>
+                </a:solidFill>
+                <a:latin typeface="Consolas" panose="020B0609020204030204" pitchFamily="49" charset="0"/>
+              </a:rPr>
+              <a:t>"D:\\score.csv</a:t>
+            </a:r>
+            <a:r>
+              <a:rPr lang="en-US" altLang="zh-TW" i="1" dirty="0" smtClean="0">
+                <a:solidFill>
+                  <a:srgbClr val="17C6A3"/>
+                </a:solidFill>
+                <a:latin typeface="Consolas" panose="020B0609020204030204" pitchFamily="49" charset="0"/>
+              </a:rPr>
+              <a:t>"</a:t>
+            </a:r>
+            <a:r>
+              <a:rPr lang="en-US" altLang="zh-TW" i="1" dirty="0" smtClean="0">
+                <a:solidFill>
+                  <a:srgbClr val="F9FAF4"/>
+                </a:solidFill>
+                <a:latin typeface="Consolas" panose="020B0609020204030204" pitchFamily="49" charset="0"/>
+              </a:rPr>
+              <a:t>)</a:t>
+            </a:r>
+            <a:r>
+              <a:rPr lang="en-US" altLang="zh-TW" i="1" dirty="0" smtClean="0">
+                <a:solidFill>
+                  <a:srgbClr val="E6E6FA"/>
+                </a:solidFill>
+                <a:latin typeface="Consolas" panose="020B0609020204030204" pitchFamily="49" charset="0"/>
+              </a:rPr>
+              <a:t>;</a:t>
             </a:r>
             <a:endParaRPr lang="zh-TW" altLang="en-US" dirty="0"/>
           </a:p>
@@ -7056,7 +12679,7 @@
     </p:spTree>
     <p:extLst>
       <p:ext uri="{BB962C8B-B14F-4D97-AF65-F5344CB8AC3E}">
-        <p14:creationId xmlns:p14="http://schemas.microsoft.com/office/powerpoint/2010/main" val="3569245903"/>
+        <p14:creationId xmlns:p14="http://schemas.microsoft.com/office/powerpoint/2010/main" val="1539019923"/>
       </p:ext>
     </p:extLst>
   </p:cSld>
